--- a/src/main/resources/static/image/menu/fix(1).pptx
+++ b/src/main/resources/static/image/menu/fix(1).pptx
@@ -156,15 +156,15 @@
           <inkml:channelProperty channel="F" name="resolution" value="0" units="1/dev"/>
         </inkml:channelProperties>
       </inkml:inkSource>
-      <inkml:timestamp xml:id="ts0" timeString="2024-06-17T08:36:28.038"/>
+      <inkml:timestamp xml:id="ts0" timeString="2024-06-17T08:40:47.887"/>
     </inkml:context>
     <inkml:brush xml:id="br0">
-      <inkml:brushProperty name="width" value="0.35" units="cm"/>
-      <inkml:brushProperty name="height" value="0.35" units="cm"/>
+      <inkml:brushProperty name="width" value="0.035" units="cm"/>
+      <inkml:brushProperty name="height" value="0.035" units="cm"/>
       <inkml:brushProperty name="color" value="#FFFFFF"/>
     </inkml:brush>
   </inkml:definitions>
-  <inkml:trace contextRef="#ctx0" brushRef="#br0">272 1 24575,'-10'7'0,"1"0"0,0 1 0,1 0 0,0 0 0,0 1 0,1 0 0,0 0 0,-9 17 0,4-8 0,-23 31 0,10-15 0,1 0 0,2 2 0,-26 55 0,42-66 0,0-1 0,2 1 0,0 1 0,2-1 0,1 0 0,1 0 0,4 32 0,-2 18 0,-4-12 0,0-37 0,1 0 0,2-1 0,5 40 0,-2-51 0,0 0 0,1 0 0,1 0 0,0-1 0,1 1 0,1-1 0,8 12 0,69 79 0,-4-9 0,-38-42 0,70 66 0,-113-119 0,0 0 0,0 0 0,0 0 0,1 0 0,-1 0 0,0 0 0,0 0 0,0 0 0,0 0 0,0 0 0,1 0 0,-1 0 0,0 0 0,0 0 0,0 1 0,0-1 0,0 0 0,0 0 0,1 0 0,-1 0 0,0 0 0,0 0 0,0 1 0,0-1 0,0 0 0,0 0 0,0 0 0,0 0 0,0 0 0,0 1 0,0-1 0,0 0 0,0 0 0,0 0 0,0 0 0,0 0 0,0 1 0,0-1 0,0 0 0,0 0 0,0 0 0,0 0 0,0 1 0,0-1 0,0 0 0,0 0 0,0 0 0,0 0 0,0 0 0,0 0 0,-1 1 0,1-1 0,0 0 0,0 0 0,0 0 0,0 0 0,0 0 0,0 0 0,-1 0 0,1 0 0,0 1 0,0-1 0,-13 0 0,3 1 0,29 10 0,9 0 0,1-2 0,41 8 0,-22-5 0,-1-1-1365</inkml:trace>
+  <inkml:trace contextRef="#ctx0" brushRef="#br0">38 0 24575,'1'89'0,"-2"94"0,-25-38 0,16-72-1365,9-67-5461</inkml:trace>
 </inkml:ink>
 </file>
 
@@ -184,15 +184,15 @@
           <inkml:channelProperty channel="F" name="resolution" value="0" units="1/dev"/>
         </inkml:channelProperties>
       </inkml:inkSource>
-      <inkml:timestamp xml:id="ts0" timeString="2024-06-17T08:37:39.305"/>
+      <inkml:timestamp xml:id="ts0" timeString="2024-06-17T08:40:57.132"/>
     </inkml:context>
     <inkml:brush xml:id="br0">
-      <inkml:brushProperty name="width" value="0.35" units="cm"/>
-      <inkml:brushProperty name="height" value="0.35" units="cm"/>
+      <inkml:brushProperty name="width" value="0.035" units="cm"/>
+      <inkml:brushProperty name="height" value="0.035" units="cm"/>
       <inkml:brushProperty name="color" value="#FFFFFF"/>
     </inkml:brush>
   </inkml:definitions>
-  <inkml:trace contextRef="#ctx0" brushRef="#br0">411 0 24575,'1'76'0,"-2"80"0,-1-145 0,-1-1 0,0 0 0,0 0 0,-1 0 0,0 0 0,-1 0 0,0-1 0,-7 11 0,-18 35 0,21-34 0,-2-1 0,-1 1 0,-26 34 0,28-45 0,0 0 0,0-1 0,-1 1 0,-1-2 0,1 0 0,-1 0 0,-1-1 0,1-1 0,-1 0 0,-26 8 0,24-9 0,8-3 0,1 0 0,-1 0 0,1-1 0,-1 0 0,0 0 0,0 0 0,1-1 0,-8 0 0,20-9 0,1 1 0,1 0 0,0 0 0,10-8 0,1 1 0,-1-2 0,31-36 0,-24 24 0,10-13 0,39-62 0,-32 43 0,-27 38 0,0 0 0,14-34 0,-24 47 0,0-1 0,-1 0 0,0 0 0,-1 0 0,-1-1 0,0 1 0,0-1 0,-1-12 0,-2 34 0,0-1 0,-1 0 0,0 0 0,-1 0 0,-5 13 0,-8 27 0,3 27 0,7-37 0,-2-1 0,-17 54 0,15-65 0,-1 4 0,-1 0 0,-22 37 0,21-45 0,-2-1 0,0 0 0,-1-1 0,-2-1 0,0 0 0,-1-2 0,0 0 0,-40 27 0,35-25 0,19-16 0,-1 1 0,1-1 0,-1 1 0,1-2 0,-1 1 0,-12 5 0,18-9 0,-1 0 0,1 0 0,0 0 0,-1 0 0,1 0 0,0 0 0,-1 0 0,1 0 0,0 0 0,0 0 0,-1 0 0,1 0 0,0 0 0,-1 0 0,1 0 0,0-1 0,-1 1 0,1 0 0,0 0 0,0 0 0,-1 0 0,1-1 0,0 1 0,0 0 0,0 0 0,-1-1 0,1 1 0,0 0 0,0 0 0,0-1 0,-1 1 0,1 0 0,0 0 0,0-1 0,0 1 0,0 0 0,0-1 0,-2-19 0,7-17 0,-3 33 3,1 0 0,0 0 0,0 0-1,1 0 1,-1 0 0,1 0 0,0 1 0,0 0-1,0 0 1,0 0 0,9-4 0,58-23-155,-32 15-1095</inkml:trace>
+  <inkml:trace contextRef="#ctx0" brushRef="#br0">1 52 24575,'12'-1'0,"0"-1"0,-1 0 0,1-1 0,0-1 0,-1 0 0,1-1 0,10-5 0,-1 1 0,-8-3-1365</inkml:trace>
 </inkml:ink>
 </file>
 
@@ -212,15 +212,15 @@
           <inkml:channelProperty channel="F" name="resolution" value="0" units="1/dev"/>
         </inkml:channelProperties>
       </inkml:inkSource>
-      <inkml:timestamp xml:id="ts0" timeString="2024-06-17T08:38:20.270"/>
+      <inkml:timestamp xml:id="ts0" timeString="2024-06-17T08:41:00.834"/>
     </inkml:context>
     <inkml:brush xml:id="br0">
-      <inkml:brushProperty name="width" value="0.05" units="cm"/>
-      <inkml:brushProperty name="height" value="0.05" units="cm"/>
+      <inkml:brushProperty name="width" value="0.035" units="cm"/>
+      <inkml:brushProperty name="height" value="0.035" units="cm"/>
       <inkml:brushProperty name="color" value="#FFFFFF"/>
     </inkml:brush>
   </inkml:definitions>
-  <inkml:trace contextRef="#ctx0" brushRef="#br0">394 563 24575,'1'0'0,"0"1"0,0-1 0,0 1 0,0-1 0,0 1 0,0-1 0,0 1 0,0 0 0,0-1 0,0 1 0,0 0 0,0 0 0,-1 0 0,1 0 0,0 0 0,0 0 0,-1 0 0,1 0 0,-1 0 0,1 0 0,-1 0 0,1 0 0,-1 0 0,0 0 0,1 1 0,-1-1 0,0 0 0,0 0 0,0 0 0,0 1 0,0 0 0,0 49 0,-1-39 0,-1 33 0,1-45 0,1 0 0,0 0 0,0 0 0,0 0 0,0 0 0,0 0 0,0 0 0,0 0 0,0 0 0,0 0 0,0 0 0,0 0 0,-1 0 0,1 0 0,0 0 0,0 1 0,0-1 0,0 0 0,0 0 0,0 0 0,0 0 0,0 0 0,0 0 0,0 0 0,0 0 0,0 0 0,0 0 0,0 0 0,-1 0 0,1 0 0,0 0 0,0 0 0,-1-26 0,1-107 0,0 131 0,1 0 0,0 1 0,-1-1 0,1 0 0,0 1 0,0-1 0,0 1 0,0-1 0,0 1 0,0 0 0,1-1 0,1-1 0,14-21 0,-12-34 0,-5 50 0,0 0 0,0 0 0,1-1 0,0 1 0,0 0 0,1 0 0,3-9 0,-1 7 0,-2 0 0,1 0 0,-2-1 0,2-14 0,2-16 0,-5 39 0,1 0 0,-1 1 0,0-1 0,0 0 0,0 0 0,0 1 0,-1-1 0,1 0 0,0 1 0,-1-1 0,0 0 0,1 1 0,-1-1 0,0 0 0,1 1 0,-1-1 0,0 1 0,0-1 0,0 1 0,-1 0 0,1-1 0,0 1 0,0 0 0,-1 0 0,-1-1 0,1 0 0,-1 0 0,1 0 0,0 0 0,0 0 0,1-1 0,-1 1 0,0 0 0,1-1 0,-1 1 0,1-1 0,0 1 0,0-1 0,-2-5 0,2 3 0,-1 1 0,0-1 0,0 0 0,0 0 0,-1 1 0,0 0 0,-5-8 0,8 12 0,19 20 0,-19-20 0,0 1 0,0-1 0,0 0 0,1 0 0,-1 0 0,0 0 0,0 0 0,0 0 0,0 1 0,0-1 0,0 0 0,1 0 0,-1 0 0,0 0 0,0 1 0,0-1 0,0 0 0,0 0 0,0 0 0,0 0 0,0 1 0,0-1 0,0 0 0,0 0 0,0 0 0,0 1 0,0-1 0,0 0 0,0 0 0,0 0 0,0 0 0,0 1 0,0-1 0,0 0 0,0 0 0,0 0 0,-1 0 0,1 1 0,0-1 0,0 0 0,0 0 0,0 0 0,0 0 0,0 0 0,-1 0 0,1 1 0,0-1 0,0 0 0,0 0 0,0 0 0,0 0 0,-1 0 0,1 0 0,0 0 0,0 0 0,0 0 0,-1 0 0,1 0 0,0 0 0,-21 2 0,-20-5 0,-40-23 0,16 5 0,34 15 0,0 1 0,0 2 0,-62 2 0,65 1 0,29-1 0,1 1 0,-1-1 0,0 0 0,0 1 0,0-1 0,0 0 0,0 0 0,0 0 0,0 0 0,0 0 0,0 0 0,0 0 0,0 0 0,0-1 0,-1 1 0,1 0 0,-1 0 0,1-1 0,-1 1 0,1 0 0,-1-1 0,1-1 0,-1 1 0,1 1 0,-1-1 0,1 0 0,-1 0 0,1 1 0,0-1 0,0 1 0,0-1 0,0 1 0,0-1 0,0 1 0,0 0 0,0-1 0,1 1 0,-1 0 0,3-2 0,69 1 0,-45 3 0,-47 0 0,14-1 0,0 0 0,0 0 0,0 1 0,1-1 0,-1 1 0,0 0 0,-5 3 0,8-4 0,1 1 0,0-1 0,0 1 0,0 0 0,0 0 0,0-1 0,0 1 0,0 0 0,0 0 0,0 0 0,0 0 0,0 0 0,0 0 0,1 1 0,-1-1 0,0 0 0,1 0 0,-1 0 0,1 1 0,-1-1 0,1 0 0,0 1 0,0-1 0,-1 0 0,1 1 0,0-1 0,0 0 0,0 1 0,1-1 0,-1 0 0,0 1 0,1 0 0,-1-1 0,-1-1 0,1 0 0,0 1 0,0-1 0,0 0 0,0 1 0,0-1 0,0 0 0,0 1 0,0-1 0,1 0 0,-1 1 0,0-1 0,0 0 0,0 1 0,0-1 0,0 0 0,0 1 0,1-1 0,-1 0 0,0 1 0,0-1 0,0 0 0,1 0 0,-1 1 0,0-1 0,0 0 0,1 0 0,-1 0 0,0 1 0,1-1 0,-1 0 0,0 0 0,1 0 0,-1 0 0,0 0 0,1 0 0,-1 0 0,0 1 0,1-1 0,-1 0 0,0 0 0,1 0 0,-1 0 0,0-1 0,1 1 0,-1 0 0,0 0 0,1 0 0,-1 0 0,0 0 0,1 0 0,-1 0 0,0-1 0,1 1 0,-1 0 0,0 0 0,0 0 0,1-1 0,-1 1 0,0 0 0,0 0 0,1-1 0,-1 1 0,0-1 0,11-21 0,-10 18-12,-1 0 0,1 0 0,0 0 1,0 0-1,0 0 0,0 0 0,0 1 0,1-1 0,0 1 0,0-1 0,0 1 0,0-1 0,0 1 0,4-4 0,6-8-1174</inkml:trace>
+  <inkml:trace contextRef="#ctx0" brushRef="#br0">1 37 24575,'7'0'0,"1"0"0,0 0 0,-1 0 0,1-1 0,-1 0 0,1-1 0,-1 1 0,0-1 0,1-1 0,-1 0 0,0 0 0,0 0 0,-1-1 0,11-7 0,-13 9-1365</inkml:trace>
 </inkml:ink>
 </file>
 
@@ -240,15 +240,14 @@
           <inkml:channelProperty channel="F" name="resolution" value="0" units="1/dev"/>
         </inkml:channelProperties>
       </inkml:inkSource>
-      <inkml:timestamp xml:id="ts0" timeString="2024-06-17T08:38:23.185"/>
+      <inkml:timestamp xml:id="ts0" timeString="2024-06-17T09:00:19.140"/>
     </inkml:context>
     <inkml:brush xml:id="br0">
-      <inkml:brushProperty name="width" value="0.05" units="cm"/>
-      <inkml:brushProperty name="height" value="0.05" units="cm"/>
-      <inkml:brushProperty name="color" value="#FFFFFF"/>
+      <inkml:brushProperty name="width" value="0.035" units="cm"/>
+      <inkml:brushProperty name="height" value="0.035" units="cm"/>
     </inkml:brush>
   </inkml:definitions>
-  <inkml:trace contextRef="#ctx0" brushRef="#br0">1 1 24575</inkml:trace>
+  <inkml:trace contextRef="#ctx0" brushRef="#br0">37 1 24575,'2'123'0,"-5"133"0,-14-143 67,10-80-544,2 1-1,-2 55 1,7-74-6349</inkml:trace>
 </inkml:ink>
 </file>
 
@@ -268,15 +267,14 @@
           <inkml:channelProperty channel="F" name="resolution" value="0" units="1/dev"/>
         </inkml:channelProperties>
       </inkml:inkSource>
-      <inkml:timestamp xml:id="ts0" timeString="2024-06-17T08:38:30.267"/>
+      <inkml:timestamp xml:id="ts0" timeString="2024-06-17T09:00:19.141"/>
     </inkml:context>
     <inkml:brush xml:id="br0">
-      <inkml:brushProperty name="width" value="0.05" units="cm"/>
-      <inkml:brushProperty name="height" value="0.05" units="cm"/>
-      <inkml:brushProperty name="color" value="#FFFFFF"/>
+      <inkml:brushProperty name="width" value="0.035" units="cm"/>
+      <inkml:brushProperty name="height" value="0.035" units="cm"/>
     </inkml:brush>
   </inkml:definitions>
-  <inkml:trace contextRef="#ctx0" brushRef="#br0">1 38 24575,'6'0'0,"1"1"0,-1 0 0,1 0 0,-1 1 0,0 0 0,0 0 0,0 0 0,0 1 0,0-1 0,0 2 0,5 3 0,-16-6 0,-1 1 0,1-1 0,-1 0 0,1-1 0,-1 1 0,-6-1 0,11 0 0,-1-1 0,1 1 0,0-1 0,0 1 0,0-1 0,-1 1 0,1-1 0,0 0 0,0 1 0,0-1 0,0 0 0,0 0 0,0 0 0,0 0 0,1 0 0,-1 0 0,0 0 0,0 0 0,1 0 0,-1-1 0,1 1 0,-1 0 0,1 0 0,-1-1 0,1 1 0,0 0 0,-1 0 0,1-1 0,0 1 0,0 0 0,0-1 0,0 1 0,0 0 0,1-3 0,-1 2 0,0 0 0,0-1 0,0 1 0,-1 0 0,1 0 0,-1-1 0,1 1 0,-1 0 0,0 0 0,0 0 0,0 0 0,-2-4 0,4 6 0,0 0 0,1 0 0,-1-1 0,1 1 0,0 0 0,-1 0 0,1 0 0,0 0 0,-1 0 0,1 0 0,0 1 0,-1-1 0,1 0 0,-1 1 0,1-1 0,-1 1 0,1 0 0,-1-1 0,1 1 0,-1 0 0,1 0 0,-1 0 0,0 0 0,0 0 0,1 0 0,-1 1 0,2 1 0,-1 7 0,0 0 0,-1 0 0,0 0 0,0 0 0,-1 0 0,-1 0 0,-1 15 0,-1 14 0,11 31 0,-3-40 0,-4 54 54,-2-45-1473</inkml:trace>
+  <inkml:trace contextRef="#ctx0" brushRef="#br0">1 77 24575,'0'-4'0,"-1"0"0,1 1 0,1-1 0,-1 0 0,0 1 0,1-1 0,0 0 0,0 1 0,0-1 0,0 1 0,0 0 0,1-1 0,0 1 0,2-4 0,-2 5 0,1 0 0,-1 0 0,1 0 0,0 1 0,0-1 0,-1 1 0,1 0 0,0 0 0,0 0 0,0 0 0,1 0 0,-1 0 0,0 1 0,0 0 0,0 0 0,0 0 0,4 0 0,6-1 0,-5 1 0,0-1 0,1 2 0,-1-1 0,1 1 0,15 3 0,-22-3 0,0 0 0,0 0 0,0 0 0,0 0 0,0 0 0,0 0 0,0 1 0,-1-1 0,1 0 0,-1 1 0,1-1 0,-1 1 0,1 0 0,-1 0 0,0-1 0,0 1 0,0 0 0,0 0 0,0 0 0,0 0 0,0 0 0,-1 0 0,1 1 0,-1-1 0,0 0 0,1 0 0,-1 5 0,1 48 0,-6 72 0,4-123 3,0 0 1,1-1-1,-1 1 0,-1-1 0,1 0 1,0 1-1,-1-1 0,0 0 0,0 0 1,0 0-1,0 0 0,0 0 0,-1 0 1,1-1-1,-1 1 0,0-1 0,0 1 1,1-1-1,-2 0 0,1 0 0,0-1 1,-4 3-1,-9 3-139,0-1 0,-1-1-1,-24 5 1,15-3-759,13-4-5931</inkml:trace>
 </inkml:ink>
 </file>
 
@@ -296,15 +294,14 @@
           <inkml:channelProperty channel="F" name="resolution" value="0" units="1/dev"/>
         </inkml:channelProperties>
       </inkml:inkSource>
-      <inkml:timestamp xml:id="ts0" timeString="2024-06-17T08:38:49.929"/>
+      <inkml:timestamp xml:id="ts0" timeString="2024-06-17T09:00:19.142"/>
     </inkml:context>
     <inkml:brush xml:id="br0">
-      <inkml:brushProperty name="width" value="0.05" units="cm"/>
-      <inkml:brushProperty name="height" value="0.05" units="cm"/>
-      <inkml:brushProperty name="color" value="#FFFFFF"/>
+      <inkml:brushProperty name="width" value="0.035" units="cm"/>
+      <inkml:brushProperty name="height" value="0.035" units="cm"/>
     </inkml:brush>
   </inkml:definitions>
-  <inkml:trace contextRef="#ctx0" brushRef="#br0">35 580 24575,'-4'26'0,"1"-27"0,-2-15 0,1-14 0,2 0 0,1 0 0,4-41 0,-1-2 0,-3 4 0,2-74 0,1 132 0,1 0 0,0 0 0,0 0 0,1 1 0,0-1 0,7-10 0,12-36 0,-27 80 0,-6 18 0,-1-11 0,1 0 0,1 0 0,1 1 0,-5 47 0,7-12 0,3 128 0,5-103 0,0-74-1365</inkml:trace>
+  <inkml:trace contextRef="#ctx0" brushRef="#br0">1 61 24575,'0'-3'0,"0"-4"0,0-4 0,3 0 0,1-2 0,3 3 0,0 5 0,-1 6 0,-1 7 0,-2 4 0,-1 4 0,-2-4 0,0-4-8191</inkml:trace>
 </inkml:ink>
 </file>
 
@@ -324,15 +321,14 @@
           <inkml:channelProperty channel="F" name="resolution" value="0" units="1/dev"/>
         </inkml:channelProperties>
       </inkml:inkSource>
-      <inkml:timestamp xml:id="ts0" timeString="2024-06-17T08:38:54.432"/>
+      <inkml:timestamp xml:id="ts0" timeString="2024-06-17T09:00:19.143"/>
     </inkml:context>
     <inkml:brush xml:id="br0">
-      <inkml:brushProperty name="width" value="0.05" units="cm"/>
-      <inkml:brushProperty name="height" value="0.05" units="cm"/>
-      <inkml:brushProperty name="color" value="#FFFFFF"/>
+      <inkml:brushProperty name="width" value="0.035" units="cm"/>
+      <inkml:brushProperty name="height" value="0.035" units="cm"/>
     </inkml:brush>
   </inkml:definitions>
-  <inkml:trace contextRef="#ctx0" brushRef="#br0">1 0 24575,'0'6'0,"-1"12"0,1-1 0,1 1 0,0-1 0,1 0 0,1 1 0,1-1 0,9 25 0,-2-16 0,-5-12 0,0 1 0,0 1 0,3 17 0,-17-51 0,-5-16 0,8-14 0,0 7 0,2-74 0,3 115 0,0 0 0,0 0 0,0 0 0,1 0 0,-1 1 0,0-1 0,0 0 0,0 0 0,1 0 0,-1 0 0,0 0 0,0 0 0,0 0 0,1 0 0,-1 0 0,0 0 0,0 0 0,0 0 0,1 0 0,-1 0 0,0 0 0,0 0 0,0 0 0,1 0 0,-1 0 0,0 0 0,0 0 0,1 0 0,-1 0 0,0 0 0,0 0 0,0-1 0,0 1 0,1 0 0,-1 0 0,0 0 0,0 0 0,0 0 0,0-1 0,0 1 0,1 0 0,-1 0 0,0 0 0,0-1 0,0 1 0,0 0 0,0 0 0,0 0 0,0-1 0,0 1 0,0 0 0,0 0 0,0 0 0,0-1 0,0 1 0,0 0 0,0 0 0,0-1 0,0 1 0,0 0 0,0 0 0,0 0 0,0-1 0,0 1 0,0 0 0,0 0 0,-1-1 0,16 25 0,11 35 0,3 68 0,30-1-1365</inkml:trace>
+  <inkml:trace contextRef="#ctx0" brushRef="#br0">285 72 24575,'-2'-6'0,"-1"1"0,0 0 0,0 0 0,0 1 0,-1-1 0,1 1 0,-1-1 0,0 1 0,-1 0 0,1 1 0,-1-1 0,1 1 0,-10-5 0,10 7 0,-1-1 0,1 1 0,-1 0 0,0 0 0,0 1 0,1-1 0,-1 1 0,0 0 0,0 1 0,1-1 0,-1 1 0,0 0 0,0 0 0,1 0 0,-1 1 0,1-1 0,-1 1 0,1 0 0,0 1 0,0-1 0,0 1 0,0 0 0,0 0 0,-5 5 0,-3 3 0,1 0 0,1 1 0,0 0 0,0 1 0,1 0 0,-10 19 0,15-23 0,0-1 0,1 1 0,-1 0 0,2 0 0,-1 0 0,1 0 0,-1 10 0,3-16 0,0 0 0,-1 0 0,1 1 0,1-1 0,-1 0 0,0 0 0,1 0 0,0 0 0,-1 1 0,1-1 0,0 0 0,1 0 0,-1 0 0,0-1 0,1 1 0,0 0 0,0-1 0,0 1 0,0-1 0,0 1 0,0-1 0,0 0 0,4 3 0,47 26 0,-35-21 0,0 0 0,26 21 0,-39-27 0,0 1 0,-1-1 0,0 1 0,0 0 0,0 0 0,0 0 0,-1 0 0,0 1 0,0-1 0,0 1 0,-1 0 0,4 11 0,-3-5 0,0-1 0,0 0 0,-1 0 0,-1 1 0,1-1 0,-2 24 0,0-31 0,-1 0 0,0 0 0,-1 0 0,1 0 0,-1 0 0,1 0 0,-1 0 0,-1 0 0,1-1 0,0 1 0,-1-1 0,0 0 0,1 1 0,-1-1 0,-1-1 0,1 1 0,0 0 0,-1-1 0,-6 4 0,1-1-114,0-1 1,0-1-1,0 0 0,0 0 0,-1-1 1,1 0-1,-1 0 0,0-1 0,1-1 1,-1 1-1,-12-3 0,7 2-6712</inkml:trace>
 </inkml:ink>
 </file>
 
@@ -352,15 +348,14 @@
           <inkml:channelProperty channel="F" name="resolution" value="0" units="1/dev"/>
         </inkml:channelProperties>
       </inkml:inkSource>
-      <inkml:timestamp xml:id="ts0" timeString="2024-06-17T08:38:59.735"/>
+      <inkml:timestamp xml:id="ts0" timeString="2024-06-17T09:00:19.144"/>
     </inkml:context>
     <inkml:brush xml:id="br0">
-      <inkml:brushProperty name="width" value="0.05" units="cm"/>
-      <inkml:brushProperty name="height" value="0.05" units="cm"/>
-      <inkml:brushProperty name="color" value="#FFFFFF"/>
+      <inkml:brushProperty name="width" value="0.035" units="cm"/>
+      <inkml:brushProperty name="height" value="0.035" units="cm"/>
     </inkml:brush>
   </inkml:definitions>
-  <inkml:trace contextRef="#ctx0" brushRef="#br0">35 39 24575,'5'-5'0,"0"0"0,0 1 0,0 0 0,0 0 0,1 1 0,-1-1 0,1 1 0,11-4 0,-52 30 0,15-8 0,-18 6-1365</inkml:trace>
+  <inkml:trace contextRef="#ctx0" brushRef="#br0">1 0 24575,'0'3'0,"3"1"0,4 0 0,1-4 0,2-2 0,-1 3 0,-1 0-8191</inkml:trace>
 </inkml:ink>
 </file>
 
@@ -380,15 +375,14 @@
           <inkml:channelProperty channel="F" name="resolution" value="0" units="1/dev"/>
         </inkml:channelProperties>
       </inkml:inkSource>
-      <inkml:timestamp xml:id="ts0" timeString="2024-06-17T08:39:03.718"/>
+      <inkml:timestamp xml:id="ts0" timeString="2024-06-17T09:00:19.138"/>
     </inkml:context>
     <inkml:brush xml:id="br0">
-      <inkml:brushProperty name="width" value="0.05" units="cm"/>
-      <inkml:brushProperty name="height" value="0.05" units="cm"/>
-      <inkml:brushProperty name="color" value="#FFFFFF"/>
+      <inkml:brushProperty name="width" value="0.035" units="cm"/>
+      <inkml:brushProperty name="height" value="0.035" units="cm"/>
     </inkml:brush>
   </inkml:definitions>
-  <inkml:trace contextRef="#ctx0" brushRef="#br0">0 54 24575,'20'0'0,"-13"1"0,-1 0 0,1-1 0,-1-1 0,1 1 0,-1-1 0,1 0 0,-1 0 0,0-1 0,0 1 0,1-1 0,-1-1 0,8-4 0,6 0 0,0 0 0,0 1 0,1 2 0,0 0 0,22-2 0,-30 5 0,-15 0 0,-37 1-119,-12 0-504,-94 11 0,137-10-6203</inkml:trace>
+  <inkml:trace contextRef="#ctx0" brushRef="#br0">0 1 24575,'0'3'0,"3"1"0,1 3 0,0 3 0,-1 3 0,-1 3 0,-1 1 0,0 1 0,-1 0 0,0 1 0,0 0 0,0-1 0,0 0 0,0 1 0,0-4-8191</inkml:trace>
 </inkml:ink>
 </file>
 
@@ -408,15 +402,14 @@
           <inkml:channelProperty channel="F" name="resolution" value="0" units="1/dev"/>
         </inkml:channelProperties>
       </inkml:inkSource>
-      <inkml:timestamp xml:id="ts0" timeString="2024-06-17T08:39:50.983"/>
+      <inkml:timestamp xml:id="ts0" timeString="2024-06-17T09:00:19.139"/>
     </inkml:context>
     <inkml:brush xml:id="br0">
-      <inkml:brushProperty name="width" value="0.35" units="cm"/>
-      <inkml:brushProperty name="height" value="0.35" units="cm"/>
-      <inkml:brushProperty name="color" value="#FFFFFF"/>
+      <inkml:brushProperty name="width" value="0.035" units="cm"/>
+      <inkml:brushProperty name="height" value="0.035" units="cm"/>
     </inkml:brush>
   </inkml:definitions>
-  <inkml:trace contextRef="#ctx0" brushRef="#br0">451 205 24575,'1'33'0,"0"-21"0,0 0 0,-1 0 0,-1 0 0,0 0 0,0 0 0,-1-1 0,-1 1 0,0 0 0,-8 21 0,-13 19 0,18-36 0,0-1 0,-17 27 0,4-14 0,0 0 0,-2-2 0,-1-1 0,-41 38 0,51-54 0,0 0 0,0 0 0,-1-2 0,0 1 0,-1-2 0,0 1 0,0-2 0,0 0 0,0-1 0,-1 0 0,0-1 0,-26 2 0,28-4 0,0-1 0,29-8 0,4-2 0,-1 0 0,0-1 0,0-1 0,-1 0 0,23-22 0,74-83 0,-64 64 0,-39 39 0,-1 0 0,-1-1 0,0 0 0,-1-1 0,0 0 0,-1 0 0,-1-1 0,9-30 0,6-35 0,9-43 0,-29 48 32,-2 43-1429</inkml:trace>
+  <inkml:trace contextRef="#ctx0" brushRef="#br0">8 1 24575,'0'3'0,"0"4"0,0 4 0,0 3 0,0 2 0,0 2 0,0 1 0,0-1 0,0 1 0,0 0 0,0-1 0,0 1 0,0-1 0,-3-3 0,-1-4-8191</inkml:trace>
 </inkml:ink>
 </file>
 
@@ -463,15 +456,14 @@
           <inkml:channelProperty channel="F" name="resolution" value="0" units="1/dev"/>
         </inkml:channelProperties>
       </inkml:inkSource>
-      <inkml:timestamp xml:id="ts0" timeString="2024-06-17T08:40:47.887"/>
+      <inkml:timestamp xml:id="ts0" timeString="2024-06-17T09:00:19.136"/>
     </inkml:context>
     <inkml:brush xml:id="br0">
       <inkml:brushProperty name="width" value="0.035" units="cm"/>
       <inkml:brushProperty name="height" value="0.035" units="cm"/>
-      <inkml:brushProperty name="color" value="#FFFFFF"/>
     </inkml:brush>
   </inkml:definitions>
-  <inkml:trace contextRef="#ctx0" brushRef="#br0">38 0 24575,'1'89'0,"-2"94"0,-25-38 0,16-72-1365,9-67-5461</inkml:trace>
+  <inkml:trace contextRef="#ctx0" brushRef="#br0">69 0 24575,'-1'14'0,"-1"1"0,0-1 0,-1 0 0,-7 20 0,-7 40 0,15-63-12,0 0-1,0 0 1,-2-1 0,-6 18-1,0-3-1290,6-14-5523</inkml:trace>
 </inkml:ink>
 </file>
 
@@ -491,236 +483,14 @@
           <inkml:channelProperty channel="F" name="resolution" value="0" units="1/dev"/>
         </inkml:channelProperties>
       </inkml:inkSource>
-      <inkml:timestamp xml:id="ts0" timeString="2024-06-17T08:40:57.132"/>
-    </inkml:context>
-    <inkml:brush xml:id="br0">
-      <inkml:brushProperty name="width" value="0.035" units="cm"/>
-      <inkml:brushProperty name="height" value="0.035" units="cm"/>
-      <inkml:brushProperty name="color" value="#FFFFFF"/>
-    </inkml:brush>
-  </inkml:definitions>
-  <inkml:trace contextRef="#ctx0" brushRef="#br0">1 52 24575,'12'-1'0,"0"-1"0,-1 0 0,1-1 0,0-1 0,-1 0 0,1-1 0,10-5 0,-1 1 0,-8-3-1365</inkml:trace>
-</inkml:ink>
-</file>
-
-<file path=ppt/ink/ink22.xml><?xml version="1.0" encoding="utf-8"?>
-<inkml:ink xmlns:inkml="http://www.w3.org/2003/InkML">
-  <inkml:definitions>
-    <inkml:context xml:id="ctx0">
-      <inkml:inkSource xml:id="inkSrc0">
-        <inkml:traceFormat>
-          <inkml:channel name="X" type="integer" min="-2.14748E9" max="2.14748E9" units="cm"/>
-          <inkml:channel name="Y" type="integer" min="-2.14748E9" max="2.14748E9" units="cm"/>
-          <inkml:channel name="F" type="integer" max="32767" units="dev"/>
-        </inkml:traceFormat>
-        <inkml:channelProperties>
-          <inkml:channelProperty channel="X" name="resolution" value="1000" units="1/cm"/>
-          <inkml:channelProperty channel="Y" name="resolution" value="1000" units="1/cm"/>
-          <inkml:channelProperty channel="F" name="resolution" value="0" units="1/dev"/>
-        </inkml:channelProperties>
-      </inkml:inkSource>
-      <inkml:timestamp xml:id="ts0" timeString="2024-06-17T08:41:00.834"/>
-    </inkml:context>
-    <inkml:brush xml:id="br0">
-      <inkml:brushProperty name="width" value="0.035" units="cm"/>
-      <inkml:brushProperty name="height" value="0.035" units="cm"/>
-      <inkml:brushProperty name="color" value="#FFFFFF"/>
-    </inkml:brush>
-  </inkml:definitions>
-  <inkml:trace contextRef="#ctx0" brushRef="#br0">1 37 24575,'7'0'0,"1"0"0,0 0 0,-1 0 0,1-1 0,-1 0 0,1-1 0,-1 1 0,0-1 0,1-1 0,-1 0 0,0 0 0,0 0 0,-1-1 0,11-7 0,-13 9-1365</inkml:trace>
-</inkml:ink>
-</file>
-
-<file path=ppt/ink/ink23.xml><?xml version="1.0" encoding="utf-8"?>
-<inkml:ink xmlns:inkml="http://www.w3.org/2003/InkML">
-  <inkml:definitions>
-    <inkml:context xml:id="ctx0">
-      <inkml:inkSource xml:id="inkSrc0">
-        <inkml:traceFormat>
-          <inkml:channel name="X" type="integer" min="-2.14748E9" max="2.14748E9" units="cm"/>
-          <inkml:channel name="Y" type="integer" min="-2.14748E9" max="2.14748E9" units="cm"/>
-          <inkml:channel name="F" type="integer" max="32767" units="dev"/>
-        </inkml:traceFormat>
-        <inkml:channelProperties>
-          <inkml:channelProperty channel="X" name="resolution" value="1000" units="1/cm"/>
-          <inkml:channelProperty channel="Y" name="resolution" value="1000" units="1/cm"/>
-          <inkml:channelProperty channel="F" name="resolution" value="0" units="1/dev"/>
-        </inkml:channelProperties>
-      </inkml:inkSource>
-      <inkml:timestamp xml:id="ts0" timeString="2024-06-17T08:40:35.824"/>
-    </inkml:context>
-    <inkml:brush xml:id="br0">
-      <inkml:brushProperty name="width" value="0.035" units="cm"/>
-      <inkml:brushProperty name="height" value="0.035" units="cm"/>
-      <inkml:brushProperty name="color" value="#FFFFFF"/>
-    </inkml:brush>
-  </inkml:definitions>
-  <inkml:trace contextRef="#ctx0" brushRef="#br0">0 1 24575,'7'-1'0,"0"1"0,0 0 0,0 0 0,0 1 0,-1 0 0,1 0 0,0 0 0,0 1 0,-1 0 0,1 0 0,-1 1 0,1 0 0,-1 0 0,0 0 0,0 1 0,-1 0 0,1 0 0,-1 0 0,0 1 0,0 0 0,0 0 0,4 6 0,44 64 0,-47-134 0,-5 42 0,-1 12 0,1 0 0,-1 0 0,0 0 0,0 1 0,-1-1 0,1 0 0,-1 0 0,0 1 0,-3-7 0,-1 44-1365</inkml:trace>
-</inkml:ink>
-</file>
-
-<file path=ppt/ink/ink24.xml><?xml version="1.0" encoding="utf-8"?>
-<inkml:ink xmlns:inkml="http://www.w3.org/2003/InkML">
-  <inkml:definitions>
-    <inkml:context xml:id="ctx0">
-      <inkml:inkSource xml:id="inkSrc0">
-        <inkml:traceFormat>
-          <inkml:channel name="X" type="integer" min="-2.14748E9" max="2.14748E9" units="cm"/>
-          <inkml:channel name="Y" type="integer" min="-2.14748E9" max="2.14748E9" units="cm"/>
-          <inkml:channel name="F" type="integer" max="32767" units="dev"/>
-        </inkml:traceFormat>
-        <inkml:channelProperties>
-          <inkml:channelProperty channel="X" name="resolution" value="1000" units="1/cm"/>
-          <inkml:channelProperty channel="Y" name="resolution" value="1000" units="1/cm"/>
-          <inkml:channelProperty channel="F" name="resolution" value="0" units="1/dev"/>
-        </inkml:channelProperties>
-      </inkml:inkSource>
-      <inkml:timestamp xml:id="ts0" timeString="2024-06-17T08:40:38.176"/>
-    </inkml:context>
-    <inkml:brush xml:id="br0">
-      <inkml:brushProperty name="width" value="0.035" units="cm"/>
-      <inkml:brushProperty name="height" value="0.035" units="cm"/>
-      <inkml:brushProperty name="color" value="#FFFFFF"/>
-    </inkml:brush>
-  </inkml:definitions>
-  <inkml:trace contextRef="#ctx0" brushRef="#br0">39 0 24575,'33'61'0,"-33"-60"0,0-1 0,1 0 0,-1 1 0,0-1 0,1 0 0,-1 1 0,0-1 0,1 0 0,-1 1 0,0-1 0,0 1 0,0-1 0,0 0 0,1 1 0,-1-1 0,0 1 0,0-1 0,0 1 0,0-1 0,0 1 0,0-1 0,0 1 0,0-1 0,0 0 0,0 1 0,0-1 0,0 1 0,-1-1 0,1 1 0,0-1 0,0 1 0,0-1 0,-1 0 0,1 1 0,0-1 0,0 0 0,-1 1 0,1-1 0,0 0 0,-1 1 0,1-1 0,0 0 0,-1 1 0,-22-10 0,-24-30 0,49 36 0,11 5 0,10 6 0,-3 8 0,-20-15 0,0-1 0,-1 0 0,1 0 0,0 1 0,0-1 0,0 0 0,0 0 0,0 1 0,0-1 0,-1 0 0,1 0 0,0 0 0,0 1 0,0-1 0,0 0 0,-1 0 0,1 0 0,0 0 0,0 1 0,-1-1 0,1 0 0,0 0 0,0 0 0,-1 0 0,1 0 0,0 0 0,0 0 0,-1 0 0,1 0 0,0 0 0,0 0 0,-1 0 0,1 0 0,0 0 0,0 0 0,-1 0 0,1 0 0,0 0 0,-1 0 0,1 0 0,0 0 0,-48-11 0,48 11 0,0 0 0,0 0 0,0 0 0,-1 0 0,1-1 0,0 1 0,0 0 0,0 0 0,0 0 0,0 0 0,0-1 0,0 1 0,0 0 0,0 0 0,0 0 0,0-1 0,0 1 0,0 0 0,0 0 0,0 0 0,0-1 0,0 1 0,0 0 0,0 0 0,0 0 0,0-1 0,0 1 0,0 0 0,0 0 0,0 0 0,0-1 0,0 1 0,0 0 0,1 0 0,-1 0 0,0 0 0,0 0 0,0-1 0,0 1 0,0 0 0,1 0 0,-1 0 0,0 0 0,0 0 0,0 0 0,1 0 0,-1-1 0,0 1 0,0 0 0,0 0 0,1 0 0,-1 0 0,0 0 0,0 0 0,0 0 0,1 0 0,-1 0 0,0 0 0,0 0 0,0 0 0,1 0 0,-1 0 0,0 1 0,0-1 0,0 0 0,0 0 0,1 0 0,-1 0 0,0 0 0,-1-1 0,1 1 0,0 0 0,0-1 0,0 1 0,0-1 0,-1 1 0,1-1 0,0 1 0,0 0 0,0-1 0,0 1 0,0-1 0,0 1 0,0-1 0,0 1 0,0-1 0,0 1 0,0-1 0,1 1 0,-1 0 0,0-1 0,0 1 0,0-1 0,0 1 0,1 0 0,-1-1 0,0 1 0,0-1 0,1 1 0,-1 0 0,0-1 0,1 1 0,-1 0 0,0 0 0,1-1 0,-1 1 0,1 0 0,-1 0 0,0-1 0,1 1 0,-1 0 0,1 0 0,-1 0 0,1 0 0,-1 0 0,1 0 0,-1 0 0,0 0 0,1 0 0,-1 0 0,1 0 0,-1 0 0,1 0 0,0 0 0,56 9 0,-54-9 0,0 1 0,0 0 0,0 0 0,1 0 0,-1 0 0,-1 1 0,1-1 0,0 1 0,0-1 0,0 1 0,-1 0 0,1 0 0,-1 0 0,0 1 0,4 3 0,-6-5 0,0-1 0,1 0 0,-1 1 0,0-1 0,0 1 0,0-1 0,0 0 0,0 1 0,0-1 0,0 0 0,0 1 0,0-1 0,0 1 0,0-1 0,0 0 0,0 1 0,0-1 0,0 1 0,0-1 0,0 0 0,0 1 0,-1-1 0,1 0 0,0 1 0,0-1 0,0 0 0,-1 1 0,1-1 0,0 0 0,0 0 0,-1 1 0,1-1 0,0 0 0,-1 0 0,1 1 0,0-1 0,-1 0 0,1 0 0,0 0 0,-1 1 0,-23 3 0,-24-7 0,61 3 0,-11 0 0,0-1 0,0 1 0,0 0 0,0 0 0,0 0 0,0 0 0,0 0 0,0 0 0,0 0 0,0 1 0,-1-1 0,1 1 0,0 0 0,0-1 0,0 1 0,0 0 0,-1 0 0,1 0 0,0 0 0,-1 1 0,1-1 0,-1 0 0,1 1 0,1 2 0,42 98 0,-28-71 0,-8-19 0,-2 1 0,0 0 0,0 0 0,-1 1 0,-1 0 0,0 0 0,-1 0 0,0 0 0,-1 1 0,1 19 0,-4-21-1365,0-7-5461</inkml:trace>
-</inkml:ink>
-</file>
-
-<file path=ppt/ink/ink25.xml><?xml version="1.0" encoding="utf-8"?>
-<inkml:ink xmlns:inkml="http://www.w3.org/2003/InkML">
-  <inkml:definitions>
-    <inkml:context xml:id="ctx0">
-      <inkml:inkSource xml:id="inkSrc0">
-        <inkml:traceFormat>
-          <inkml:channel name="X" type="integer" min="-2.14748E9" max="2.14748E9" units="cm"/>
-          <inkml:channel name="Y" type="integer" min="-2.14748E9" max="2.14748E9" units="cm"/>
-          <inkml:channel name="F" type="integer" max="32767" units="dev"/>
-        </inkml:traceFormat>
-        <inkml:channelProperties>
-          <inkml:channelProperty channel="X" name="resolution" value="1000" units="1/cm"/>
-          <inkml:channelProperty channel="Y" name="resolution" value="1000" units="1/cm"/>
-          <inkml:channelProperty channel="F" name="resolution" value="0" units="1/dev"/>
-        </inkml:channelProperties>
-      </inkml:inkSource>
-      <inkml:timestamp xml:id="ts0" timeString="2024-06-17T08:41:03.499"/>
-    </inkml:context>
-    <inkml:brush xml:id="br0">
-      <inkml:brushProperty name="width" value="0.035" units="cm"/>
-      <inkml:brushProperty name="height" value="0.035" units="cm"/>
-      <inkml:brushProperty name="color" value="#FFFFFF"/>
-    </inkml:brush>
-  </inkml:definitions>
-  <inkml:trace contextRef="#ctx0" brushRef="#br0">0 0 24575,'1'0'0,"2"0"0,1 0 0</inkml:trace>
-</inkml:ink>
-</file>
-
-<file path=ppt/ink/ink26.xml><?xml version="1.0" encoding="utf-8"?>
-<inkml:ink xmlns:inkml="http://www.w3.org/2003/InkML">
-  <inkml:definitions>
-    <inkml:context xml:id="ctx0">
-      <inkml:inkSource xml:id="inkSrc0">
-        <inkml:traceFormat>
-          <inkml:channel name="X" type="integer" min="-2.14748E9" max="2.14748E9" units="cm"/>
-          <inkml:channel name="Y" type="integer" min="-2.14748E9" max="2.14748E9" units="cm"/>
-          <inkml:channel name="F" type="integer" max="32767" units="dev"/>
-        </inkml:traceFormat>
-        <inkml:channelProperties>
-          <inkml:channelProperty channel="X" name="resolution" value="1000" units="1/cm"/>
-          <inkml:channelProperty channel="Y" name="resolution" value="1000" units="1/cm"/>
-          <inkml:channelProperty channel="F" name="resolution" value="0" units="1/dev"/>
-        </inkml:channelProperties>
-      </inkml:inkSource>
-      <inkml:timestamp xml:id="ts0" timeString="2024-06-17T08:41:06.476"/>
-    </inkml:context>
-    <inkml:brush xml:id="br0">
-      <inkml:brushProperty name="width" value="0.035" units="cm"/>
-      <inkml:brushProperty name="height" value="0.035" units="cm"/>
-      <inkml:brushProperty name="color" value="#FFFFFF"/>
-    </inkml:brush>
-  </inkml:definitions>
-  <inkml:trace contextRef="#ctx0" brushRef="#br0">1 53 24575,'1'0'0,"2"-2"0,3-1 0,1-1 0,0 0 0,-1 0 0,-1-1 0,-2 0 0,-1-1 0,-2 0 0,1-1 0,-1 0 0</inkml:trace>
-</inkml:ink>
-</file>
-
-<file path=ppt/ink/ink27.xml><?xml version="1.0" encoding="utf-8"?>
-<inkml:ink xmlns:inkml="http://www.w3.org/2003/InkML">
-  <inkml:definitions>
-    <inkml:context xml:id="ctx0">
-      <inkml:inkSource xml:id="inkSrc0">
-        <inkml:traceFormat>
-          <inkml:channel name="X" type="integer" min="-2.14748E9" max="2.14748E9" units="cm"/>
-          <inkml:channel name="Y" type="integer" min="-2.14748E9" max="2.14748E9" units="cm"/>
-          <inkml:channel name="F" type="integer" max="32767" units="dev"/>
-        </inkml:traceFormat>
-        <inkml:channelProperties>
-          <inkml:channelProperty channel="X" name="resolution" value="1000" units="1/cm"/>
-          <inkml:channelProperty channel="Y" name="resolution" value="1000" units="1/cm"/>
-          <inkml:channelProperty channel="F" name="resolution" value="0" units="1/dev"/>
-        </inkml:channelProperties>
-      </inkml:inkSource>
-      <inkml:timestamp xml:id="ts0" timeString="2024-06-17T09:00:19.140"/>
+      <inkml:timestamp xml:id="ts0" timeString="2024-06-17T09:00:19.137"/>
     </inkml:context>
     <inkml:brush xml:id="br0">
       <inkml:brushProperty name="width" value="0.035" units="cm"/>
       <inkml:brushProperty name="height" value="0.035" units="cm"/>
     </inkml:brush>
   </inkml:definitions>
-  <inkml:trace contextRef="#ctx0" brushRef="#br0">37 1 24575,'2'123'0,"-5"133"0,-14-143 67,10-80-544,2 1-1,-2 55 1,7-74-6349</inkml:trace>
-</inkml:ink>
-</file>
-
-<file path=ppt/ink/ink28.xml><?xml version="1.0" encoding="utf-8"?>
-<inkml:ink xmlns:inkml="http://www.w3.org/2003/InkML">
-  <inkml:definitions>
-    <inkml:context xml:id="ctx0">
-      <inkml:inkSource xml:id="inkSrc0">
-        <inkml:traceFormat>
-          <inkml:channel name="X" type="integer" min="-2.14748E9" max="2.14748E9" units="cm"/>
-          <inkml:channel name="Y" type="integer" min="-2.14748E9" max="2.14748E9" units="cm"/>
-          <inkml:channel name="F" type="integer" max="32767" units="dev"/>
-        </inkml:traceFormat>
-        <inkml:channelProperties>
-          <inkml:channelProperty channel="X" name="resolution" value="1000" units="1/cm"/>
-          <inkml:channelProperty channel="Y" name="resolution" value="1000" units="1/cm"/>
-          <inkml:channelProperty channel="F" name="resolution" value="0" units="1/dev"/>
-        </inkml:channelProperties>
-      </inkml:inkSource>
-      <inkml:timestamp xml:id="ts0" timeString="2024-06-17T09:00:19.141"/>
-    </inkml:context>
-    <inkml:brush xml:id="br0">
-      <inkml:brushProperty name="width" value="0.035" units="cm"/>
-      <inkml:brushProperty name="height" value="0.035" units="cm"/>
-    </inkml:brush>
-  </inkml:definitions>
-  <inkml:trace contextRef="#ctx0" brushRef="#br0">1 77 24575,'0'-4'0,"-1"0"0,1 1 0,1-1 0,-1 0 0,0 1 0,1-1 0,0 0 0,0 1 0,0-1 0,0 1 0,0 0 0,1-1 0,0 1 0,2-4 0,-2 5 0,1 0 0,-1 0 0,1 0 0,0 1 0,0-1 0,-1 1 0,1 0 0,0 0 0,0 0 0,0 0 0,1 0 0,-1 0 0,0 1 0,0 0 0,0 0 0,0 0 0,4 0 0,6-1 0,-5 1 0,0-1 0,1 2 0,-1-1 0,1 1 0,15 3 0,-22-3 0,0 0 0,0 0 0,0 0 0,0 0 0,0 0 0,0 0 0,0 1 0,-1-1 0,1 0 0,-1 1 0,1-1 0,-1 1 0,1 0 0,-1 0 0,0-1 0,0 1 0,0 0 0,0 0 0,0 0 0,0 0 0,0 0 0,-1 0 0,1 1 0,-1-1 0,0 0 0,1 0 0,-1 5 0,1 48 0,-6 72 0,4-123 3,0 0 1,1-1-1,-1 1 0,-1-1 0,1 0 1,0 1-1,-1-1 0,0 0 0,0 0 1,0 0-1,0 0 0,0 0 0,-1 0 1,1-1-1,-1 1 0,0-1 0,0 1 1,1-1-1,-2 0 0,1 0 0,0-1 1,-4 3-1,-9 3-139,0-1 0,-1-1-1,-24 5 1,15-3-759,13-4-5931</inkml:trace>
-</inkml:ink>
-</file>
-
-<file path=ppt/ink/ink29.xml><?xml version="1.0" encoding="utf-8"?>
-<inkml:ink xmlns:inkml="http://www.w3.org/2003/InkML">
-  <inkml:definitions>
-    <inkml:context xml:id="ctx0">
-      <inkml:inkSource xml:id="inkSrc0">
-        <inkml:traceFormat>
-          <inkml:channel name="X" type="integer" min="-2.14748E9" max="2.14748E9" units="cm"/>
-          <inkml:channel name="Y" type="integer" min="-2.14748E9" max="2.14748E9" units="cm"/>
-          <inkml:channel name="F" type="integer" max="32767" units="dev"/>
-        </inkml:traceFormat>
-        <inkml:channelProperties>
-          <inkml:channelProperty channel="X" name="resolution" value="1000" units="1/cm"/>
-          <inkml:channelProperty channel="Y" name="resolution" value="1000" units="1/cm"/>
-          <inkml:channelProperty channel="F" name="resolution" value="0" units="1/dev"/>
-        </inkml:channelProperties>
-      </inkml:inkSource>
-      <inkml:timestamp xml:id="ts0" timeString="2024-06-17T09:00:19.142"/>
-    </inkml:context>
-    <inkml:brush xml:id="br0">
-      <inkml:brushProperty name="width" value="0.035" units="cm"/>
-      <inkml:brushProperty name="height" value="0.035" units="cm"/>
-    </inkml:brush>
-  </inkml:definitions>
-  <inkml:trace contextRef="#ctx0" brushRef="#br0">1 61 24575,'0'-3'0,"0"-4"0,0-4 0,3 0 0,1-2 0,3 3 0,0 5 0,-1 6 0,-1 7 0,-2 4 0,-1 4 0,-2-4 0,0-4-8191</inkml:trace>
+  <inkml:trace contextRef="#ctx0" brushRef="#br0">8 0 24575,'0'4'0,"0"3"0,0 4 0,0 3 0,0 2 0,0 2 0,0 1 0,0-1 0,0 1 0,0 0 0,0-1 0,0 1 0,0-1 0,0 0 0,0 0 0,0 0 0,-3-3 0,-1-4-8191</inkml:trace>
 </inkml:ink>
 </file>
 
@@ -748,168 +518,6 @@
     </inkml:brush>
   </inkml:definitions>
   <inkml:trace contextRef="#ctx0" brushRef="#br0">0 1 24575,'3'0'0,"4"0"0,4 0 0,3 0 0,2 0 0,2 0 0,1 0 0,0 0 0,-1 0 0,1 0 0,0 0 0,-1 0 0,-3 3 0,-1 1 0,-3 0-8191</inkml:trace>
-</inkml:ink>
-</file>
-
-<file path=ppt/ink/ink30.xml><?xml version="1.0" encoding="utf-8"?>
-<inkml:ink xmlns:inkml="http://www.w3.org/2003/InkML">
-  <inkml:definitions>
-    <inkml:context xml:id="ctx0">
-      <inkml:inkSource xml:id="inkSrc0">
-        <inkml:traceFormat>
-          <inkml:channel name="X" type="integer" min="-2.14748E9" max="2.14748E9" units="cm"/>
-          <inkml:channel name="Y" type="integer" min="-2.14748E9" max="2.14748E9" units="cm"/>
-          <inkml:channel name="F" type="integer" max="32767" units="dev"/>
-        </inkml:traceFormat>
-        <inkml:channelProperties>
-          <inkml:channelProperty channel="X" name="resolution" value="1000" units="1/cm"/>
-          <inkml:channelProperty channel="Y" name="resolution" value="1000" units="1/cm"/>
-          <inkml:channelProperty channel="F" name="resolution" value="0" units="1/dev"/>
-        </inkml:channelProperties>
-      </inkml:inkSource>
-      <inkml:timestamp xml:id="ts0" timeString="2024-06-17T09:00:19.143"/>
-    </inkml:context>
-    <inkml:brush xml:id="br0">
-      <inkml:brushProperty name="width" value="0.035" units="cm"/>
-      <inkml:brushProperty name="height" value="0.035" units="cm"/>
-    </inkml:brush>
-  </inkml:definitions>
-  <inkml:trace contextRef="#ctx0" brushRef="#br0">285 72 24575,'-2'-6'0,"-1"1"0,0 0 0,0 0 0,0 1 0,-1-1 0,1 1 0,-1-1 0,0 1 0,-1 0 0,1 1 0,-1-1 0,1 1 0,-10-5 0,10 7 0,-1-1 0,1 1 0,-1 0 0,0 0 0,0 1 0,1-1 0,-1 1 0,0 0 0,0 1 0,1-1 0,-1 1 0,0 0 0,0 0 0,1 0 0,-1 1 0,1-1 0,-1 1 0,1 0 0,0 1 0,0-1 0,0 1 0,0 0 0,0 0 0,-5 5 0,-3 3 0,1 0 0,1 1 0,0 0 0,0 1 0,1 0 0,-10 19 0,15-23 0,0-1 0,1 1 0,-1 0 0,2 0 0,-1 0 0,1 0 0,-1 10 0,3-16 0,0 0 0,-1 0 0,1 1 0,1-1 0,-1 0 0,0 0 0,1 0 0,0 0 0,-1 1 0,1-1 0,0 0 0,1 0 0,-1 0 0,0-1 0,1 1 0,0 0 0,0-1 0,0 1 0,0-1 0,0 1 0,0-1 0,0 0 0,4 3 0,47 26 0,-35-21 0,0 0 0,26 21 0,-39-27 0,0 1 0,-1-1 0,0 1 0,0 0 0,0 0 0,0 0 0,-1 0 0,0 1 0,0-1 0,0 1 0,-1 0 0,4 11 0,-3-5 0,0-1 0,0 0 0,-1 0 0,-1 1 0,1-1 0,-2 24 0,0-31 0,-1 0 0,0 0 0,-1 0 0,1 0 0,-1 0 0,1 0 0,-1 0 0,-1 0 0,1-1 0,0 1 0,-1-1 0,0 0 0,1 1 0,-1-1 0,-1-1 0,1 1 0,0 0 0,-1-1 0,-6 4 0,1-1-114,0-1 1,0-1-1,0 0 0,0 0 0,-1-1 1,1 0-1,-1 0 0,0-1 0,1-1 1,-1 1-1,-12-3 0,7 2-6712</inkml:trace>
-</inkml:ink>
-</file>
-
-<file path=ppt/ink/ink31.xml><?xml version="1.0" encoding="utf-8"?>
-<inkml:ink xmlns:inkml="http://www.w3.org/2003/InkML">
-  <inkml:definitions>
-    <inkml:context xml:id="ctx0">
-      <inkml:inkSource xml:id="inkSrc0">
-        <inkml:traceFormat>
-          <inkml:channel name="X" type="integer" min="-2.14748E9" max="2.14748E9" units="cm"/>
-          <inkml:channel name="Y" type="integer" min="-2.14748E9" max="2.14748E9" units="cm"/>
-          <inkml:channel name="F" type="integer" max="32767" units="dev"/>
-        </inkml:traceFormat>
-        <inkml:channelProperties>
-          <inkml:channelProperty channel="X" name="resolution" value="1000" units="1/cm"/>
-          <inkml:channelProperty channel="Y" name="resolution" value="1000" units="1/cm"/>
-          <inkml:channelProperty channel="F" name="resolution" value="0" units="1/dev"/>
-        </inkml:channelProperties>
-      </inkml:inkSource>
-      <inkml:timestamp xml:id="ts0" timeString="2024-06-17T09:00:19.144"/>
-    </inkml:context>
-    <inkml:brush xml:id="br0">
-      <inkml:brushProperty name="width" value="0.035" units="cm"/>
-      <inkml:brushProperty name="height" value="0.035" units="cm"/>
-    </inkml:brush>
-  </inkml:definitions>
-  <inkml:trace contextRef="#ctx0" brushRef="#br0">1 0 24575,'0'3'0,"3"1"0,4 0 0,1-4 0,2-2 0,-1 3 0,-1 0-8191</inkml:trace>
-</inkml:ink>
-</file>
-
-<file path=ppt/ink/ink32.xml><?xml version="1.0" encoding="utf-8"?>
-<inkml:ink xmlns:inkml="http://www.w3.org/2003/InkML">
-  <inkml:definitions>
-    <inkml:context xml:id="ctx0">
-      <inkml:inkSource xml:id="inkSrc0">
-        <inkml:traceFormat>
-          <inkml:channel name="X" type="integer" min="-2.14748E9" max="2.14748E9" units="cm"/>
-          <inkml:channel name="Y" type="integer" min="-2.14748E9" max="2.14748E9" units="cm"/>
-          <inkml:channel name="F" type="integer" max="32767" units="dev"/>
-        </inkml:traceFormat>
-        <inkml:channelProperties>
-          <inkml:channelProperty channel="X" name="resolution" value="1000" units="1/cm"/>
-          <inkml:channelProperty channel="Y" name="resolution" value="1000" units="1/cm"/>
-          <inkml:channelProperty channel="F" name="resolution" value="0" units="1/dev"/>
-        </inkml:channelProperties>
-      </inkml:inkSource>
-      <inkml:timestamp xml:id="ts0" timeString="2024-06-17T09:00:19.138"/>
-    </inkml:context>
-    <inkml:brush xml:id="br0">
-      <inkml:brushProperty name="width" value="0.035" units="cm"/>
-      <inkml:brushProperty name="height" value="0.035" units="cm"/>
-    </inkml:brush>
-  </inkml:definitions>
-  <inkml:trace contextRef="#ctx0" brushRef="#br0">0 1 24575,'0'3'0,"3"1"0,1 3 0,0 3 0,-1 3 0,-1 3 0,-1 1 0,0 1 0,-1 0 0,0 1 0,0 0 0,0-1 0,0 0 0,0 1 0,0-4-8191</inkml:trace>
-</inkml:ink>
-</file>
-
-<file path=ppt/ink/ink33.xml><?xml version="1.0" encoding="utf-8"?>
-<inkml:ink xmlns:inkml="http://www.w3.org/2003/InkML">
-  <inkml:definitions>
-    <inkml:context xml:id="ctx0">
-      <inkml:inkSource xml:id="inkSrc0">
-        <inkml:traceFormat>
-          <inkml:channel name="X" type="integer" min="-2.14748E9" max="2.14748E9" units="cm"/>
-          <inkml:channel name="Y" type="integer" min="-2.14748E9" max="2.14748E9" units="cm"/>
-          <inkml:channel name="F" type="integer" max="32767" units="dev"/>
-        </inkml:traceFormat>
-        <inkml:channelProperties>
-          <inkml:channelProperty channel="X" name="resolution" value="1000" units="1/cm"/>
-          <inkml:channelProperty channel="Y" name="resolution" value="1000" units="1/cm"/>
-          <inkml:channelProperty channel="F" name="resolution" value="0" units="1/dev"/>
-        </inkml:channelProperties>
-      </inkml:inkSource>
-      <inkml:timestamp xml:id="ts0" timeString="2024-06-17T09:00:19.139"/>
-    </inkml:context>
-    <inkml:brush xml:id="br0">
-      <inkml:brushProperty name="width" value="0.035" units="cm"/>
-      <inkml:brushProperty name="height" value="0.035" units="cm"/>
-    </inkml:brush>
-  </inkml:definitions>
-  <inkml:trace contextRef="#ctx0" brushRef="#br0">8 1 24575,'0'3'0,"0"4"0,0 4 0,0 3 0,0 2 0,0 2 0,0 1 0,0-1 0,0 1 0,0 0 0,0-1 0,0 1 0,0-1 0,-3-3 0,-1-4-8191</inkml:trace>
-</inkml:ink>
-</file>
-
-<file path=ppt/ink/ink34.xml><?xml version="1.0" encoding="utf-8"?>
-<inkml:ink xmlns:inkml="http://www.w3.org/2003/InkML">
-  <inkml:definitions>
-    <inkml:context xml:id="ctx0">
-      <inkml:inkSource xml:id="inkSrc0">
-        <inkml:traceFormat>
-          <inkml:channel name="X" type="integer" min="-2.14748E9" max="2.14748E9" units="cm"/>
-          <inkml:channel name="Y" type="integer" min="-2.14748E9" max="2.14748E9" units="cm"/>
-          <inkml:channel name="F" type="integer" max="32767" units="dev"/>
-        </inkml:traceFormat>
-        <inkml:channelProperties>
-          <inkml:channelProperty channel="X" name="resolution" value="1000" units="1/cm"/>
-          <inkml:channelProperty channel="Y" name="resolution" value="1000" units="1/cm"/>
-          <inkml:channelProperty channel="F" name="resolution" value="0" units="1/dev"/>
-        </inkml:channelProperties>
-      </inkml:inkSource>
-      <inkml:timestamp xml:id="ts0" timeString="2024-06-17T09:00:19.136"/>
-    </inkml:context>
-    <inkml:brush xml:id="br0">
-      <inkml:brushProperty name="width" value="0.035" units="cm"/>
-      <inkml:brushProperty name="height" value="0.035" units="cm"/>
-    </inkml:brush>
-  </inkml:definitions>
-  <inkml:trace contextRef="#ctx0" brushRef="#br0">69 0 24575,'-1'14'0,"-1"1"0,0-1 0,-1 0 0,-7 20 0,-7 40 0,15-63-12,0 0-1,0 0 1,-2-1 0,-6 18-1,0-3-1290,6-14-5523</inkml:trace>
-</inkml:ink>
-</file>
-
-<file path=ppt/ink/ink35.xml><?xml version="1.0" encoding="utf-8"?>
-<inkml:ink xmlns:inkml="http://www.w3.org/2003/InkML">
-  <inkml:definitions>
-    <inkml:context xml:id="ctx0">
-      <inkml:inkSource xml:id="inkSrc0">
-        <inkml:traceFormat>
-          <inkml:channel name="X" type="integer" min="-2.14748E9" max="2.14748E9" units="cm"/>
-          <inkml:channel name="Y" type="integer" min="-2.14748E9" max="2.14748E9" units="cm"/>
-          <inkml:channel name="F" type="integer" max="32767" units="dev"/>
-        </inkml:traceFormat>
-        <inkml:channelProperties>
-          <inkml:channelProperty channel="X" name="resolution" value="1000" units="1/cm"/>
-          <inkml:channelProperty channel="Y" name="resolution" value="1000" units="1/cm"/>
-          <inkml:channelProperty channel="F" name="resolution" value="0" units="1/dev"/>
-        </inkml:channelProperties>
-      </inkml:inkSource>
-      <inkml:timestamp xml:id="ts0" timeString="2024-06-17T09:00:19.137"/>
-    </inkml:context>
-    <inkml:brush xml:id="br0">
-      <inkml:brushProperty name="width" value="0.035" units="cm"/>
-      <inkml:brushProperty name="height" value="0.035" units="cm"/>
-    </inkml:brush>
-  </inkml:definitions>
-  <inkml:trace contextRef="#ctx0" brushRef="#br0">8 0 24575,'0'4'0,"0"3"0,0 4 0,0 3 0,0 2 0,0 2 0,0 1 0,0-1 0,0 1 0,0 0 0,0-1 0,0 1 0,0-1 0,0 0 0,0 0 0,0 0 0,-3-3 0,-1-4-8191</inkml:trace>
 </inkml:ink>
 </file>
 
@@ -1038,7 +646,7 @@
           <inkml:channelProperty channel="F" name="resolution" value="0" units="1/dev"/>
         </inkml:channelProperties>
       </inkml:inkSource>
-      <inkml:timestamp xml:id="ts0" timeString="2024-06-17T08:35:13.100"/>
+      <inkml:timestamp xml:id="ts0" timeString="2024-06-17T08:38:59.735"/>
     </inkml:context>
     <inkml:brush xml:id="br0">
       <inkml:brushProperty name="width" value="0.05" units="cm"/>
@@ -1046,7 +654,7 @@
       <inkml:brushProperty name="color" value="#FFFFFF"/>
     </inkml:brush>
   </inkml:definitions>
-  <inkml:trace contextRef="#ctx0" brushRef="#br0">119 0 24575,'-2'0'0,"-3"3"0,-4 2 0,-3 3 0,-3 5 0,-3 4 0,-1 2 0,3 0 0,2-4 0,7-6 0,6-7 0,2-6 0,4-5 0,1 0-8191</inkml:trace>
+  <inkml:trace contextRef="#ctx0" brushRef="#br0">35 39 24575,'5'-5'0,"0"0"0,0 1 0,0 0 0,0 0 0,1 1 0,-1-1 0,1 1 0,11-4 0,-52 30 0,15-8 0,-18 6-1365</inkml:trace>
 </inkml:ink>
 </file>
 
@@ -1066,15 +674,15 @@
           <inkml:channelProperty channel="F" name="resolution" value="0" units="1/dev"/>
         </inkml:channelProperties>
       </inkml:inkSource>
-      <inkml:timestamp xml:id="ts0" timeString="2024-06-17T08:35:58.413"/>
+      <inkml:timestamp xml:id="ts0" timeString="2024-06-17T08:39:03.718"/>
     </inkml:context>
     <inkml:brush xml:id="br0">
-      <inkml:brushProperty name="width" value="0.35" units="cm"/>
-      <inkml:brushProperty name="height" value="0.35" units="cm"/>
+      <inkml:brushProperty name="width" value="0.05" units="cm"/>
+      <inkml:brushProperty name="height" value="0.05" units="cm"/>
       <inkml:brushProperty name="color" value="#FFFFFF"/>
     </inkml:brush>
   </inkml:definitions>
-  <inkml:trace contextRef="#ctx0" brushRef="#br0">364 0 24575,'-7'2'0,"0"0"0,1 1 0,-1 0 0,1 0 0,-1 0 0,1 1 0,0 0 0,-8 7 0,0-1 0,1-1 0,-1 0 0,2 1 0,0 1 0,0 0 0,1 1 0,0 0 0,1 0 0,0 1 0,1 1 0,-14 27 0,-13 25 0,21-41 0,1 1 0,-13 35 0,-16 85 0,39-127 0,1 1 0,1-1 0,1 1 0,0 0 0,4 39 0,0 4 0,-3-16 0,3 1 0,1 0 0,2 0 0,16 56 0,-16-85 0,1-1 0,0 0 0,2-1 0,0 1 0,1-2 0,0 1 0,23 26 0,103 96 0,-117-121 0,11 6 0,1-1 0,1-1 0,56 27 0,-53-30 0,17 11 0,-15-7 0,2-3 0,0-1 0,53 18 0,249 79-1365</inkml:trace>
+  <inkml:trace contextRef="#ctx0" brushRef="#br0">0 54 24575,'20'0'0,"-13"1"0,-1 0 0,1-1 0,-1-1 0,1 1 0,-1-1 0,1 0 0,-1 0 0,0-1 0,0 1 0,1-1 0,-1-1 0,8-4 0,6 0 0,0 0 0,0 1 0,1 2 0,0 0 0,22-2 0,-30 5 0,-15 0 0,-37 1-119,-12 0-504,-94 11 0,137-10-6203</inkml:trace>
 </inkml:ink>
 </file>
 
@@ -5759,10 +5367,10 @@
       </mc:AlternateContent>
       <p:grpSp>
         <p:nvGrpSpPr>
-          <p:cNvPr id="5" name="组合 4">
+          <p:cNvPr id="9" name="组合 8">
             <a:extLst>
               <a:ext uri="{FF2B5EF4-FFF2-40B4-BE49-F238E27FC236}">
-                <a16:creationId xmlns:a16="http://schemas.microsoft.com/office/drawing/2014/main" id="{5D0D1730-F73E-FD88-55E2-7DC61540FEBA}"/>
+                <a16:creationId xmlns:a16="http://schemas.microsoft.com/office/drawing/2014/main" id="{71D3914B-CB72-0276-C321-F9C58EA80DC7}"/>
               </a:ext>
             </a:extLst>
           </p:cNvPr>
@@ -6625,6 +6233,38 @@
           <p:blipFill rotWithShape="1">
             <a:blip r:embed="rId23">
               <a:extLst>
+                <a:ext uri="{BEBA8EAE-BF5A-486C-A8C5-ECC9F3942E4B}">
+                  <a14:imgProps xmlns:a14="http://schemas.microsoft.com/office/drawing/2010/main">
+                    <a14:imgLayer r:embed="rId24">
+                      <a14:imgEffect>
+                        <a14:backgroundRemoval t="16418" b="73134" l="866" r="84416">
+                          <a14:foregroundMark x1="80519" y1="38806" x2="24242" y2="40299"/>
+                          <a14:foregroundMark x1="74892" y1="50746" x2="44589" y2="55224"/>
+                          <a14:foregroundMark x1="77056" y1="49254" x2="74892" y2="20896"/>
+                          <a14:foregroundMark x1="80087" y1="25373" x2="79654" y2="62687"/>
+                          <a14:foregroundMark x1="74892" y1="70149" x2="84416" y2="46269"/>
+                          <a14:foregroundMark x1="21212" y1="23881" x2="18615" y2="38806"/>
+                          <a14:foregroundMark x1="22511" y1="40299" x2="16450" y2="58209"/>
+                          <a14:foregroundMark x1="19481" y1="34328" x2="11688" y2="34328"/>
+                          <a14:foregroundMark x1="17316" y1="26866" x2="9957" y2="29851"/>
+                          <a14:foregroundMark x1="19481" y1="59701" x2="9957" y2="64179"/>
+                          <a14:foregroundMark x1="15584" y1="64179" x2="10823" y2="70149"/>
+                          <a14:foregroundMark x1="14719" y1="37313" x2="5628" y2="38806"/>
+                          <a14:foregroundMark x1="12987" y1="20896" x2="5628" y2="19403"/>
+                          <a14:foregroundMark x1="9957" y1="23881" x2="4329" y2="26866"/>
+                          <a14:foregroundMark x1="83983" y1="20896" x2="83983" y2="20896"/>
+                          <a14:foregroundMark x1="6926" y1="55224" x2="866" y2="58209"/>
+                          <a14:foregroundMark x1="5628" y1="40299" x2="2165" y2="38806"/>
+                          <a14:foregroundMark x1="6926" y1="31343" x2="2597" y2="25373"/>
+                          <a14:foregroundMark x1="11688" y1="59701" x2="6494" y2="67164"/>
+                          <a14:foregroundMark x1="10390" y1="20896" x2="5628" y2="16418"/>
+                          <a14:foregroundMark x1="9524" y1="73134" x2="4329" y2="73134"/>
+                          <a14:foregroundMark x1="6061" y1="20896" x2="3896" y2="19403"/>
+                        </a14:backgroundRemoval>
+                      </a14:imgEffect>
+                    </a14:imgLayer>
+                  </a14:imgProps>
+                </a:ext>
                 <a:ext uri="{28A0092B-C50C-407E-A947-70E740481C1C}">
                   <a14:useLocalDpi xmlns:a14="http://schemas.microsoft.com/office/drawing/2010/main" val="0"/>
                 </a:ext>
@@ -6658,8 +6298,42 @@
             <p:nvPr/>
           </p:nvPicPr>
           <p:blipFill rotWithShape="1">
-            <a:blip r:embed="rId24">
+            <a:blip r:embed="rId25">
               <a:extLst>
+                <a:ext uri="{BEBA8EAE-BF5A-486C-A8C5-ECC9F3942E4B}">
+                  <a14:imgProps xmlns:a14="http://schemas.microsoft.com/office/drawing/2010/main">
+                    <a14:imgLayer r:embed="rId26">
+                      <a14:imgEffect>
+                        <a14:backgroundRemoval t="29293" b="65657" l="11631" r="83186">
+                          <a14:foregroundMark x1="81416" y1="49495" x2="18584" y2="52525"/>
+                          <a14:foregroundMark x1="57396" y1="64646" x2="71429" y2="65657"/>
+                          <a14:foregroundMark x1="71429" y1="65657" x2="75980" y2="64646"/>
+                          <a14:foregroundMark x1="82427" y1="41414" x2="82680" y2="31313"/>
+                          <a14:foregroundMark x1="82048" y1="39394" x2="82048" y2="59596"/>
+                          <a14:foregroundMark x1="21745" y1="44444" x2="17320" y2="42424"/>
+                          <a14:foregroundMark x1="21745" y1="51515" x2="16688" y2="55556"/>
+                          <a14:foregroundMark x1="19469" y1="39394" x2="13906" y2="39394"/>
+                          <a14:foregroundMark x1="19090" y1="58586" x2="14412" y2="58586"/>
+                          <a14:foregroundMark x1="16182" y1="48485" x2="11884" y2="51515"/>
+                          <a14:foregroundMark x1="17952" y1="38384" x2="13654" y2="32323"/>
+                          <a14:foregroundMark x1="17067" y1="61616" x2="14286" y2="64646"/>
+                          <a14:foregroundMark x1="18710" y1="65657" x2="15044" y2="65657"/>
+                          <a14:foregroundMark x1="82427" y1="55556" x2="82427" y2="55556"/>
+                          <a14:foregroundMark x1="12895" y1="57576" x2="12895" y2="57576"/>
+                          <a14:foregroundMark x1="12642" y1="37374" x2="12642" y2="37374"/>
+                          <a14:foregroundMark x1="13274" y1="30303" x2="13274" y2="30303"/>
+                          <a14:foregroundMark x1="12389" y1="55556" x2="12642" y2="61616"/>
+                          <a14:foregroundMark x1="13527" y1="63636" x2="13527" y2="63636"/>
+                          <a14:foregroundMark x1="83059" y1="32323" x2="83059" y2="32323"/>
+                          <a14:foregroundMark x1="81795" y1="35354" x2="82933" y2="33333"/>
+                          <a14:foregroundMark x1="13274" y1="35354" x2="12389" y2="34343"/>
+                          <a14:foregroundMark x1="12642" y1="36364" x2="11631" y2="45455"/>
+                          <a14:foregroundMark x1="83186" y1="53535" x2="83186" y2="53535"/>
+                        </a14:backgroundRemoval>
+                      </a14:imgEffect>
+                    </a14:imgLayer>
+                  </a14:imgProps>
+                </a:ext>
                 <a:ext uri="{28A0092B-C50C-407E-A947-70E740481C1C}">
                   <a14:useLocalDpi xmlns:a14="http://schemas.microsoft.com/office/drawing/2010/main" val="0"/>
                 </a:ext>
@@ -6680,487 +6354,7 @@
         </p:pic>
         <mc:AlternateContent xmlns:mc="http://schemas.openxmlformats.org/markup-compatibility/2006">
           <mc:Choice xmlns:p14="http://schemas.microsoft.com/office/powerpoint/2010/main" Requires="p14">
-            <p:contentPart p14:bwMode="auto" r:id="rId25">
-              <p14:nvContentPartPr>
-                <p14:cNvPr id="74" name="墨迹 73">
-                  <a:extLst>
-                    <a:ext uri="{FF2B5EF4-FFF2-40B4-BE49-F238E27FC236}">
-                      <a16:creationId xmlns:a16="http://schemas.microsoft.com/office/drawing/2014/main" id="{A428FA9C-8FB8-E374-CC60-2BE479ABC801}"/>
-                    </a:ext>
-                  </a:extLst>
-                </p14:cNvPr>
-                <p14:cNvContentPartPr/>
-                <p14:nvPr/>
-              </p14:nvContentPartPr>
-              <p14:xfrm>
-                <a:off x="6319868" y="4557555"/>
-                <a:ext cx="42840" cy="39960"/>
-              </p14:xfrm>
-            </p:contentPart>
-          </mc:Choice>
-          <mc:Fallback>
-            <p:pic>
-              <p:nvPicPr>
-                <p:cNvPr id="74" name="墨迹 73">
-                  <a:extLst>
-                    <a:ext uri="{FF2B5EF4-FFF2-40B4-BE49-F238E27FC236}">
-                      <a16:creationId xmlns:a16="http://schemas.microsoft.com/office/drawing/2014/main" id="{A428FA9C-8FB8-E374-CC60-2BE479ABC801}"/>
-                    </a:ext>
-                  </a:extLst>
-                </p:cNvPr>
-                <p:cNvPicPr/>
-                <p:nvPr/>
-              </p:nvPicPr>
-              <p:blipFill>
-                <a:blip r:embed="rId26"/>
-                <a:stretch>
-                  <a:fillRect/>
-                </a:stretch>
-              </p:blipFill>
-              <p:spPr>
-                <a:xfrm>
-                  <a:off x="6310868" y="4548555"/>
-                  <a:ext cx="60480" cy="57600"/>
-                </a:xfrm>
-                <a:prstGeom prst="rect">
-                  <a:avLst/>
-                </a:prstGeom>
-              </p:spPr>
-            </p:pic>
-          </mc:Fallback>
-        </mc:AlternateContent>
-        <mc:AlternateContent xmlns:mc="http://schemas.openxmlformats.org/markup-compatibility/2006">
-          <mc:Choice xmlns:p14="http://schemas.microsoft.com/office/powerpoint/2010/main" Requires="p14">
             <p:contentPart p14:bwMode="auto" r:id="rId27">
-              <p14:nvContentPartPr>
-                <p14:cNvPr id="83" name="墨迹 82">
-                  <a:extLst>
-                    <a:ext uri="{FF2B5EF4-FFF2-40B4-BE49-F238E27FC236}">
-                      <a16:creationId xmlns:a16="http://schemas.microsoft.com/office/drawing/2014/main" id="{95A5B1DE-161E-39E9-AED2-C31887C21C59}"/>
-                    </a:ext>
-                  </a:extLst>
-                </p14:cNvPr>
-                <p14:cNvContentPartPr/>
-                <p14:nvPr/>
-              </p14:nvContentPartPr>
-              <p14:xfrm>
-                <a:off x="6650708" y="5076675"/>
-                <a:ext cx="397440" cy="627840"/>
-              </p14:xfrm>
-            </p:contentPart>
-          </mc:Choice>
-          <mc:Fallback>
-            <p:pic>
-              <p:nvPicPr>
-                <p:cNvPr id="83" name="墨迹 82">
-                  <a:extLst>
-                    <a:ext uri="{FF2B5EF4-FFF2-40B4-BE49-F238E27FC236}">
-                      <a16:creationId xmlns:a16="http://schemas.microsoft.com/office/drawing/2014/main" id="{95A5B1DE-161E-39E9-AED2-C31887C21C59}"/>
-                    </a:ext>
-                  </a:extLst>
-                </p:cNvPr>
-                <p:cNvPicPr/>
-                <p:nvPr/>
-              </p:nvPicPr>
-              <p:blipFill>
-                <a:blip r:embed="rId28"/>
-                <a:stretch>
-                  <a:fillRect/>
-                </a:stretch>
-              </p:blipFill>
-              <p:spPr>
-                <a:xfrm>
-                  <a:off x="6587708" y="5013675"/>
-                  <a:ext cx="523080" cy="753480"/>
-                </a:xfrm>
-                <a:prstGeom prst="rect">
-                  <a:avLst/>
-                </a:prstGeom>
-              </p:spPr>
-            </p:pic>
-          </mc:Fallback>
-        </mc:AlternateContent>
-        <mc:AlternateContent xmlns:mc="http://schemas.openxmlformats.org/markup-compatibility/2006">
-          <mc:Choice xmlns:p14="http://schemas.microsoft.com/office/powerpoint/2010/main" Requires="p14">
-            <p:contentPart p14:bwMode="auto" r:id="rId29">
-              <p14:nvContentPartPr>
-                <p14:cNvPr id="87" name="墨迹 86">
-                  <a:extLst>
-                    <a:ext uri="{FF2B5EF4-FFF2-40B4-BE49-F238E27FC236}">
-                      <a16:creationId xmlns:a16="http://schemas.microsoft.com/office/drawing/2014/main" id="{5C1EF430-3531-877C-B738-3B4C22C9D8B8}"/>
-                    </a:ext>
-                  </a:extLst>
-                </p14:cNvPr>
-                <p14:cNvContentPartPr/>
-                <p14:nvPr/>
-              </p14:nvContentPartPr>
-              <p14:xfrm>
-                <a:off x="6331535" y="4501900"/>
-                <a:ext cx="218160" cy="517680"/>
-              </p14:xfrm>
-            </p:contentPart>
-          </mc:Choice>
-          <mc:Fallback>
-            <p:pic>
-              <p:nvPicPr>
-                <p:cNvPr id="87" name="墨迹 86">
-                  <a:extLst>
-                    <a:ext uri="{FF2B5EF4-FFF2-40B4-BE49-F238E27FC236}">
-                      <a16:creationId xmlns:a16="http://schemas.microsoft.com/office/drawing/2014/main" id="{5C1EF430-3531-877C-B738-3B4C22C9D8B8}"/>
-                    </a:ext>
-                  </a:extLst>
-                </p:cNvPr>
-                <p:cNvPicPr/>
-                <p:nvPr/>
-              </p:nvPicPr>
-              <p:blipFill>
-                <a:blip r:embed="rId30"/>
-                <a:stretch>
-                  <a:fillRect/>
-                </a:stretch>
-              </p:blipFill>
-              <p:spPr>
-                <a:xfrm>
-                  <a:off x="6268535" y="4438856"/>
-                  <a:ext cx="343800" cy="643407"/>
-                </a:xfrm>
-                <a:prstGeom prst="rect">
-                  <a:avLst/>
-                </a:prstGeom>
-              </p:spPr>
-            </p:pic>
-          </mc:Fallback>
-        </mc:AlternateContent>
-        <mc:AlternateContent xmlns:mc="http://schemas.openxmlformats.org/markup-compatibility/2006">
-          <mc:Choice xmlns:p14="http://schemas.microsoft.com/office/powerpoint/2010/main" Requires="p14">
-            <p:contentPart p14:bwMode="auto" r:id="rId31">
-              <p14:nvContentPartPr>
-                <p14:cNvPr id="99" name="墨迹 98">
-                  <a:extLst>
-                    <a:ext uri="{FF2B5EF4-FFF2-40B4-BE49-F238E27FC236}">
-                      <a16:creationId xmlns:a16="http://schemas.microsoft.com/office/drawing/2014/main" id="{FD89993C-20D5-5184-CD9F-8BD118D6FF1A}"/>
-                    </a:ext>
-                  </a:extLst>
-                </p14:cNvPr>
-                <p14:cNvContentPartPr/>
-                <p14:nvPr/>
-              </p14:nvContentPartPr>
-              <p14:xfrm>
-                <a:off x="11186734" y="4767180"/>
-                <a:ext cx="155520" cy="292320"/>
-              </p14:xfrm>
-            </p:contentPart>
-          </mc:Choice>
-          <mc:Fallback>
-            <p:pic>
-              <p:nvPicPr>
-                <p:cNvPr id="99" name="墨迹 98">
-                  <a:extLst>
-                    <a:ext uri="{FF2B5EF4-FFF2-40B4-BE49-F238E27FC236}">
-                      <a16:creationId xmlns:a16="http://schemas.microsoft.com/office/drawing/2014/main" id="{FD89993C-20D5-5184-CD9F-8BD118D6FF1A}"/>
-                    </a:ext>
-                  </a:extLst>
-                </p:cNvPr>
-                <p:cNvPicPr/>
-                <p:nvPr/>
-              </p:nvPicPr>
-              <p:blipFill>
-                <a:blip r:embed="rId32"/>
-                <a:stretch>
-                  <a:fillRect/>
-                </a:stretch>
-              </p:blipFill>
-              <p:spPr>
-                <a:xfrm>
-                  <a:off x="11123588" y="4704180"/>
-                  <a:ext cx="281452" cy="417960"/>
-                </a:xfrm>
-                <a:prstGeom prst="rect">
-                  <a:avLst/>
-                </a:prstGeom>
-              </p:spPr>
-            </p:pic>
-          </mc:Fallback>
-        </mc:AlternateContent>
-        <p:grpSp>
-          <p:nvGrpSpPr>
-            <p:cNvPr id="110" name="组合 109">
-              <a:extLst>
-                <a:ext uri="{FF2B5EF4-FFF2-40B4-BE49-F238E27FC236}">
-                  <a16:creationId xmlns:a16="http://schemas.microsoft.com/office/drawing/2014/main" id="{C5B2F40D-416E-E118-7FD1-B52F272068BA}"/>
-                </a:ext>
-              </a:extLst>
-            </p:cNvPr>
-            <p:cNvGrpSpPr/>
-            <p:nvPr/>
-          </p:nvGrpSpPr>
-          <p:grpSpPr>
-            <a:xfrm>
-              <a:off x="11116894" y="4493220"/>
-              <a:ext cx="170280" cy="253080"/>
-              <a:chOff x="11116894" y="4493220"/>
-              <a:chExt cx="170280" cy="253080"/>
-            </a:xfrm>
-          </p:grpSpPr>
-          <mc:AlternateContent xmlns:mc="http://schemas.openxmlformats.org/markup-compatibility/2006" xmlns:p14="http://schemas.microsoft.com/office/powerpoint/2010/main">
-            <mc:Choice Requires="p14">
-              <p:contentPart p14:bwMode="auto" r:id="rId33">
-                <p14:nvContentPartPr>
-                  <p14:cNvPr id="105" name="墨迹 104">
-                    <a:extLst>
-                      <a:ext uri="{FF2B5EF4-FFF2-40B4-BE49-F238E27FC236}">
-                        <a16:creationId xmlns:a16="http://schemas.microsoft.com/office/drawing/2014/main" id="{B66629B7-B34C-5B24-BA5E-AFD5674A0BC3}"/>
-                      </a:ext>
-                    </a:extLst>
-                  </p14:cNvPr>
-                  <p14:cNvContentPartPr/>
-                  <p14:nvPr/>
-                </p14:nvContentPartPr>
-                <p14:xfrm>
-                  <a:off x="11116894" y="4493220"/>
-                  <a:ext cx="170280" cy="253080"/>
-                </p14:xfrm>
-              </p:contentPart>
-            </mc:Choice>
-            <mc:Fallback xmlns="">
-              <p:pic>
-                <p:nvPicPr>
-                  <p:cNvPr id="105" name="墨迹 104">
-                    <a:extLst>
-                      <a:ext uri="{FF2B5EF4-FFF2-40B4-BE49-F238E27FC236}">
-                        <a16:creationId xmlns:a16="http://schemas.microsoft.com/office/drawing/2014/main" id="{B66629B7-B34C-5B24-BA5E-AFD5674A0BC3}"/>
-                      </a:ext>
-                    </a:extLst>
-                  </p:cNvPr>
-                  <p:cNvPicPr/>
-                  <p:nvPr/>
-                </p:nvPicPr>
-                <p:blipFill>
-                  <a:blip r:embed="rId34"/>
-                  <a:stretch>
-                    <a:fillRect/>
-                  </a:stretch>
-                </p:blipFill>
-                <p:spPr>
-                  <a:xfrm>
-                    <a:off x="11107894" y="4484580"/>
-                    <a:ext cx="187920" cy="270720"/>
-                  </a:xfrm>
-                  <a:prstGeom prst="rect">
-                    <a:avLst/>
-                  </a:prstGeom>
-                </p:spPr>
-              </p:pic>
-            </mc:Fallback>
-          </mc:AlternateContent>
-          <mc:AlternateContent xmlns:mc="http://schemas.openxmlformats.org/markup-compatibility/2006" xmlns:p14="http://schemas.microsoft.com/office/powerpoint/2010/main">
-            <mc:Choice Requires="p14">
-              <p:contentPart p14:bwMode="auto" r:id="rId35">
-                <p14:nvContentPartPr>
-                  <p14:cNvPr id="106" name="墨迹 105">
-                    <a:extLst>
-                      <a:ext uri="{FF2B5EF4-FFF2-40B4-BE49-F238E27FC236}">
-                        <a16:creationId xmlns:a16="http://schemas.microsoft.com/office/drawing/2014/main" id="{9FFD23EF-140E-7777-120E-DAFCD5A84C0D}"/>
-                      </a:ext>
-                    </a:extLst>
-                  </p14:cNvPr>
-                  <p14:cNvContentPartPr/>
-                  <p14:nvPr/>
-                </p14:nvContentPartPr>
-                <p14:xfrm>
-                  <a:off x="11165494" y="4536060"/>
-                  <a:ext cx="360" cy="360"/>
-                </p14:xfrm>
-              </p:contentPart>
-            </mc:Choice>
-            <mc:Fallback xmlns="">
-              <p:pic>
-                <p:nvPicPr>
-                  <p:cNvPr id="106" name="墨迹 105">
-                    <a:extLst>
-                      <a:ext uri="{FF2B5EF4-FFF2-40B4-BE49-F238E27FC236}">
-                        <a16:creationId xmlns:a16="http://schemas.microsoft.com/office/drawing/2014/main" id="{9FFD23EF-140E-7777-120E-DAFCD5A84C0D}"/>
-                      </a:ext>
-                    </a:extLst>
-                  </p:cNvPr>
-                  <p:cNvPicPr/>
-                  <p:nvPr/>
-                </p:nvPicPr>
-                <p:blipFill>
-                  <a:blip r:embed="rId21"/>
-                  <a:stretch>
-                    <a:fillRect/>
-                  </a:stretch>
-                </p:blipFill>
-                <p:spPr>
-                  <a:xfrm>
-                    <a:off x="11156854" y="4527420"/>
-                    <a:ext cx="18000" cy="18000"/>
-                  </a:xfrm>
-                  <a:prstGeom prst="rect">
-                    <a:avLst/>
-                  </a:prstGeom>
-                </p:spPr>
-              </p:pic>
-            </mc:Fallback>
-          </mc:AlternateContent>
-          <mc:AlternateContent xmlns:mc="http://schemas.openxmlformats.org/markup-compatibility/2006" xmlns:p14="http://schemas.microsoft.com/office/powerpoint/2010/main">
-            <mc:Choice Requires="p14">
-              <p:contentPart p14:bwMode="auto" r:id="rId36">
-                <p14:nvContentPartPr>
-                  <p14:cNvPr id="109" name="墨迹 108">
-                    <a:extLst>
-                      <a:ext uri="{FF2B5EF4-FFF2-40B4-BE49-F238E27FC236}">
-                        <a16:creationId xmlns:a16="http://schemas.microsoft.com/office/drawing/2014/main" id="{95422056-E2C5-6AD3-0071-0C099C1FCB87}"/>
-                      </a:ext>
-                    </a:extLst>
-                  </p14:cNvPr>
-                  <p14:cNvContentPartPr/>
-                  <p14:nvPr/>
-                </p14:nvContentPartPr>
-                <p14:xfrm>
-                  <a:off x="11255854" y="4570260"/>
-                  <a:ext cx="28800" cy="134640"/>
-                </p14:xfrm>
-              </p:contentPart>
-            </mc:Choice>
-            <mc:Fallback xmlns="">
-              <p:pic>
-                <p:nvPicPr>
-                  <p:cNvPr id="109" name="墨迹 108">
-                    <a:extLst>
-                      <a:ext uri="{FF2B5EF4-FFF2-40B4-BE49-F238E27FC236}">
-                        <a16:creationId xmlns:a16="http://schemas.microsoft.com/office/drawing/2014/main" id="{95422056-E2C5-6AD3-0071-0C099C1FCB87}"/>
-                      </a:ext>
-                    </a:extLst>
-                  </p:cNvPr>
-                  <p:cNvPicPr/>
-                  <p:nvPr/>
-                </p:nvPicPr>
-                <p:blipFill>
-                  <a:blip r:embed="rId37"/>
-                  <a:stretch>
-                    <a:fillRect/>
-                  </a:stretch>
-                </p:blipFill>
-                <p:spPr>
-                  <a:xfrm>
-                    <a:off x="11247214" y="4561620"/>
-                    <a:ext cx="46440" cy="152280"/>
-                  </a:xfrm>
-                  <a:prstGeom prst="rect">
-                    <a:avLst/>
-                  </a:prstGeom>
-                </p:spPr>
-              </p:pic>
-            </mc:Fallback>
-          </mc:AlternateContent>
-        </p:grpSp>
-        <mc:AlternateContent xmlns:mc="http://schemas.openxmlformats.org/markup-compatibility/2006">
-          <mc:Choice xmlns:p14="http://schemas.microsoft.com/office/powerpoint/2010/main" Requires="p14">
-            <p:contentPart p14:bwMode="auto" r:id="rId38">
-              <p14:nvContentPartPr>
-                <p14:cNvPr id="111" name="墨迹 110">
-                  <a:extLst>
-                    <a:ext uri="{FF2B5EF4-FFF2-40B4-BE49-F238E27FC236}">
-                      <a16:creationId xmlns:a16="http://schemas.microsoft.com/office/drawing/2014/main" id="{37E41FC2-6E2C-0A5F-E7D2-80883C2FCFEA}"/>
-                    </a:ext>
-                  </a:extLst>
-                </p14:cNvPr>
-                <p14:cNvContentPartPr/>
-                <p14:nvPr/>
-              </p14:nvContentPartPr>
-              <p14:xfrm>
-                <a:off x="6407381" y="4598828"/>
-                <a:ext cx="27000" cy="227520"/>
-              </p14:xfrm>
-            </p:contentPart>
-          </mc:Choice>
-          <mc:Fallback>
-            <p:pic>
-              <p:nvPicPr>
-                <p:cNvPr id="111" name="墨迹 110">
-                  <a:extLst>
-                    <a:ext uri="{FF2B5EF4-FFF2-40B4-BE49-F238E27FC236}">
-                      <a16:creationId xmlns:a16="http://schemas.microsoft.com/office/drawing/2014/main" id="{37E41FC2-6E2C-0A5F-E7D2-80883C2FCFEA}"/>
-                    </a:ext>
-                  </a:extLst>
-                </p:cNvPr>
-                <p:cNvPicPr/>
-                <p:nvPr/>
-              </p:nvPicPr>
-              <p:blipFill>
-                <a:blip r:embed="rId39"/>
-                <a:stretch>
-                  <a:fillRect/>
-                </a:stretch>
-              </p:blipFill>
-              <p:spPr>
-                <a:xfrm>
-                  <a:off x="6398381" y="4589828"/>
-                  <a:ext cx="44640" cy="245160"/>
-                </a:xfrm>
-                <a:prstGeom prst="rect">
-                  <a:avLst/>
-                </a:prstGeom>
-              </p:spPr>
-            </p:pic>
-          </mc:Fallback>
-        </mc:AlternateContent>
-        <mc:AlternateContent xmlns:mc="http://schemas.openxmlformats.org/markup-compatibility/2006">
-          <mc:Choice xmlns:p14="http://schemas.microsoft.com/office/powerpoint/2010/main" Requires="p14">
-            <p:contentPart p14:bwMode="auto" r:id="rId40">
-              <p14:nvContentPartPr>
-                <p14:cNvPr id="112" name="墨迹 111">
-                  <a:extLst>
-                    <a:ext uri="{FF2B5EF4-FFF2-40B4-BE49-F238E27FC236}">
-                      <a16:creationId xmlns:a16="http://schemas.microsoft.com/office/drawing/2014/main" id="{CAAD3443-F845-7B81-B917-094B6F3CC6C7}"/>
-                    </a:ext>
-                  </a:extLst>
-                </p14:cNvPr>
-                <p14:cNvContentPartPr/>
-                <p14:nvPr/>
-              </p14:nvContentPartPr>
-              <p14:xfrm>
-                <a:off x="6398021" y="4757588"/>
-                <a:ext cx="59400" cy="124920"/>
-              </p14:xfrm>
-            </p:contentPart>
-          </mc:Choice>
-          <mc:Fallback>
-            <p:pic>
-              <p:nvPicPr>
-                <p:cNvPr id="112" name="墨迹 111">
-                  <a:extLst>
-                    <a:ext uri="{FF2B5EF4-FFF2-40B4-BE49-F238E27FC236}">
-                      <a16:creationId xmlns:a16="http://schemas.microsoft.com/office/drawing/2014/main" id="{CAAD3443-F845-7B81-B917-094B6F3CC6C7}"/>
-                    </a:ext>
-                  </a:extLst>
-                </p:cNvPr>
-                <p:cNvPicPr/>
-                <p:nvPr/>
-              </p:nvPicPr>
-              <p:blipFill>
-                <a:blip r:embed="rId41"/>
-                <a:stretch>
-                  <a:fillRect/>
-                </a:stretch>
-              </p:blipFill>
-              <p:spPr>
-                <a:xfrm>
-                  <a:off x="6389021" y="4748614"/>
-                  <a:ext cx="77040" cy="142509"/>
-                </a:xfrm>
-                <a:prstGeom prst="rect">
-                  <a:avLst/>
-                </a:prstGeom>
-              </p:spPr>
-            </p:pic>
-          </mc:Fallback>
-        </mc:AlternateContent>
-        <mc:AlternateContent xmlns:mc="http://schemas.openxmlformats.org/markup-compatibility/2006">
-          <mc:Choice xmlns:p14="http://schemas.microsoft.com/office/powerpoint/2010/main" Requires="p14">
-            <p:contentPart p14:bwMode="auto" r:id="rId42">
               <p14:nvContentPartPr>
                 <p14:cNvPr id="113" name="墨迹 112">
                   <a:extLst>
@@ -7192,7 +6386,7 @@
                 <p:nvPr/>
               </p:nvPicPr>
               <p:blipFill>
-                <a:blip r:embed="rId43"/>
+                <a:blip r:embed="rId28"/>
                 <a:stretch>
                   <a:fillRect/>
                 </a:stretch>
@@ -7211,7 +6405,7 @@
         </mc:AlternateContent>
         <mc:AlternateContent xmlns:mc="http://schemas.openxmlformats.org/markup-compatibility/2006">
           <mc:Choice xmlns:p14="http://schemas.microsoft.com/office/powerpoint/2010/main" Requires="p14">
-            <p:contentPart p14:bwMode="auto" r:id="rId44">
+            <p:contentPart p14:bwMode="auto" r:id="rId29">
               <p14:nvContentPartPr>
                 <p14:cNvPr id="114" name="墨迹 113">
                   <a:extLst>
@@ -7243,7 +6437,7 @@
                 <p:nvPr/>
               </p:nvPicPr>
               <p:blipFill>
-                <a:blip r:embed="rId45"/>
+                <a:blip r:embed="rId30"/>
                 <a:stretch>
                   <a:fillRect/>
                 </a:stretch>
@@ -7262,58 +6456,7 @@
         </mc:AlternateContent>
         <mc:AlternateContent xmlns:mc="http://schemas.openxmlformats.org/markup-compatibility/2006">
           <mc:Choice xmlns:p14="http://schemas.microsoft.com/office/powerpoint/2010/main" Requires="p14">
-            <p:contentPart p14:bwMode="auto" r:id="rId46">
-              <p14:nvContentPartPr>
-                <p14:cNvPr id="117" name="墨迹 116">
-                  <a:extLst>
-                    <a:ext uri="{FF2B5EF4-FFF2-40B4-BE49-F238E27FC236}">
-                      <a16:creationId xmlns:a16="http://schemas.microsoft.com/office/drawing/2014/main" id="{F0BF292B-6C1E-9809-B8D7-D0D502F532AC}"/>
-                    </a:ext>
-                  </a:extLst>
-                </p14:cNvPr>
-                <p14:cNvContentPartPr/>
-                <p14:nvPr/>
-              </p14:nvContentPartPr>
-              <p14:xfrm>
-                <a:off x="8243381" y="5302928"/>
-                <a:ext cx="167760" cy="272160"/>
-              </p14:xfrm>
-            </p:contentPart>
-          </mc:Choice>
-          <mc:Fallback>
-            <p:pic>
-              <p:nvPicPr>
-                <p:cNvPr id="117" name="墨迹 116">
-                  <a:extLst>
-                    <a:ext uri="{FF2B5EF4-FFF2-40B4-BE49-F238E27FC236}">
-                      <a16:creationId xmlns:a16="http://schemas.microsoft.com/office/drawing/2014/main" id="{F0BF292B-6C1E-9809-B8D7-D0D502F532AC}"/>
-                    </a:ext>
-                  </a:extLst>
-                </p:cNvPr>
-                <p:cNvPicPr/>
-                <p:nvPr/>
-              </p:nvPicPr>
-              <p:blipFill>
-                <a:blip r:embed="rId47"/>
-                <a:stretch>
-                  <a:fillRect/>
-                </a:stretch>
-              </p:blipFill>
-              <p:spPr>
-                <a:xfrm>
-                  <a:off x="8180381" y="5239928"/>
-                  <a:ext cx="293400" cy="397800"/>
-                </a:xfrm>
-                <a:prstGeom prst="rect">
-                  <a:avLst/>
-                </a:prstGeom>
-              </p:spPr>
-            </p:pic>
-          </mc:Fallback>
-        </mc:AlternateContent>
-        <mc:AlternateContent xmlns:mc="http://schemas.openxmlformats.org/markup-compatibility/2006">
-          <mc:Choice xmlns:p14="http://schemas.microsoft.com/office/powerpoint/2010/main" Requires="p14">
-            <p:contentPart p14:bwMode="auto" r:id="rId48">
+            <p:contentPart p14:bwMode="auto" r:id="rId31">
               <p14:nvContentPartPr>
                 <p14:cNvPr id="123" name="墨迹 122">
                   <a:extLst>
@@ -7345,7 +6488,7 @@
                 <p:nvPr/>
               </p:nvPicPr>
               <p:blipFill>
-                <a:blip r:embed="rId49"/>
+                <a:blip r:embed="rId32"/>
                 <a:stretch>
                   <a:fillRect/>
                 </a:stretch>
@@ -7364,7 +6507,7 @@
         </mc:AlternateContent>
         <mc:AlternateContent xmlns:mc="http://schemas.openxmlformats.org/markup-compatibility/2006">
           <mc:Choice xmlns:p14="http://schemas.microsoft.com/office/powerpoint/2010/main" Requires="p14">
-            <p:contentPart p14:bwMode="auto" r:id="rId50">
+            <p:contentPart p14:bwMode="auto" r:id="rId33">
               <p14:nvContentPartPr>
                 <p14:cNvPr id="127" name="墨迹 126">
                   <a:extLst>
@@ -7396,7 +6539,7 @@
                 <p:nvPr/>
               </p:nvPicPr>
               <p:blipFill>
-                <a:blip r:embed="rId51"/>
+                <a:blip r:embed="rId34"/>
                 <a:stretch>
                   <a:fillRect/>
                 </a:stretch>
@@ -7415,7 +6558,7 @@
         </mc:AlternateContent>
         <mc:AlternateContent xmlns:mc="http://schemas.openxmlformats.org/markup-compatibility/2006">
           <mc:Choice xmlns:p14="http://schemas.microsoft.com/office/powerpoint/2010/main" Requires="p14">
-            <p:contentPart p14:bwMode="auto" r:id="rId52">
+            <p:contentPart p14:bwMode="auto" r:id="rId35">
               <p14:nvContentPartPr>
                 <p14:cNvPr id="128" name="墨迹 127">
                   <a:extLst>
@@ -7447,7 +6590,7 @@
                 <p:nvPr/>
               </p:nvPicPr>
               <p:blipFill>
-                <a:blip r:embed="rId53"/>
+                <a:blip r:embed="rId36"/>
                 <a:stretch>
                   <a:fillRect/>
                 </a:stretch>
@@ -7464,231 +6607,6 @@
             </p:pic>
           </mc:Fallback>
         </mc:AlternateContent>
-        <p:grpSp>
-          <p:nvGrpSpPr>
-            <p:cNvPr id="132" name="组合 131">
-              <a:extLst>
-                <a:ext uri="{FF2B5EF4-FFF2-40B4-BE49-F238E27FC236}">
-                  <a16:creationId xmlns:a16="http://schemas.microsoft.com/office/drawing/2014/main" id="{C804F5E2-5B98-34A2-7826-23274EF35F7C}"/>
-                </a:ext>
-              </a:extLst>
-            </p:cNvPr>
-            <p:cNvGrpSpPr/>
-            <p:nvPr/>
-          </p:nvGrpSpPr>
-          <p:grpSpPr>
-            <a:xfrm>
-              <a:off x="8270021" y="5119688"/>
-              <a:ext cx="124200" cy="150120"/>
-              <a:chOff x="8270021" y="5119688"/>
-              <a:chExt cx="124200" cy="150120"/>
-            </a:xfrm>
-          </p:grpSpPr>
-          <mc:AlternateContent xmlns:mc="http://schemas.openxmlformats.org/markup-compatibility/2006" xmlns:p14="http://schemas.microsoft.com/office/powerpoint/2010/main">
-            <mc:Choice Requires="p14">
-              <p:contentPart p14:bwMode="auto" r:id="rId54">
-                <p14:nvContentPartPr>
-                  <p14:cNvPr id="119" name="墨迹 118">
-                    <a:extLst>
-                      <a:ext uri="{FF2B5EF4-FFF2-40B4-BE49-F238E27FC236}">
-                        <a16:creationId xmlns:a16="http://schemas.microsoft.com/office/drawing/2014/main" id="{5AA16E12-0FB4-A55B-CFDD-A8D3FEDADBA8}"/>
-                      </a:ext>
-                    </a:extLst>
-                  </p14:cNvPr>
-                  <p14:cNvContentPartPr/>
-                  <p14:nvPr/>
-                </p14:nvContentPartPr>
-                <p14:xfrm>
-                  <a:off x="8270021" y="5131208"/>
-                  <a:ext cx="74880" cy="50400"/>
-                </p14:xfrm>
-              </p:contentPart>
-            </mc:Choice>
-            <mc:Fallback xmlns="">
-              <p:pic>
-                <p:nvPicPr>
-                  <p:cNvPr id="119" name="墨迹 118">
-                    <a:extLst>
-                      <a:ext uri="{FF2B5EF4-FFF2-40B4-BE49-F238E27FC236}">
-                        <a16:creationId xmlns:a16="http://schemas.microsoft.com/office/drawing/2014/main" id="{5AA16E12-0FB4-A55B-CFDD-A8D3FEDADBA8}"/>
-                      </a:ext>
-                    </a:extLst>
-                  </p:cNvPr>
-                  <p:cNvPicPr/>
-                  <p:nvPr/>
-                </p:nvPicPr>
-                <p:blipFill>
-                  <a:blip r:embed="rId55"/>
-                  <a:stretch>
-                    <a:fillRect/>
-                  </a:stretch>
-                </p:blipFill>
-                <p:spPr>
-                  <a:xfrm>
-                    <a:off x="8263901" y="5125088"/>
-                    <a:ext cx="87120" cy="62640"/>
-                  </a:xfrm>
-                  <a:prstGeom prst="rect">
-                    <a:avLst/>
-                  </a:prstGeom>
-                </p:spPr>
-              </p:pic>
-            </mc:Fallback>
-          </mc:AlternateContent>
-          <mc:AlternateContent xmlns:mc="http://schemas.openxmlformats.org/markup-compatibility/2006" xmlns:p14="http://schemas.microsoft.com/office/powerpoint/2010/main">
-            <mc:Choice Requires="p14">
-              <p:contentPart p14:bwMode="auto" r:id="rId56">
-                <p14:nvContentPartPr>
-                  <p14:cNvPr id="120" name="墨迹 119">
-                    <a:extLst>
-                      <a:ext uri="{FF2B5EF4-FFF2-40B4-BE49-F238E27FC236}">
-                        <a16:creationId xmlns:a16="http://schemas.microsoft.com/office/drawing/2014/main" id="{B4A903C1-693B-00AF-95C1-6D43A5F86E4F}"/>
-                      </a:ext>
-                    </a:extLst>
-                  </p14:cNvPr>
-                  <p14:cNvContentPartPr/>
-                  <p14:nvPr/>
-                </p14:nvContentPartPr>
-                <p14:xfrm>
-                  <a:off x="8310701" y="5119688"/>
-                  <a:ext cx="83520" cy="150120"/>
-                </p14:xfrm>
-              </p:contentPart>
-            </mc:Choice>
-            <mc:Fallback xmlns="">
-              <p:pic>
-                <p:nvPicPr>
-                  <p:cNvPr id="120" name="墨迹 119">
-                    <a:extLst>
-                      <a:ext uri="{FF2B5EF4-FFF2-40B4-BE49-F238E27FC236}">
-                        <a16:creationId xmlns:a16="http://schemas.microsoft.com/office/drawing/2014/main" id="{B4A903C1-693B-00AF-95C1-6D43A5F86E4F}"/>
-                      </a:ext>
-                    </a:extLst>
-                  </p:cNvPr>
-                  <p:cNvPicPr/>
-                  <p:nvPr/>
-                </p:nvPicPr>
-                <p:blipFill>
-                  <a:blip r:embed="rId57"/>
-                  <a:stretch>
-                    <a:fillRect/>
-                  </a:stretch>
-                </p:blipFill>
-                <p:spPr>
-                  <a:xfrm>
-                    <a:off x="8304581" y="5113568"/>
-                    <a:ext cx="95760" cy="162360"/>
-                  </a:xfrm>
-                  <a:prstGeom prst="rect">
-                    <a:avLst/>
-                  </a:prstGeom>
-                </p:spPr>
-              </p:pic>
-            </mc:Fallback>
-          </mc:AlternateContent>
-          <mc:AlternateContent xmlns:mc="http://schemas.openxmlformats.org/markup-compatibility/2006" xmlns:p14="http://schemas.microsoft.com/office/powerpoint/2010/main">
-            <mc:Choice Requires="p14">
-              <p:contentPart p14:bwMode="auto" r:id="rId58">
-                <p14:nvContentPartPr>
-                  <p14:cNvPr id="129" name="墨迹 128">
-                    <a:extLst>
-                      <a:ext uri="{FF2B5EF4-FFF2-40B4-BE49-F238E27FC236}">
-                        <a16:creationId xmlns:a16="http://schemas.microsoft.com/office/drawing/2014/main" id="{AD123355-B280-7025-15E4-9AE37A125970}"/>
-                      </a:ext>
-                    </a:extLst>
-                  </p14:cNvPr>
-                  <p14:cNvContentPartPr/>
-                  <p14:nvPr/>
-                </p14:nvContentPartPr>
-                <p14:xfrm>
-                  <a:off x="8351021" y="5221928"/>
-                  <a:ext cx="3240" cy="360"/>
-                </p14:xfrm>
-              </p:contentPart>
-            </mc:Choice>
-            <mc:Fallback xmlns="">
-              <p:pic>
-                <p:nvPicPr>
-                  <p:cNvPr id="129" name="墨迹 128">
-                    <a:extLst>
-                      <a:ext uri="{FF2B5EF4-FFF2-40B4-BE49-F238E27FC236}">
-                        <a16:creationId xmlns:a16="http://schemas.microsoft.com/office/drawing/2014/main" id="{AD123355-B280-7025-15E4-9AE37A125970}"/>
-                      </a:ext>
-                    </a:extLst>
-                  </p:cNvPr>
-                  <p:cNvPicPr/>
-                  <p:nvPr/>
-                </p:nvPicPr>
-                <p:blipFill>
-                  <a:blip r:embed="rId59"/>
-                  <a:stretch>
-                    <a:fillRect/>
-                  </a:stretch>
-                </p:blipFill>
-                <p:spPr>
-                  <a:xfrm>
-                    <a:off x="8344901" y="5215808"/>
-                    <a:ext cx="15480" cy="12600"/>
-                  </a:xfrm>
-                  <a:prstGeom prst="rect">
-                    <a:avLst/>
-                  </a:prstGeom>
-                </p:spPr>
-              </p:pic>
-            </mc:Fallback>
-          </mc:AlternateContent>
-          <mc:AlternateContent xmlns:mc="http://schemas.openxmlformats.org/markup-compatibility/2006" xmlns:p14="http://schemas.microsoft.com/office/powerpoint/2010/main">
-            <mc:Choice Requires="p14">
-              <p:contentPart p14:bwMode="auto" r:id="rId60">
-                <p14:nvContentPartPr>
-                  <p14:cNvPr id="131" name="墨迹 130">
-                    <a:extLst>
-                      <a:ext uri="{FF2B5EF4-FFF2-40B4-BE49-F238E27FC236}">
-                        <a16:creationId xmlns:a16="http://schemas.microsoft.com/office/drawing/2014/main" id="{216BD68E-E494-BF7D-9996-3BB46CE50D15}"/>
-                      </a:ext>
-                    </a:extLst>
-                  </p14:cNvPr>
-                  <p14:cNvContentPartPr/>
-                  <p14:nvPr/>
-                </p14:nvContentPartPr>
-                <p14:xfrm>
-                  <a:off x="8341301" y="5198168"/>
-                  <a:ext cx="15120" cy="19440"/>
-                </p14:xfrm>
-              </p:contentPart>
-            </mc:Choice>
-            <mc:Fallback xmlns="">
-              <p:pic>
-                <p:nvPicPr>
-                  <p:cNvPr id="131" name="墨迹 130">
-                    <a:extLst>
-                      <a:ext uri="{FF2B5EF4-FFF2-40B4-BE49-F238E27FC236}">
-                        <a16:creationId xmlns:a16="http://schemas.microsoft.com/office/drawing/2014/main" id="{216BD68E-E494-BF7D-9996-3BB46CE50D15}"/>
-                      </a:ext>
-                    </a:extLst>
-                  </p:cNvPr>
-                  <p:cNvPicPr/>
-                  <p:nvPr/>
-                </p:nvPicPr>
-                <p:blipFill>
-                  <a:blip r:embed="rId61"/>
-                  <a:stretch>
-                    <a:fillRect/>
-                  </a:stretch>
-                </p:blipFill>
-                <p:spPr>
-                  <a:xfrm>
-                    <a:off x="8335181" y="5192048"/>
-                    <a:ext cx="27360" cy="31680"/>
-                  </a:xfrm>
-                  <a:prstGeom prst="rect">
-                    <a:avLst/>
-                  </a:prstGeom>
-                </p:spPr>
-              </p:pic>
-            </mc:Fallback>
-          </mc:AlternateContent>
-        </p:grpSp>
       </p:grpSp>
     </p:spTree>
     <p:extLst>

--- a/src/main/resources/static/image/menu/fix(1).pptx
+++ b/src/main/resources/static/image/menu/fix(1).pptx
@@ -6352,8 +6352,8 @@
             </a:prstGeom>
           </p:spPr>
         </p:pic>
-        <mc:AlternateContent xmlns:mc="http://schemas.openxmlformats.org/markup-compatibility/2006">
-          <mc:Choice xmlns:p14="http://schemas.microsoft.com/office/powerpoint/2010/main" Requires="p14">
+        <mc:AlternateContent xmlns:mc="http://schemas.openxmlformats.org/markup-compatibility/2006" xmlns:p14="http://schemas.microsoft.com/office/powerpoint/2010/main">
+          <mc:Choice Requires="p14">
             <p:contentPart p14:bwMode="auto" r:id="rId27">
               <p14:nvContentPartPr>
                 <p14:cNvPr id="113" name="墨迹 112">
@@ -6372,7 +6372,7 @@
               </p14:xfrm>
             </p:contentPart>
           </mc:Choice>
-          <mc:Fallback>
+          <mc:Fallback xmlns="">
             <p:pic>
               <p:nvPicPr>
                 <p:cNvPr id="113" name="墨迹 112">
@@ -6403,8 +6403,8 @@
             </p:pic>
           </mc:Fallback>
         </mc:AlternateContent>
-        <mc:AlternateContent xmlns:mc="http://schemas.openxmlformats.org/markup-compatibility/2006">
-          <mc:Choice xmlns:p14="http://schemas.microsoft.com/office/powerpoint/2010/main" Requires="p14">
+        <mc:AlternateContent xmlns:mc="http://schemas.openxmlformats.org/markup-compatibility/2006" xmlns:p14="http://schemas.microsoft.com/office/powerpoint/2010/main">
+          <mc:Choice Requires="p14">
             <p:contentPart p14:bwMode="auto" r:id="rId29">
               <p14:nvContentPartPr>
                 <p14:cNvPr id="114" name="墨迹 113">
@@ -6423,7 +6423,7 @@
               </p14:xfrm>
             </p:contentPart>
           </mc:Choice>
-          <mc:Fallback>
+          <mc:Fallback xmlns="">
             <p:pic>
               <p:nvPicPr>
                 <p:cNvPr id="114" name="墨迹 113">
@@ -6454,8 +6454,8 @@
             </p:pic>
           </mc:Fallback>
         </mc:AlternateContent>
-        <mc:AlternateContent xmlns:mc="http://schemas.openxmlformats.org/markup-compatibility/2006">
-          <mc:Choice xmlns:p14="http://schemas.microsoft.com/office/powerpoint/2010/main" Requires="p14">
+        <mc:AlternateContent xmlns:mc="http://schemas.openxmlformats.org/markup-compatibility/2006" xmlns:p14="http://schemas.microsoft.com/office/powerpoint/2010/main">
+          <mc:Choice Requires="p14">
             <p:contentPart p14:bwMode="auto" r:id="rId31">
               <p14:nvContentPartPr>
                 <p14:cNvPr id="123" name="墨迹 122">
@@ -6474,7 +6474,7 @@
               </p14:xfrm>
             </p:contentPart>
           </mc:Choice>
-          <mc:Fallback>
+          <mc:Fallback xmlns="">
             <p:pic>
               <p:nvPicPr>
                 <p:cNvPr id="123" name="墨迹 122">
@@ -6505,8 +6505,8 @@
             </p:pic>
           </mc:Fallback>
         </mc:AlternateContent>
-        <mc:AlternateContent xmlns:mc="http://schemas.openxmlformats.org/markup-compatibility/2006">
-          <mc:Choice xmlns:p14="http://schemas.microsoft.com/office/powerpoint/2010/main" Requires="p14">
+        <mc:AlternateContent xmlns:mc="http://schemas.openxmlformats.org/markup-compatibility/2006" xmlns:p14="http://schemas.microsoft.com/office/powerpoint/2010/main">
+          <mc:Choice Requires="p14">
             <p:contentPart p14:bwMode="auto" r:id="rId33">
               <p14:nvContentPartPr>
                 <p14:cNvPr id="127" name="墨迹 126">
@@ -6525,7 +6525,7 @@
               </p14:xfrm>
             </p:contentPart>
           </mc:Choice>
-          <mc:Fallback>
+          <mc:Fallback xmlns="">
             <p:pic>
               <p:nvPicPr>
                 <p:cNvPr id="127" name="墨迹 126">
@@ -6556,8 +6556,8 @@
             </p:pic>
           </mc:Fallback>
         </mc:AlternateContent>
-        <mc:AlternateContent xmlns:mc="http://schemas.openxmlformats.org/markup-compatibility/2006">
-          <mc:Choice xmlns:p14="http://schemas.microsoft.com/office/powerpoint/2010/main" Requires="p14">
+        <mc:AlternateContent xmlns:mc="http://schemas.openxmlformats.org/markup-compatibility/2006" xmlns:p14="http://schemas.microsoft.com/office/powerpoint/2010/main">
+          <mc:Choice Requires="p14">
             <p:contentPart p14:bwMode="auto" r:id="rId35">
               <p14:nvContentPartPr>
                 <p14:cNvPr id="128" name="墨迹 127">
@@ -6576,7 +6576,7 @@
               </p14:xfrm>
             </p:contentPart>
           </mc:Choice>
-          <mc:Fallback>
+          <mc:Fallback xmlns="">
             <p:pic>
               <p:nvPicPr>
                 <p:cNvPr id="128" name="墨迹 127">
@@ -8256,10 +8256,10 @@
       </p:grpSp>
       <p:grpSp>
         <p:nvGrpSpPr>
-          <p:cNvPr id="2" name="组合 1">
+          <p:cNvPr id="53" name="组合 52">
             <a:extLst>
               <a:ext uri="{FF2B5EF4-FFF2-40B4-BE49-F238E27FC236}">
-                <a16:creationId xmlns:a16="http://schemas.microsoft.com/office/drawing/2014/main" id="{6431FC02-5B55-4C85-01A0-23A2C9EBCAA4}"/>
+                <a16:creationId xmlns:a16="http://schemas.microsoft.com/office/drawing/2014/main" id="{F6F31D81-E8CE-99C7-8528-475ED22A94FD}"/>
               </a:ext>
             </a:extLst>
           </p:cNvPr>
@@ -8270,7 +8270,7 @@
           <a:xfrm>
             <a:off x="217689" y="574507"/>
             <a:ext cx="5363183" cy="5363183"/>
-            <a:chOff x="321764" y="606357"/>
+            <a:chOff x="217689" y="574507"/>
             <a:chExt cx="5363183" cy="5363183"/>
           </a:xfrm>
         </p:grpSpPr>
@@ -8288,7 +8288,7 @@
           </p:nvGrpSpPr>
           <p:grpSpPr>
             <a:xfrm>
-              <a:off x="321764" y="606357"/>
+              <a:off x="217689" y="574507"/>
               <a:ext cx="5363183" cy="5363183"/>
               <a:chOff x="2957209" y="606357"/>
               <a:chExt cx="5363183" cy="5363183"/>
@@ -9096,7 +9096,7 @@
           </p:nvSpPr>
           <p:spPr>
             <a:xfrm>
-              <a:off x="813015" y="2920916"/>
+              <a:off x="708940" y="2889066"/>
               <a:ext cx="4254491" cy="1724511"/>
             </a:xfrm>
             <a:prstGeom prst="rect">
@@ -9198,7 +9198,7 @@
           </p:blipFill>
           <p:spPr>
             <a:xfrm>
-              <a:off x="934726" y="4703333"/>
+              <a:off x="934676" y="4663173"/>
               <a:ext cx="944882" cy="944882"/>
             </a:xfrm>
             <a:prstGeom prst="rect">
@@ -9220,7 +9220,7 @@
           </p:nvGrpSpPr>
           <p:grpSpPr>
             <a:xfrm>
-              <a:off x="492541" y="4654703"/>
+              <a:off x="388466" y="4622853"/>
               <a:ext cx="289080" cy="271800"/>
               <a:chOff x="492541" y="4654703"/>
               <a:chExt cx="289080" cy="271800"/>
@@ -9496,7 +9496,7 @@
           </p:nvGrpSpPr>
           <p:grpSpPr>
             <a:xfrm>
-              <a:off x="907981" y="4682063"/>
+              <a:off x="850168" y="4660473"/>
               <a:ext cx="84240" cy="94320"/>
               <a:chOff x="907981" y="4682063"/>
               <a:chExt cx="84240" cy="94320"/>
@@ -9619,7 +9619,7 @@
           </p:nvGrpSpPr>
           <p:grpSpPr>
             <a:xfrm>
-              <a:off x="1888261" y="4688543"/>
+              <a:off x="1890298" y="4663173"/>
               <a:ext cx="76680" cy="127080"/>
               <a:chOff x="1888261" y="4688543"/>
               <a:chExt cx="76680" cy="127080"/>
@@ -9750,14 +9750,13 @@
                 </a:ext>
               </a:extLst>
             </a:blip>
-            <a:stretch>
-              <a:fillRect/>
-            </a:stretch>
+            <a:srcRect/>
+            <a:stretch/>
           </p:blipFill>
           <p:spPr>
             <a:xfrm>
-              <a:off x="2108352" y="4702167"/>
-              <a:ext cx="2538412" cy="1051413"/>
+              <a:off x="2289401" y="4660473"/>
+              <a:ext cx="2313106" cy="1051413"/>
             </a:xfrm>
             <a:prstGeom prst="rect">
               <a:avLst/>

--- a/src/main/resources/static/image/menu/fix(1).pptx
+++ b/src/main/resources/static/image/menu/fix(1).pptx
@@ -7,6 +7,7 @@
   <p:sldIdLst>
     <p:sldId id="256" r:id="rId2"/>
     <p:sldId id="257" r:id="rId3"/>
+    <p:sldId id="258" r:id="rId4"/>
   </p:sldIdLst>
   <p:sldSz cx="12192000" cy="6858000"/>
   <p:notesSz cx="6858000" cy="9144000"/>
@@ -494,6 +495,222 @@
 </inkml:ink>
 </file>
 
+<file path=ppt/ink/ink22.xml><?xml version="1.0" encoding="utf-8"?>
+<inkml:ink xmlns:inkml="http://www.w3.org/2003/InkML">
+  <inkml:definitions>
+    <inkml:context xml:id="ctx0">
+      <inkml:inkSource xml:id="inkSrc0">
+        <inkml:traceFormat>
+          <inkml:channel name="X" type="integer" min="-2.14748E9" max="2.14748E9" units="cm"/>
+          <inkml:channel name="Y" type="integer" min="-2.14748E9" max="2.14748E9" units="cm"/>
+          <inkml:channel name="F" type="integer" max="32767" units="dev"/>
+        </inkml:traceFormat>
+        <inkml:channelProperties>
+          <inkml:channelProperty channel="X" name="resolution" value="1000" units="1/cm"/>
+          <inkml:channelProperty channel="Y" name="resolution" value="1000" units="1/cm"/>
+          <inkml:channelProperty channel="F" name="resolution" value="0" units="1/dev"/>
+        </inkml:channelProperties>
+      </inkml:inkSource>
+      <inkml:timestamp xml:id="ts0" timeString="2024-06-18T17:34:41.150"/>
+    </inkml:context>
+    <inkml:brush xml:id="br0">
+      <inkml:brushProperty name="width" value="0.035" units="cm"/>
+      <inkml:brushProperty name="height" value="0.035" units="cm"/>
+    </inkml:brush>
+  </inkml:definitions>
+  <inkml:trace contextRef="#ctx0" brushRef="#br0">99 77 24575,'1'-2'0,"-1"1"0,1 0 0,0 0 0,-1 0 0,1 0 0,0 1 0,-1-1 0,1 0 0,0 0 0,0 0 0,0 1 0,0-1 0,0 0 0,0 1 0,0-1 0,0 0 0,0 1 0,0 0 0,0-1 0,0 1 0,1 0 0,-1-1 0,0 1 0,0 0 0,0 0 0,0 0 0,2 0 0,40-2 0,-37 2 0,231 9 0,-22 1 0,164 3 0,-161-8 0,-190-6 0,-751 1 0,598 19 0,99-16 0,33 3 0,43 3 0,146 27 0,-31-12 0,-41-4 0,9-1 0,94 9 0,-60-8 0,-58-5 0,-89-13 0,0 1 0,0 1 0,27 8 0,-47-12 0,1 0 0,-1 0 0,0 0 0,0 0 0,0 0 0,0 0 0,1 0 0,-1 0 0,0 0 0,0 0 0,0 0 0,1 0 0,-1 0 0,0 0 0,0 0 0,0 0 0,0 0 0,1 0 0,-1 0 0,0 0 0,0 0 0,0 1 0,0-1 0,0 0 0,1 0 0,-1 0 0,0 0 0,0 0 0,0 0 0,0 1 0,0-1 0,0 0 0,0 0 0,1 0 0,-1 0 0,0 1 0,0-1 0,0 0 0,0 0 0,0 0 0,0 0 0,0 1 0,0-1 0,0 0 0,0 0 0,0 0 0,0 1 0,0-1 0,0 0 0,0 0 0,0 0 0,0 0 0,-1 1 0,1-1 0,0 0 0,0 0 0,0 0 0,0 1 0,-16 3 0,-19 0 0,-594-5 0,487-7 0,-92-2 0,42 11 0,400 17 0,47-4 0,31 4 0,-90-14 0,-182-4 0,-125 0 0,-291-11 0,265-3 0,-384-34 0,479 43 0,-59-15 0,59 11 0,41 9 0,0 0 0,0 0 0,0 0 0,0 0 0,0 0 0,0-1 0,0 1 0,0 0 0,0 0 0,0-1 0,0 1 0,0-1 0,0 1 0,0-1 0,1 1 0,-1-1 0,0 1 0,0-1 0,0 0 0,1 1 0,-1-1 0,0 0 0,1 0 0,-1 0 0,0 0 0,0-1 0,2 1 0,-1 0 0,1 0 0,0 0 0,-1 0 0,1 0 0,0 0 0,0 0 0,0 0 0,0 0 0,0 0 0,0 1 0,0-1 0,0 0 0,0 1 0,0-1 0,0 1 0,2-1 0,60-19 0,447-67 0,-371 63 0,77-10 0,-162 28 0,229-12 0,-482 20 0,-134-4 0,255-6 0,-29-2 0,74 4 0,28 1 0,23 0 0,54 0 0,110 6 0,-63 1 0,195 13 0,-21 16 0,-12 10 0,-261-39 0,28 5 0,-46-7 0,1 1 0,-1-1 0,0 1 0,1 0 0,-1 0 0,0 0 0,0 0 0,0 0 0,0 0 0,0 1 0,0-1 0,0 1 0,-1-1 0,1 1 0,0 0 0,1 2 0,-3-3 0,0 0 0,0-1 0,1 1 0,-1 0 0,0 0 0,0 0 0,0 0 0,0 0 0,0 0 0,0 0 0,0 0 0,-1 0 0,1 0 0,0 0 0,0 0 0,-1 0 0,1 0 0,-1 0 0,1-1 0,-1 1 0,1 0 0,-1 0 0,1 0 0,-1-1 0,0 1 0,1 0 0,-1-1 0,0 1 0,0-1 0,0 1 0,1-1 0,-1 1 0,0-1 0,0 1 0,0-1 0,0 0 0,0 1 0,-1-1 0,-47 16 0,39-13 0,-37 8 0,-1-1 0,-80 5 0,45-7 0,-47 1 0,-149-9 0,157-2 0,221 4 0,111-5 0,-119-14-1365,-76 16-5461</inkml:trace>
+</inkml:ink>
+</file>
+
+<file path=ppt/ink/ink23.xml><?xml version="1.0" encoding="utf-8"?>
+<inkml:ink xmlns:inkml="http://www.w3.org/2003/InkML">
+  <inkml:definitions>
+    <inkml:context xml:id="ctx0">
+      <inkml:inkSource xml:id="inkSrc0">
+        <inkml:traceFormat>
+          <inkml:channel name="X" type="integer" min="-2.14748E9" max="2.14748E9" units="cm"/>
+          <inkml:channel name="Y" type="integer" min="-2.14748E9" max="2.14748E9" units="cm"/>
+          <inkml:channel name="F" type="integer" max="32767" units="dev"/>
+        </inkml:traceFormat>
+        <inkml:channelProperties>
+          <inkml:channelProperty channel="X" name="resolution" value="1000" units="1/cm"/>
+          <inkml:channelProperty channel="Y" name="resolution" value="1000" units="1/cm"/>
+          <inkml:channelProperty channel="F" name="resolution" value="0" units="1/dev"/>
+        </inkml:channelProperties>
+      </inkml:inkSource>
+      <inkml:timestamp xml:id="ts0" timeString="2024-06-18T17:34:49.768"/>
+    </inkml:context>
+    <inkml:brush xml:id="br0">
+      <inkml:brushProperty name="width" value="0.035" units="cm"/>
+      <inkml:brushProperty name="height" value="0.035" units="cm"/>
+    </inkml:brush>
+  </inkml:definitions>
+  <inkml:trace contextRef="#ctx0" brushRef="#br0">1 21 24575,'144'-19'0,"-27"17"0,196 6 0,-298-3-151,-1 1-1,1 1 0,-1 1 0,1 0 1,-1 1-1,0 0 0,-1 1 1,17 10-1,-19-8-6674</inkml:trace>
+</inkml:ink>
+</file>
+
+<file path=ppt/ink/ink24.xml><?xml version="1.0" encoding="utf-8"?>
+<inkml:ink xmlns:inkml="http://www.w3.org/2003/InkML">
+  <inkml:definitions>
+    <inkml:context xml:id="ctx0">
+      <inkml:inkSource xml:id="inkSrc0">
+        <inkml:traceFormat>
+          <inkml:channel name="X" type="integer" min="-2.14748E9" max="2.14748E9" units="cm"/>
+          <inkml:channel name="Y" type="integer" min="-2.14748E9" max="2.14748E9" units="cm"/>
+          <inkml:channel name="F" type="integer" max="32767" units="dev"/>
+        </inkml:traceFormat>
+        <inkml:channelProperties>
+          <inkml:channelProperty channel="X" name="resolution" value="1000" units="1/cm"/>
+          <inkml:channelProperty channel="Y" name="resolution" value="1000" units="1/cm"/>
+          <inkml:channelProperty channel="F" name="resolution" value="0" units="1/dev"/>
+        </inkml:channelProperties>
+      </inkml:inkSource>
+      <inkml:timestamp xml:id="ts0" timeString="2024-06-18T17:34:50.112"/>
+    </inkml:context>
+    <inkml:brush xml:id="br0">
+      <inkml:brushProperty name="width" value="0.035" units="cm"/>
+      <inkml:brushProperty name="height" value="0.035" units="cm"/>
+    </inkml:brush>
+  </inkml:definitions>
+  <inkml:trace contextRef="#ctx0" brushRef="#br0">1 0 24575,'863'0'-1365,"-846"0"-5461</inkml:trace>
+</inkml:ink>
+</file>
+
+<file path=ppt/ink/ink25.xml><?xml version="1.0" encoding="utf-8"?>
+<inkml:ink xmlns:inkml="http://www.w3.org/2003/InkML">
+  <inkml:definitions>
+    <inkml:context xml:id="ctx0">
+      <inkml:inkSource xml:id="inkSrc0">
+        <inkml:traceFormat>
+          <inkml:channel name="X" type="integer" min="-2.14748E9" max="2.14748E9" units="cm"/>
+          <inkml:channel name="Y" type="integer" min="-2.14748E9" max="2.14748E9" units="cm"/>
+          <inkml:channel name="F" type="integer" max="32767" units="dev"/>
+        </inkml:traceFormat>
+        <inkml:channelProperties>
+          <inkml:channelProperty channel="X" name="resolution" value="1000" units="1/cm"/>
+          <inkml:channelProperty channel="Y" name="resolution" value="1000" units="1/cm"/>
+          <inkml:channelProperty channel="F" name="resolution" value="0" units="1/dev"/>
+        </inkml:channelProperties>
+      </inkml:inkSource>
+      <inkml:timestamp xml:id="ts0" timeString="2024-06-18T17:34:50.485"/>
+    </inkml:context>
+    <inkml:brush xml:id="br0">
+      <inkml:brushProperty name="width" value="0.035" units="cm"/>
+      <inkml:brushProperty name="height" value="0.035" units="cm"/>
+    </inkml:brush>
+  </inkml:definitions>
+  <inkml:trace contextRef="#ctx0" brushRef="#br0">0 0 24575,'560'0'0,"-528"4"-1365,-20-1-5461</inkml:trace>
+</inkml:ink>
+</file>
+
+<file path=ppt/ink/ink26.xml><?xml version="1.0" encoding="utf-8"?>
+<inkml:ink xmlns:inkml="http://www.w3.org/2003/InkML">
+  <inkml:definitions>
+    <inkml:context xml:id="ctx0">
+      <inkml:inkSource xml:id="inkSrc0">
+        <inkml:traceFormat>
+          <inkml:channel name="X" type="integer" min="-2.14748E9" max="2.14748E9" units="cm"/>
+          <inkml:channel name="Y" type="integer" min="-2.14748E9" max="2.14748E9" units="cm"/>
+          <inkml:channel name="F" type="integer" max="32767" units="dev"/>
+        </inkml:traceFormat>
+        <inkml:channelProperties>
+          <inkml:channelProperty channel="X" name="resolution" value="1000" units="1/cm"/>
+          <inkml:channelProperty channel="Y" name="resolution" value="1000" units="1/cm"/>
+          <inkml:channelProperty channel="F" name="resolution" value="0" units="1/dev"/>
+        </inkml:channelProperties>
+      </inkml:inkSource>
+      <inkml:timestamp xml:id="ts0" timeString="2024-06-18T17:34:50.835"/>
+    </inkml:context>
+    <inkml:brush xml:id="br0">
+      <inkml:brushProperty name="width" value="0.035" units="cm"/>
+      <inkml:brushProperty name="height" value="0.035" units="cm"/>
+    </inkml:brush>
+  </inkml:definitions>
+  <inkml:trace contextRef="#ctx0" brushRef="#br0">69 6 24575,'-5'0'0,"-1"-1"0,1 1 0,0 0 0,0 0 0,-1 1 0,1 0 0,0 0 0,0 0 0,0 0 0,0 1 0,-7 2 0,18-2 0,-1 0 0,0-1 0,1 0 0,-1 0 0,0 0 0,10-1 0,492-1 0,-494 1-195,-1 0 0,1-1 0,-1-1 0,1 0 0,-1-1 0,17-6 0,-15 3-6631</inkml:trace>
+</inkml:ink>
+</file>
+
+<file path=ppt/ink/ink27.xml><?xml version="1.0" encoding="utf-8"?>
+<inkml:ink xmlns:inkml="http://www.w3.org/2003/InkML">
+  <inkml:definitions>
+    <inkml:context xml:id="ctx0">
+      <inkml:inkSource xml:id="inkSrc0">
+        <inkml:traceFormat>
+          <inkml:channel name="X" type="integer" min="-2.14748E9" max="2.14748E9" units="cm"/>
+          <inkml:channel name="Y" type="integer" min="-2.14748E9" max="2.14748E9" units="cm"/>
+          <inkml:channel name="F" type="integer" max="32767" units="dev"/>
+        </inkml:traceFormat>
+        <inkml:channelProperties>
+          <inkml:channelProperty channel="X" name="resolution" value="1000" units="1/cm"/>
+          <inkml:channelProperty channel="Y" name="resolution" value="1000" units="1/cm"/>
+          <inkml:channelProperty channel="F" name="resolution" value="0" units="1/dev"/>
+        </inkml:channelProperties>
+      </inkml:inkSource>
+      <inkml:timestamp xml:id="ts0" timeString="2024-06-18T17:34:51.270"/>
+    </inkml:context>
+    <inkml:brush xml:id="br0">
+      <inkml:brushProperty name="width" value="0.035" units="cm"/>
+      <inkml:brushProperty name="height" value="0.035" units="cm"/>
+    </inkml:brush>
+  </inkml:definitions>
+  <inkml:trace contextRef="#ctx0" brushRef="#br0">102 1 24575,'-3'38'0,"-2"-1"0,-2 0 0,-2 0 0,-1 0 0,-17 42 0,27-79 0,-16 33 0,13-28 0,0 1 0,0-1 0,0 1 0,1 0 0,-1 0 0,2 0 0,-1 0 0,0 1 0,1-1 0,1 0 0,-1 9 0,1-14 0,0-1 0,0 1 0,0 0 0,0-1 0,1 1 0,-1-1 0,0 1 0,1-1 0,-1 1 0,0-1 0,1 1 0,-1-1 0,0 0 0,1 1 0,-1-1 0,1 1 0,-1-1 0,1 0 0,-1 1 0,1-1 0,-1 0 0,1 0 0,-1 1 0,1-1 0,-1 0 0,1 0 0,0 0 0,-1 0 0,1 0 0,-1 0 0,2 0 0,22-6 0,19-20 0,249-223 0,-281 239 0,39-31 0,-50 41 0,0-1 0,0 1 0,0 0 0,0 0 0,0 0 0,1 0 0,-1-1 0,0 1 0,0 0 0,0 0 0,0 0 0,0 0 0,1 0 0,-1 0 0,0 0 0,0-1 0,0 1 0,0 0 0,1 0 0,-1 0 0,0 0 0,0 0 0,0 0 0,1 0 0,-1 0 0,0 0 0,0 0 0,0 0 0,1 0 0,-1 0 0,0 0 0,0 0 0,0 0 0,1 0 0,-1 1 0,0-1 0,0 0 0,0 0 0,0 0 0,1 0 0,-1 0 0,0 0 0,0 0 0,0 1 0,0-1 0,0 0 0,1 0 0,-1 0 0,0 0 0,0 0 0,0 1 0,0-1 0,0 0 0,0 0 0,0 0 0,0 1 0,0-1 0,0 0 0,-4 17 0,-12 16 0,-50 72 0,-55 76 0,106-157 0,-9 9 0,24-33 0,-1 0 0,1 0 0,0 0 0,-1 0 0,1 0 0,0-1 0,0 1 0,-1 0 0,1 0 0,0 0 0,-1-1 0,1 1 0,0 0 0,0-1 0,-1 1 0,1 0 0,0 0 0,0-1 0,0 1 0,0 0 0,-1-1 0,1 1 0,0 0 0,0-1 0,0 1 0,0-1 0,0 1 0,0 0 0,0-1 0,0 1 0,0 0 0,0-1 0,0 1 0,0 0 0,0-1 0,0 1 0,0-1 0,1 1 0,-1 0 0,0-1 0,0 1 0,2-20 0,5-2 0,1 2 0,1-1 0,1 1 0,1 1 0,24-35 0,-9 14 0,-13 19 0,0-1 0,1 2 0,2 0 0,0 1 0,1 1 0,25-23 0,-41 41 0,-1-1 0,1 0 0,0 1 0,-1-1 0,1 1 0,-1 0 0,1-1 0,0 1 0,-1 0 0,1-1 0,0 1 0,-1 0 0,1-1 0,0 1 0,-1 0 0,1 0 0,0 0 0,0 0 0,-1 0 0,1 0 0,0 0 0,-1 0 0,1 0 0,0 0 0,0 0 0,-1 0 0,1 1 0,0-1 0,-1 0 0,1 0 0,0 1 0,-1-1 0,1 1 0,0-1 0,0 1 0,0 1 0,1 0 0,-1 1 0,0-1 0,0 0 0,-1 0 0,1 1 0,0-1 0,-1 0 0,1 1 0,-1-1 0,0 4 0,0 7 0,0 0 0,0 0 0,-4 17 0,-27 65 39,16-54-1443,11-29-5422</inkml:trace>
+</inkml:ink>
+</file>
+
+<file path=ppt/ink/ink28.xml><?xml version="1.0" encoding="utf-8"?>
+<inkml:ink xmlns:inkml="http://www.w3.org/2003/InkML">
+  <inkml:definitions>
+    <inkml:context xml:id="ctx0">
+      <inkml:inkSource xml:id="inkSrc0">
+        <inkml:traceFormat>
+          <inkml:channel name="X" type="integer" min="-2.14748E9" max="2.14748E9" units="cm"/>
+          <inkml:channel name="Y" type="integer" min="-2.14748E9" max="2.14748E9" units="cm"/>
+          <inkml:channel name="F" type="integer" max="32767" units="dev"/>
+        </inkml:traceFormat>
+        <inkml:channelProperties>
+          <inkml:channelProperty channel="X" name="resolution" value="1000" units="1/cm"/>
+          <inkml:channelProperty channel="Y" name="resolution" value="1000" units="1/cm"/>
+          <inkml:channelProperty channel="F" name="resolution" value="0" units="1/dev"/>
+        </inkml:channelProperties>
+      </inkml:inkSource>
+      <inkml:timestamp xml:id="ts0" timeString="2024-06-18T17:34:52.314"/>
+    </inkml:context>
+    <inkml:brush xml:id="br0">
+      <inkml:brushProperty name="width" value="0.035" units="cm"/>
+      <inkml:brushProperty name="height" value="0.035" units="cm"/>
+    </inkml:brush>
+  </inkml:definitions>
+  <inkml:trace contextRef="#ctx0" brushRef="#br0">26 168 24575,'-1'1'0,"0"-1"0,0 0 0,0 0 0,-1 0 0,1 0 0,0 0 0,0-1 0,0 1 0,0 0 0,0 0 0,0-1 0,0 1 0,0-1 0,0 1 0,0-1 0,0 1 0,0-1 0,0 0 0,0 1 0,-2-3 0,3 3 0,0-1 0,0 0 0,-1 0 0,1 0 0,0 1 0,0-1 0,0 0 0,0 0 0,0 0 0,0 1 0,0-1 0,0 0 0,0 0 0,1 0 0,-1 0 0,0 1 0,0-1 0,1 0 0,-1 0 0,1 1 0,0-2 0,1-2 0,1 0 0,0 1 0,0-1 0,0 1 0,1-1 0,-1 1 0,1 0 0,6-4 0,15-8 0,0 2 0,1 0 0,0 2 0,1 1 0,46-11 0,85-1 0,-137 21 0,1 0 0,-1 2 0,0 0 0,0 1 0,30 8 0,-44-8 0,0 0 0,-1 0 0,1 0 0,-1 1 0,0 0 0,0 1 0,0-1 0,0 1 0,-1 0 0,1 1 0,-1-1 0,0 1 0,0 0 0,-1 0 0,1 1 0,-1-1 0,-1 1 0,1 0 0,-1 0 0,0 0 0,0 1 0,0-1 0,-1 1 0,0 0 0,-1-1 0,1 1 0,-1 0 0,-1 0 0,1 0 0,-1 0 0,0 0 0,-1 0 0,0-1 0,0 1 0,0 0 0,-4 12 0,2-13 0,1 0 0,-1 0 0,0 0 0,0-1 0,-1 1 0,1-1 0,-1 0 0,-1 0 0,1 0 0,-1 0 0,1-1 0,-1 0 0,-1 0 0,1 0 0,0 0 0,-1-1 0,0 0 0,0 0 0,0-1 0,-12 4 0,-11 2 0,0-2 0,0-1 0,-42 2 0,8-1 0,30 0 0,12-2 0,-1-1 0,1 0 0,-1-1 0,1-2 0,-1 0 0,0-1 0,-21-5 0,42 6 0,-1 0 0,1 0 0,-1 0 0,1 0 0,-1-1 0,1 1 0,-1-1 0,1 1 0,-1-1 0,1 1 0,0-1 0,-1 0 0,1 0 0,0 0 0,0 0 0,-1 0 0,1 0 0,0 0 0,0 0 0,0 0 0,0 0 0,1-1 0,-1 1 0,0 0 0,0-1 0,1 1 0,-1 0 0,1-1 0,-1 1 0,1-1 0,-1 1 0,1-1 0,0 1 0,0-1 0,0 1 0,0-1 0,0 1 0,0-1 0,0 1 0,1-1 0,-1 1 0,0-1 0,1-1 0,2-1 0,-1 0 0,0 0 0,1 0 0,0 0 0,0 0 0,0 1 0,0-1 0,0 1 0,1 0 0,0 0 0,-1 0 0,1 1 0,5-3 0,17-7 0,2 2 0,0 1 0,56-12 0,254-35 0,-269 49 0,0 2 0,134 11 0,-200-6 0,0 0 0,-1 0 0,1 0 0,0 1 0,0-1 0,-1 1 0,1 0 0,-1 0 0,1 0 0,0 0 0,-1 0 0,0 1 0,1-1 0,-1 1 0,0-1 0,3 4 0,-4-4 0,0 0 0,0 1 0,-1-1 0,1 1 0,0-1 0,-1 1 0,1-1 0,-1 1 0,0-1 0,1 1 0,-1-1 0,0 1 0,0-1 0,0 1 0,0 0 0,0-1 0,-1 1 0,1-1 0,0 1 0,-2 2 0,0 2 0,-1 0 0,0 0 0,0 0 0,-1-1 0,0 1 0,0-1 0,0 0 0,0 0 0,-1-1 0,0 1 0,-10 6 0,-27 16 0,-1-2 0,-1-2 0,0-2 0,-2-2 0,-1-2 0,0-2 0,-1-2 0,-88 11 0,117-19 0,-15 4 0,33-8 0,0-1 0,0 0 0,0 0 0,0 1 0,0-1 0,0 0 0,0 0 0,0 0 0,0 0 0,0 0 0,0 0 0,0-1 0,0 1 0,0 0 0,0 0 0,0-1 0,0 1 0,0-1 0,0 1 0,1-1 0,-1 1 0,0-1 0,-1 0 0,2 0 0,0 0 0,1 0 0,-1 0 0,0 0 0,1-1 0,-1 1 0,0 0 0,1 0 0,-1 0 0,1 1 0,0-1 0,-1 0 0,1 0 0,0 0 0,-1 0 0,1 0 0,0 1 0,0-1 0,0 0 0,0 1 0,-1-1 0,1 1 0,2-2 0,24-14 0,18-5 0,0 2 0,1 2 0,51-12 0,-60 19 0,62-13 0,-90 21 0,0 1 0,0 0 0,0 1 0,0 0 0,0 1 0,0 0 0,0 0 0,15 4 0,-23-5 0,-1 0 0,0 0 0,1 0 0,-1 0 0,1 1 0,-1-1 0,0 0 0,1 0 0,-1 0 0,1 0 0,-1 0 0,0 1 0,1-1 0,-1 0 0,0 0 0,1 1 0,-1-1 0,0 0 0,0 0 0,1 1 0,-1-1 0,0 0 0,0 1 0,1-1 0,-1 0 0,0 1 0,0-1 0,0 1 0,0-1 0,1 0 0,-1 1 0,0-1 0,0 1 0,0-1 0,0 0 0,0 1 0,0-1 0,0 1 0,0-1 0,0 1 0,-15 13 0,-25 4 0,34-15 0,-11 5 0,-2-1 0,1-1 0,-1 0 0,0-1 0,0-1 0,0-1 0,-1-1 0,1-1 0,-30-1 0,47 0 2,0 0-1,0-1 0,1 1 1,-1 0-1,0-1 0,0 1 1,1-1-1,-1 0 1,1 1-1,-1-1 0,0 0 1,1 0-1,0 0 0,-1 0 1,1 0-1,0-1 0,-1 1 1,1 0-1,0-1 1,0 1-1,0-1 0,0 1 1,0-1-1,0 1 0,1-1 1,-1 1-1,0-1 0,1 0 1,-1 0-1,1 1 1,0-1-1,0 0 0,-1 0 1,1-3-1,1-6-54,0 0 1,0 0-1,1 0 1,6-17-1,-1-3-1097,-5 17-5676</inkml:trace>
+</inkml:ink>
+</file>
+
+<file path=ppt/ink/ink29.xml><?xml version="1.0" encoding="utf-8"?>
+<inkml:ink xmlns:inkml="http://www.w3.org/2003/InkML">
+  <inkml:definitions>
+    <inkml:context xml:id="ctx0">
+      <inkml:inkSource xml:id="inkSrc0">
+        <inkml:traceFormat>
+          <inkml:channel name="X" type="integer" min="-2.14748E9" max="2.14748E9" units="cm"/>
+          <inkml:channel name="Y" type="integer" min="-2.14748E9" max="2.14748E9" units="cm"/>
+          <inkml:channel name="F" type="integer" max="32767" units="dev"/>
+        </inkml:traceFormat>
+        <inkml:channelProperties>
+          <inkml:channelProperty channel="X" name="resolution" value="1000" units="1/cm"/>
+          <inkml:channelProperty channel="Y" name="resolution" value="1000" units="1/cm"/>
+          <inkml:channelProperty channel="F" name="resolution" value="0" units="1/dev"/>
+        </inkml:channelProperties>
+      </inkml:inkSource>
+      <inkml:timestamp xml:id="ts0" timeString="2024-06-18T17:34:53.603"/>
+    </inkml:context>
+    <inkml:brush xml:id="br0">
+      <inkml:brushProperty name="width" value="0.035" units="cm"/>
+      <inkml:brushProperty name="height" value="0.035" units="cm"/>
+    </inkml:brush>
+  </inkml:definitions>
+  <inkml:trace contextRef="#ctx0" brushRef="#br0">0 1 24575,'1'29'0,"0"0"0,2 0 0,1-1 0,2 1 0,1-1 0,13 37 0,-11-26-17,-9-34-79,1 1-1,0-1 1,0 0 0,0 0 0,0 0-1,1 1 1,0-2 0,0 1-1,0 0 1,1 0 0,0-1 0,0 1-1,6 6 1,0-4-6730</inkml:trace>
+</inkml:ink>
+</file>
+
 <file path=ppt/ink/ink3.xml><?xml version="1.0" encoding="utf-8"?>
 <inkml:ink xmlns:inkml="http://www.w3.org/2003/InkML">
   <inkml:definitions>
@@ -521,6 +738,276 @@
 </inkml:ink>
 </file>
 
+<file path=ppt/ink/ink30.xml><?xml version="1.0" encoding="utf-8"?>
+<inkml:ink xmlns:inkml="http://www.w3.org/2003/InkML">
+  <inkml:definitions>
+    <inkml:context xml:id="ctx0">
+      <inkml:inkSource xml:id="inkSrc0">
+        <inkml:traceFormat>
+          <inkml:channel name="X" type="integer" min="-2.14748E9" max="2.14748E9" units="cm"/>
+          <inkml:channel name="Y" type="integer" min="-2.14748E9" max="2.14748E9" units="cm"/>
+          <inkml:channel name="F" type="integer" max="32767" units="dev"/>
+        </inkml:traceFormat>
+        <inkml:channelProperties>
+          <inkml:channelProperty channel="X" name="resolution" value="1000" units="1/cm"/>
+          <inkml:channelProperty channel="Y" name="resolution" value="1000" units="1/cm"/>
+          <inkml:channelProperty channel="F" name="resolution" value="0" units="1/dev"/>
+        </inkml:channelProperties>
+      </inkml:inkSource>
+      <inkml:timestamp xml:id="ts0" timeString="2024-06-18T17:34:53.951"/>
+    </inkml:context>
+    <inkml:brush xml:id="br0">
+      <inkml:brushProperty name="width" value="0.035" units="cm"/>
+      <inkml:brushProperty name="height" value="0.035" units="cm"/>
+    </inkml:brush>
+  </inkml:definitions>
+  <inkml:trace contextRef="#ctx0" brushRef="#br0">0 0 24575,'2'1'0,"-1"-1"0,0 1 0,0-1 0,1 1 0,-1-1 0,0 1 0,0 0 0,0-1 0,0 1 0,0 0 0,0 0 0,0 0 0,0 0 0,0 0 0,0 0 0,-1 0 0,1 0 0,0 0 0,0 0 0,-1 0 0,1 1 0,0 1 0,11 35 0,-9-28 0,14 38 0,-4-10 0,9 42 0,-20-70 0,0-1 0,1 1 0,0-1 0,0 0 0,1 0 0,6 11 0,-9-19 0,0 1 0,0-1 0,0 0 0,0 0 0,0 1 0,0-1 0,0 0 0,1 0 0,-1 0 0,0 0 0,1 0 0,-1-1 0,1 1 0,-1 0 0,1-1 0,-1 1 0,4 0 0,-3-1 0,0 0 0,0 0 0,0-1 0,0 1 0,0-1 0,0 1 0,0-1 0,0 0 0,-1 0 0,1 0 0,0 0 0,0 0 0,-1 0 0,1 0 0,-1 0 0,1-1 0,-1 1 0,3-3 0,2-3 13,0-1 0,0 0 0,-1-1-1,0 1 1,6-14 0,7-12-1455,-12 25-5384</inkml:trace>
+</inkml:ink>
+</file>
+
+<file path=ppt/ink/ink31.xml><?xml version="1.0" encoding="utf-8"?>
+<inkml:ink xmlns:inkml="http://www.w3.org/2003/InkML">
+  <inkml:definitions>
+    <inkml:context xml:id="ctx0">
+      <inkml:inkSource xml:id="inkSrc0">
+        <inkml:traceFormat>
+          <inkml:channel name="X" type="integer" min="-2.14748E9" max="2.14748E9" units="cm"/>
+          <inkml:channel name="Y" type="integer" min="-2.14748E9" max="2.14748E9" units="cm"/>
+          <inkml:channel name="F" type="integer" max="32767" units="dev"/>
+        </inkml:traceFormat>
+        <inkml:channelProperties>
+          <inkml:channelProperty channel="X" name="resolution" value="1000" units="1/cm"/>
+          <inkml:channelProperty channel="Y" name="resolution" value="1000" units="1/cm"/>
+          <inkml:channelProperty channel="F" name="resolution" value="0" units="1/dev"/>
+        </inkml:channelProperties>
+      </inkml:inkSource>
+      <inkml:timestamp xml:id="ts0" timeString="2024-06-18T17:34:54.275"/>
+    </inkml:context>
+    <inkml:brush xml:id="br0">
+      <inkml:brushProperty name="width" value="0.035" units="cm"/>
+      <inkml:brushProperty name="height" value="0.035" units="cm"/>
+    </inkml:brush>
+  </inkml:definitions>
+  <inkml:trace contextRef="#ctx0" brushRef="#br0">1 0 24575,'3'0'0,"1"3"0,3 1 0,0 3 0,-1 3 0,-1 4 0,-3 1 0,0 2 0,2 1 0,0 1 0,0 0 0,2-4 0,0 0 0,-1-1 0,-2 1 0,0 1 0,-2 1 0,0-3-8191</inkml:trace>
+</inkml:ink>
+</file>
+
+<file path=ppt/ink/ink32.xml><?xml version="1.0" encoding="utf-8"?>
+<inkml:ink xmlns:inkml="http://www.w3.org/2003/InkML">
+  <inkml:definitions>
+    <inkml:context xml:id="ctx0">
+      <inkml:inkSource xml:id="inkSrc0">
+        <inkml:traceFormat>
+          <inkml:channel name="X" type="integer" min="-2.14748E9" max="2.14748E9" units="cm"/>
+          <inkml:channel name="Y" type="integer" min="-2.14748E9" max="2.14748E9" units="cm"/>
+          <inkml:channel name="F" type="integer" max="32767" units="dev"/>
+        </inkml:traceFormat>
+        <inkml:channelProperties>
+          <inkml:channelProperty channel="X" name="resolution" value="1000" units="1/cm"/>
+          <inkml:channelProperty channel="Y" name="resolution" value="1000" units="1/cm"/>
+          <inkml:channelProperty channel="F" name="resolution" value="0" units="1/dev"/>
+        </inkml:channelProperties>
+      </inkml:inkSource>
+      <inkml:timestamp xml:id="ts0" timeString="2024-06-18T17:34:56.023"/>
+    </inkml:context>
+    <inkml:brush xml:id="br0">
+      <inkml:brushProperty name="width" value="0.035" units="cm"/>
+      <inkml:brushProperty name="height" value="0.035" units="cm"/>
+    </inkml:brush>
+  </inkml:definitions>
+  <inkml:trace contextRef="#ctx0" brushRef="#br0">1 1 24575,'5'0'0,"1"1"0,-1 0 0,0 1 0,1-1 0,-1 1 0,0 0 0,0 1 0,0-1 0,0 1 0,-1 0 0,1 0 0,-1 0 0,0 1 0,0-1 0,0 1 0,0 0 0,0 1 0,2 4 0,13 15 0,-2 2 0,15 29 0,-11-18 0,68 113 0,-67-106 0,-12-22 0,27 42 0,-9-13 60,-22-40-345,0 1 0,1-1 0,0 0 0,11 14 0,-9-17-6541</inkml:trace>
+</inkml:ink>
+</file>
+
+<file path=ppt/ink/ink33.xml><?xml version="1.0" encoding="utf-8"?>
+<inkml:ink xmlns:inkml="http://www.w3.org/2003/InkML">
+  <inkml:definitions>
+    <inkml:context xml:id="ctx0">
+      <inkml:inkSource xml:id="inkSrc0">
+        <inkml:traceFormat>
+          <inkml:channel name="X" type="integer" min="-2.14748E9" max="2.14748E9" units="cm"/>
+          <inkml:channel name="Y" type="integer" min="-2.14748E9" max="2.14748E9" units="cm"/>
+          <inkml:channel name="F" type="integer" max="32767" units="dev"/>
+        </inkml:traceFormat>
+        <inkml:channelProperties>
+          <inkml:channelProperty channel="X" name="resolution" value="1000" units="1/cm"/>
+          <inkml:channelProperty channel="Y" name="resolution" value="1000" units="1/cm"/>
+          <inkml:channelProperty channel="F" name="resolution" value="0" units="1/dev"/>
+        </inkml:channelProperties>
+      </inkml:inkSource>
+      <inkml:timestamp xml:id="ts0" timeString="2024-06-18T17:35:21.306"/>
+    </inkml:context>
+    <inkml:brush xml:id="br0">
+      <inkml:brushProperty name="width" value="0.035" units="cm"/>
+      <inkml:brushProperty name="height" value="0.035" units="cm"/>
+    </inkml:brush>
+  </inkml:definitions>
+  <inkml:trace contextRef="#ctx0" brushRef="#br0">208 72 24575,'1008'0'0,"-1002"0"0,-8-2 0,-17-4 0,-33-3 0,-126-9 0,-40-2 0,12 12 0,-29-1 0,-77 10 0,377 2 0,71 12 0,60 4 0,99-2 0,28 1 0,-66-5 0,-191-11 63,-50-3-349,-1 1 1,0 1-1,0 0 0,16 4 1,-19-1-6541</inkml:trace>
+</inkml:ink>
+</file>
+
+<file path=ppt/ink/ink34.xml><?xml version="1.0" encoding="utf-8"?>
+<inkml:ink xmlns:inkml="http://www.w3.org/2003/InkML">
+  <inkml:definitions>
+    <inkml:context xml:id="ctx0">
+      <inkml:inkSource xml:id="inkSrc0">
+        <inkml:traceFormat>
+          <inkml:channel name="X" type="integer" min="-2.14748E9" max="2.14748E9" units="cm"/>
+          <inkml:channel name="Y" type="integer" min="-2.14748E9" max="2.14748E9" units="cm"/>
+          <inkml:channel name="F" type="integer" max="32767" units="dev"/>
+        </inkml:traceFormat>
+        <inkml:channelProperties>
+          <inkml:channelProperty channel="X" name="resolution" value="1000" units="1/cm"/>
+          <inkml:channelProperty channel="Y" name="resolution" value="1000" units="1/cm"/>
+          <inkml:channelProperty channel="F" name="resolution" value="0" units="1/dev"/>
+        </inkml:channelProperties>
+      </inkml:inkSource>
+      <inkml:timestamp xml:id="ts0" timeString="2024-06-18T17:35:22.894"/>
+    </inkml:context>
+    <inkml:brush xml:id="br0">
+      <inkml:brushProperty name="width" value="0.035" units="cm"/>
+      <inkml:brushProperty name="height" value="0.035" units="cm"/>
+    </inkml:brush>
+  </inkml:definitions>
+  <inkml:trace contextRef="#ctx0" brushRef="#br0">0 177 24575,'1064'0'0,"-1136"-1"0,-113 15 0,125-8 0,0-3 0,-76-5 0,25-1 0,58 6 0,35-2 0,1 0 0,-1 0 0,0-2 0,1 0 0,-28-6 0,45 7 0,0 0 0,-1 0 0,1 0 0,0 0 0,-1 0 0,1 0 0,0 0 0,0 0 0,-1 0 0,1 0 0,0 0 0,-1-1 0,1 1 0,0 0 0,0 0 0,-1 0 0,1 0 0,0-1 0,0 1 0,0 0 0,-1 0 0,1-1 0,0 1 0,0 0 0,0 0 0,0-1 0,-1 1 0,1 0 0,0 0 0,0-1 0,0 1 0,0 0 0,0-1 0,0 1 0,0 0 0,0 0 0,0-1 0,0 1 0,0-1 0,10-8 0,20-3 0,34-4 0,66-26 0,38-9 0,-165 50 0,-1 1 0,0-1 0,1 1 0,-1-1 0,0 0 0,0 0 0,0 0 0,0 0 0,0 0 0,4-4 0,-9 0 0,-17 2 0,-98-5 0,-95-2 0,179 11-120,-8 0-295,0-2 0,-72-11 0,97 9-6411</inkml:trace>
+</inkml:ink>
+</file>
+
+<file path=ppt/ink/ink35.xml><?xml version="1.0" encoding="utf-8"?>
+<inkml:ink xmlns:inkml="http://www.w3.org/2003/InkML">
+  <inkml:definitions>
+    <inkml:context xml:id="ctx0">
+      <inkml:inkSource xml:id="inkSrc0">
+        <inkml:traceFormat>
+          <inkml:channel name="X" type="integer" min="-2.14748E9" max="2.14748E9" units="cm"/>
+          <inkml:channel name="Y" type="integer" min="-2.14748E9" max="2.14748E9" units="cm"/>
+          <inkml:channel name="F" type="integer" max="32767" units="dev"/>
+        </inkml:traceFormat>
+        <inkml:channelProperties>
+          <inkml:channelProperty channel="X" name="resolution" value="1000" units="1/cm"/>
+          <inkml:channelProperty channel="Y" name="resolution" value="1000" units="1/cm"/>
+          <inkml:channelProperty channel="F" name="resolution" value="0" units="1/dev"/>
+        </inkml:channelProperties>
+      </inkml:inkSource>
+      <inkml:timestamp xml:id="ts0" timeString="2024-06-18T17:35:25.231"/>
+    </inkml:context>
+    <inkml:brush xml:id="br0">
+      <inkml:brushProperty name="width" value="0.035" units="cm"/>
+      <inkml:brushProperty name="height" value="0.035" units="cm"/>
+    </inkml:brush>
+  </inkml:definitions>
+  <inkml:trace contextRef="#ctx0" brushRef="#br0">520 0 24575,'-9'2'0,"0"-1"0,-1 1 0,1 1 0,0 0 0,-14 6 0,-14 4 0,5-4 0,-155 36 0,121-37 0,42-6 0,0 1 0,0 1 0,-27 8 0,46-8 0,19-4 0,21-4 0,219-41 0,-225 39-1365,-17 2-5461</inkml:trace>
+</inkml:ink>
+</file>
+
+<file path=ppt/ink/ink36.xml><?xml version="1.0" encoding="utf-8"?>
+<inkml:ink xmlns:inkml="http://www.w3.org/2003/InkML">
+  <inkml:definitions>
+    <inkml:context xml:id="ctx0">
+      <inkml:inkSource xml:id="inkSrc0">
+        <inkml:traceFormat>
+          <inkml:channel name="X" type="integer" min="-2.14748E9" max="2.14748E9" units="cm"/>
+          <inkml:channel name="Y" type="integer" min="-2.14748E9" max="2.14748E9" units="cm"/>
+          <inkml:channel name="F" type="integer" max="32767" units="dev"/>
+        </inkml:traceFormat>
+        <inkml:channelProperties>
+          <inkml:channelProperty channel="X" name="resolution" value="1000" units="1/cm"/>
+          <inkml:channelProperty channel="Y" name="resolution" value="1000" units="1/cm"/>
+          <inkml:channelProperty channel="F" name="resolution" value="0" units="1/dev"/>
+        </inkml:channelProperties>
+      </inkml:inkSource>
+      <inkml:timestamp xml:id="ts0" timeString="2024-06-18T17:35:41.369"/>
+    </inkml:context>
+    <inkml:brush xml:id="br0">
+      <inkml:brushProperty name="width" value="0.035" units="cm"/>
+      <inkml:brushProperty name="height" value="0.035" units="cm"/>
+    </inkml:brush>
+  </inkml:definitions>
+  <inkml:trace contextRef="#ctx0" brushRef="#br0">1 259 24575,'626'-14'0,"793"-45"-917,-642 13 917,-45 2 0,-587 39 0,438-7 0,-277 3 0,8-1 0,-226 12-68,111-4 1053,-128-6-985,-39 4 0,45-1 0,-46 5 0,-3 1 0,0 0 0,1-2 0,-1-1 0,0-2 0,0-1 0,35-10 0,-40 10 0,1 0 0,-1 2 0,1 0 0,0 2 0,0 1 0,38 3 0,12 0 0,51-3-1365,-110 0-5461</inkml:trace>
+</inkml:ink>
+</file>
+
+<file path=ppt/ink/ink37.xml><?xml version="1.0" encoding="utf-8"?>
+<inkml:ink xmlns:inkml="http://www.w3.org/2003/InkML">
+  <inkml:definitions>
+    <inkml:context xml:id="ctx0">
+      <inkml:inkSource xml:id="inkSrc0">
+        <inkml:traceFormat>
+          <inkml:channel name="X" type="integer" min="-2.14748E9" max="2.14748E9" units="cm"/>
+          <inkml:channel name="Y" type="integer" min="-2.14748E9" max="2.14748E9" units="cm"/>
+          <inkml:channel name="F" type="integer" max="32767" units="dev"/>
+        </inkml:traceFormat>
+        <inkml:channelProperties>
+          <inkml:channelProperty channel="X" name="resolution" value="1000" units="1/cm"/>
+          <inkml:channelProperty channel="Y" name="resolution" value="1000" units="1/cm"/>
+          <inkml:channelProperty channel="F" name="resolution" value="0" units="1/dev"/>
+        </inkml:channelProperties>
+      </inkml:inkSource>
+      <inkml:timestamp xml:id="ts0" timeString="2024-06-18T17:35:41.960"/>
+    </inkml:context>
+    <inkml:brush xml:id="br0">
+      <inkml:brushProperty name="width" value="0.035" units="cm"/>
+      <inkml:brushProperty name="height" value="0.035" units="cm"/>
+    </inkml:brush>
+  </inkml:definitions>
+  <inkml:trace contextRef="#ctx0" brushRef="#br0">1 540 24575,'74'0'0,"138"-21"0,78-14 0,-102 15 0,85-14-816,815-110 650,-44 20-1581,-168 56 1747,452-9 200,-1295 76 992,50-9 0,-47 4-1047,-36 6-163,0 0-8,0 0 1,0 1-1,0-1 1,0 0 0,0 0-1,0 0 1,0 0-1,0 0 1,0 0 0,0 0-1,0 0 1,0 0-1,0 0 1,0 1-1,0-1 1,0 0 0,0 0-1,0 0 1,0 0-1,1 0 1,-1 0 0,0 0-1,0 0 1,0 0-1,0 0 1,0 0 0,0 0-1,0 0 1,0 0-1,0 1 1,0-1 0,0 0-1,0 0 1,1 0-1,-1 0 1,0 0 0,0 0-1,0 0 1,0 0-1,0 0 1,0 0-1,0 0 1,0 0 0,0 0-1,1 0 1,-1 0-1,0 0 1,0 0 0,0 0-1,0-1 1,0 1-1,0 0 1</inkml:trace>
+</inkml:ink>
+</file>
+
+<file path=ppt/ink/ink38.xml><?xml version="1.0" encoding="utf-8"?>
+<inkml:ink xmlns:inkml="http://www.w3.org/2003/InkML">
+  <inkml:definitions>
+    <inkml:context xml:id="ctx0">
+      <inkml:inkSource xml:id="inkSrc0">
+        <inkml:traceFormat>
+          <inkml:channel name="X" type="integer" min="-2.14748E9" max="2.14748E9" units="cm"/>
+          <inkml:channel name="Y" type="integer" min="-2.14748E9" max="2.14748E9" units="cm"/>
+          <inkml:channel name="F" type="integer" max="32767" units="dev"/>
+        </inkml:traceFormat>
+        <inkml:channelProperties>
+          <inkml:channelProperty channel="X" name="resolution" value="1000" units="1/cm"/>
+          <inkml:channelProperty channel="Y" name="resolution" value="1000" units="1/cm"/>
+          <inkml:channelProperty channel="F" name="resolution" value="0" units="1/dev"/>
+        </inkml:channelProperties>
+      </inkml:inkSource>
+      <inkml:timestamp xml:id="ts0" timeString="2024-06-18T17:35:07.653"/>
+    </inkml:context>
+    <inkml:brush xml:id="br0">
+      <inkml:brushProperty name="width" value="0.035" units="cm"/>
+      <inkml:brushProperty name="height" value="0.035" units="cm"/>
+    </inkml:brush>
+  </inkml:definitions>
+  <inkml:trace contextRef="#ctx0" brushRef="#br0">1 0 24575,'2'5'0,"1"-1"0,0 0 0,0 1 0,0-1 0,0-1 0,1 1 0,0 0 0,0-1 0,0 0 0,6 4 0,-1 0 0,381 281 0,-224-175 0,16 15 0,-182-127 3,1-1 0,-1 1 0,1-1 1,0 1-1,0-1 0,-1 1 0,1-1 0,0 1 0,0-1 0,-1 0 0,1 1 0,0-1 0,0 0 0,0 0 0,0 0 0,-1 0 0,1 1 1,0-1-1,0 0 0,0 0 0,0-1 0,0 1 0,-1 0 0,1 0 0,0 0 0,0-1 0,0 1 0,0 0 0,-1-1 0,1 1 0,0 0 0,0-1 1,-1 1-1,1-1 0,0 1 0,-1-1 0,1 0 0,1-1 0,-1 0-152,0-1 1,1 0-1,-1 0 1,0 0-1,0-1 1,-1 1-1,1 0 1,-1 0-1,1-5 1,-1-7-6678</inkml:trace>
+</inkml:ink>
+</file>
+
+<file path=ppt/ink/ink39.xml><?xml version="1.0" encoding="utf-8"?>
+<inkml:ink xmlns:inkml="http://www.w3.org/2003/InkML">
+  <inkml:definitions>
+    <inkml:context xml:id="ctx0">
+      <inkml:inkSource xml:id="inkSrc0">
+        <inkml:traceFormat>
+          <inkml:channel name="X" type="integer" min="-2.14748E9" max="2.14748E9" units="cm"/>
+          <inkml:channel name="Y" type="integer" min="-2.14748E9" max="2.14748E9" units="cm"/>
+          <inkml:channel name="F" type="integer" max="32767" units="dev"/>
+        </inkml:traceFormat>
+        <inkml:channelProperties>
+          <inkml:channelProperty channel="X" name="resolution" value="1000" units="1/cm"/>
+          <inkml:channelProperty channel="Y" name="resolution" value="1000" units="1/cm"/>
+          <inkml:channelProperty channel="F" name="resolution" value="0" units="1/dev"/>
+        </inkml:channelProperties>
+      </inkml:inkSource>
+      <inkml:timestamp xml:id="ts0" timeString="2024-06-18T17:35:08.011"/>
+    </inkml:context>
+    <inkml:brush xml:id="br0">
+      <inkml:brushProperty name="width" value="0.035" units="cm"/>
+      <inkml:brushProperty name="height" value="0.035" units="cm"/>
+    </inkml:brush>
+  </inkml:definitions>
+  <inkml:trace contextRef="#ctx0" brushRef="#br0">650 1 24575,'-13'1'0,"1"0"0,-1 1 0,1 0 0,-1 1 0,1 0 0,0 1 0,0 1 0,-15 7 0,-93 60 0,21-12 0,42-30-109,2-1-309,0-2-1,-75 25 0,123-50-6407</inkml:trace>
+</inkml:ink>
+</file>
+
 <file path=ppt/ink/ink4.xml><?xml version="1.0" encoding="utf-8"?>
 <inkml:ink xmlns:inkml="http://www.w3.org/2003/InkML">
   <inkml:definitions>
@@ -545,6 +1032,168 @@
     </inkml:brush>
   </inkml:definitions>
   <inkml:trace contextRef="#ctx0" brushRef="#br0">1 0 24575,'0'2'0,"1"-2"0,-1 1 0,1 0 0,-1 0 0,1 0 0,-1 0 0,1 0 0,0 0 0,0 0 0,-1-1 0,1 1 0,0 0 0,0-1 0,0 1 0,0-1 0,0 1 0,0-1 0,0 1 0,0-1 0,0 1 0,0-1 0,0 0 0,0 0 0,0 0 0,0 1 0,0-1 0,2-1 0,37 4 0,-36-3 0,163-1 0,66 2 0,-163 7 8,-29-3-695,46 0 1,-72-5-6140</inkml:trace>
+</inkml:ink>
+</file>
+
+<file path=ppt/ink/ink40.xml><?xml version="1.0" encoding="utf-8"?>
+<inkml:ink xmlns:inkml="http://www.w3.org/2003/InkML">
+  <inkml:definitions>
+    <inkml:context xml:id="ctx0">
+      <inkml:inkSource xml:id="inkSrc0">
+        <inkml:traceFormat>
+          <inkml:channel name="X" type="integer" min="-2.14748E9" max="2.14748E9" units="cm"/>
+          <inkml:channel name="Y" type="integer" min="-2.14748E9" max="2.14748E9" units="cm"/>
+          <inkml:channel name="F" type="integer" max="32767" units="dev"/>
+        </inkml:traceFormat>
+        <inkml:channelProperties>
+          <inkml:channelProperty channel="X" name="resolution" value="1000" units="1/cm"/>
+          <inkml:channelProperty channel="Y" name="resolution" value="1000" units="1/cm"/>
+          <inkml:channelProperty channel="F" name="resolution" value="0" units="1/dev"/>
+        </inkml:channelProperties>
+      </inkml:inkSource>
+      <inkml:timestamp xml:id="ts0" timeString="2024-06-18T17:35:09.614"/>
+    </inkml:context>
+    <inkml:brush xml:id="br0">
+      <inkml:brushProperty name="width" value="0.035" units="cm"/>
+      <inkml:brushProperty name="height" value="0.035" units="cm"/>
+    </inkml:brush>
+  </inkml:definitions>
+  <inkml:trace contextRef="#ctx0" brushRef="#br0">0 293 24575,'1'-3'0,"0"1"0,0-1 0,0 0 0,0 1 0,0-1 0,1 1 0,-1-1 0,1 1 0,0 0 0,0-1 0,0 1 0,4-4 0,27-22 0,-1 8 0,1 1 0,0 2 0,2 1 0,49-15 0,-34 13 0,55-29 0,-58 27 47,-37 17-282,-1 0-1,1-1 1,-1 0 0,-1-1-1,15-9 1,-14 6-6591</inkml:trace>
+</inkml:ink>
+</file>
+
+<file path=ppt/ink/ink41.xml><?xml version="1.0" encoding="utf-8"?>
+<inkml:ink xmlns:inkml="http://www.w3.org/2003/InkML">
+  <inkml:definitions>
+    <inkml:context xml:id="ctx0">
+      <inkml:inkSource xml:id="inkSrc0">
+        <inkml:traceFormat>
+          <inkml:channel name="X" type="integer" min="-2.14748E9" max="2.14748E9" units="cm"/>
+          <inkml:channel name="Y" type="integer" min="-2.14748E9" max="2.14748E9" units="cm"/>
+          <inkml:channel name="F" type="integer" max="32767" units="dev"/>
+        </inkml:traceFormat>
+        <inkml:channelProperties>
+          <inkml:channelProperty channel="X" name="resolution" value="1000" units="1/cm"/>
+          <inkml:channelProperty channel="Y" name="resolution" value="1000" units="1/cm"/>
+          <inkml:channelProperty channel="F" name="resolution" value="0" units="1/dev"/>
+        </inkml:channelProperties>
+      </inkml:inkSource>
+      <inkml:timestamp xml:id="ts0" timeString="2024-06-18T17:35:10.083"/>
+    </inkml:context>
+    <inkml:brush xml:id="br0">
+      <inkml:brushProperty name="width" value="0.035" units="cm"/>
+      <inkml:brushProperty name="height" value="0.035" units="cm"/>
+    </inkml:brush>
+  </inkml:definitions>
+  <inkml:trace contextRef="#ctx0" brushRef="#br0">22 1 24575,'-18'91'0,"16"-66"0,1 1 0,1-1 0,1 1 0,1-1 0,1 0 0,1 0 0,10 32 0,-4-26 0,13 64 0,-23-94 0,0 0 0,0 0 0,0 0 0,0 0 0,0 0 0,1 0 0,-1 0 0,0 0 0,1 0 0,-1 0 0,1 0 0,-1 0 0,1 0 0,-1 0 0,1 0 0,0 0 0,-1-1 0,1 1 0,0 0 0,0 0 0,0-1 0,0 1 0,1 0 0,-1-1 0,0 0 0,0 0 0,0 0 0,0 0 0,0 0 0,0-1 0,0 1 0,0 0 0,-1-1 0,1 1 0,0 0 0,0-1 0,0 1 0,0-1 0,-1 0 0,1 1 0,0-1 0,0 0 0,-1 1 0,2-2 0,2-3 0,0-1 0,1 0 0,-2 0 0,1 0 0,5-12 0,21-75-1365,-24 77-5461</inkml:trace>
+</inkml:ink>
+</file>
+
+<file path=ppt/ink/ink42.xml><?xml version="1.0" encoding="utf-8"?>
+<inkml:ink xmlns:inkml="http://www.w3.org/2003/InkML">
+  <inkml:definitions>
+    <inkml:context xml:id="ctx0">
+      <inkml:inkSource xml:id="inkSrc0">
+        <inkml:traceFormat>
+          <inkml:channel name="X" type="integer" min="-2.14748E9" max="2.14748E9" units="cm"/>
+          <inkml:channel name="Y" type="integer" min="-2.14748E9" max="2.14748E9" units="cm"/>
+          <inkml:channel name="F" type="integer" max="32767" units="dev"/>
+        </inkml:traceFormat>
+        <inkml:channelProperties>
+          <inkml:channelProperty channel="X" name="resolution" value="1000" units="1/cm"/>
+          <inkml:channelProperty channel="Y" name="resolution" value="1000" units="1/cm"/>
+          <inkml:channelProperty channel="F" name="resolution" value="0" units="1/dev"/>
+        </inkml:channelProperties>
+      </inkml:inkSource>
+      <inkml:timestamp xml:id="ts0" timeString="2024-06-18T17:35:10.409"/>
+    </inkml:context>
+    <inkml:brush xml:id="br0">
+      <inkml:brushProperty name="width" value="0.035" units="cm"/>
+      <inkml:brushProperty name="height" value="0.035" units="cm"/>
+    </inkml:brush>
+  </inkml:definitions>
+  <inkml:trace contextRef="#ctx0" brushRef="#br0">0 1 24575,'1'7'0,"0"1"0,1-1 0,0 1 0,0-1 0,1 0 0,5 12 0,9 27 0,-8-6-227,2 0-1,1-1 1,3-1-1,0 0 1,31 51-1,-39-78-6598</inkml:trace>
+</inkml:ink>
+</file>
+
+<file path=ppt/ink/ink43.xml><?xml version="1.0" encoding="utf-8"?>
+<inkml:ink xmlns:inkml="http://www.w3.org/2003/InkML">
+  <inkml:definitions>
+    <inkml:context xml:id="ctx0">
+      <inkml:inkSource xml:id="inkSrc0">
+        <inkml:traceFormat>
+          <inkml:channel name="X" type="integer" min="-2.14748E9" max="2.14748E9" units="cm"/>
+          <inkml:channel name="Y" type="integer" min="-2.14748E9" max="2.14748E9" units="cm"/>
+          <inkml:channel name="F" type="integer" max="32767" units="dev"/>
+        </inkml:traceFormat>
+        <inkml:channelProperties>
+          <inkml:channelProperty channel="X" name="resolution" value="1000" units="1/cm"/>
+          <inkml:channelProperty channel="Y" name="resolution" value="1000" units="1/cm"/>
+          <inkml:channelProperty channel="F" name="resolution" value="0" units="1/dev"/>
+        </inkml:channelProperties>
+      </inkml:inkSource>
+      <inkml:timestamp xml:id="ts0" timeString="2024-06-18T17:35:59.602"/>
+    </inkml:context>
+    <inkml:brush xml:id="br0">
+      <inkml:brushProperty name="width" value="0.035" units="cm"/>
+      <inkml:brushProperty name="height" value="0.035" units="cm"/>
+    </inkml:brush>
+  </inkml:definitions>
+  <inkml:trace contextRef="#ctx0" brushRef="#br0">0 397 24575,'232'-18'0,"311"-1"0,-206 17-492,594 17 253,-246 49 114,-340-10 704,-100-4-313,-152-29-255,-43-8-11,-31-7 0,0-1 0,1-1 0,-1-1 0,29 1 0,0-4 0,-1 1 0,0-2 0,0-2 0,68-14 0,320-119 0,-204 57 0,509-119 0,-583 160 0,134-44 0,-281 79-195,0 0 0,-1-1 0,0 0 0,0 0 0,0-1 0,11-7 0,-11 3-6631</inkml:trace>
+</inkml:ink>
+</file>
+
+<file path=ppt/ink/ink44.xml><?xml version="1.0" encoding="utf-8"?>
+<inkml:ink xmlns:inkml="http://www.w3.org/2003/InkML">
+  <inkml:definitions>
+    <inkml:context xml:id="ctx0">
+      <inkml:inkSource xml:id="inkSrc0">
+        <inkml:traceFormat>
+          <inkml:channel name="X" type="integer" min="-2.14748E9" max="2.14748E9" units="cm"/>
+          <inkml:channel name="Y" type="integer" min="-2.14748E9" max="2.14748E9" units="cm"/>
+          <inkml:channel name="F" type="integer" max="32767" units="dev"/>
+        </inkml:traceFormat>
+        <inkml:channelProperties>
+          <inkml:channelProperty channel="X" name="resolution" value="1000" units="1/cm"/>
+          <inkml:channelProperty channel="Y" name="resolution" value="1000" units="1/cm"/>
+          <inkml:channelProperty channel="F" name="resolution" value="0" units="1/dev"/>
+        </inkml:channelProperties>
+      </inkml:inkSource>
+      <inkml:timestamp xml:id="ts0" timeString="2024-06-18T17:36:00.384"/>
+    </inkml:context>
+    <inkml:brush xml:id="br0">
+      <inkml:brushProperty name="width" value="0.035" units="cm"/>
+      <inkml:brushProperty name="height" value="0.035" units="cm"/>
+    </inkml:brush>
+  </inkml:definitions>
+  <inkml:trace contextRef="#ctx0" brushRef="#br0">1 0 24575,'516'23'0,"-367"-13"0,1891 66-4175,-1500-67 3930,30 0-356,211-10 4257,-766 1-10482</inkml:trace>
+</inkml:ink>
+</file>
+
+<file path=ppt/ink/ink45.xml><?xml version="1.0" encoding="utf-8"?>
+<inkml:ink xmlns:inkml="http://www.w3.org/2003/InkML">
+  <inkml:definitions>
+    <inkml:context xml:id="ctx0">
+      <inkml:inkSource xml:id="inkSrc0">
+        <inkml:traceFormat>
+          <inkml:channel name="X" type="integer" min="-2.14748E9" max="2.14748E9" units="cm"/>
+          <inkml:channel name="Y" type="integer" min="-2.14748E9" max="2.14748E9" units="cm"/>
+          <inkml:channel name="F" type="integer" max="32767" units="dev"/>
+        </inkml:traceFormat>
+        <inkml:channelProperties>
+          <inkml:channelProperty channel="X" name="resolution" value="1000" units="1/cm"/>
+          <inkml:channelProperty channel="Y" name="resolution" value="1000" units="1/cm"/>
+          <inkml:channelProperty channel="F" name="resolution" value="0" units="1/dev"/>
+        </inkml:channelProperties>
+      </inkml:inkSource>
+      <inkml:timestamp xml:id="ts0" timeString="2024-06-18T17:38:21.529"/>
+    </inkml:context>
+    <inkml:brush xml:id="br0">
+      <inkml:brushProperty name="width" value="0.035" units="cm"/>
+      <inkml:brushProperty name="height" value="0.035" units="cm"/>
+    </inkml:brush>
+  </inkml:definitions>
+  <inkml:trace contextRef="#ctx0" brushRef="#br0">176 19 24575,'221'-19'0,"577"20"0,-795-1 0,0 0 0,0 0 0,0 0 0,0 0 0,0 1 0,0 0 0,0-1 0,0 1 0,0 0 0,0 1 0,0-1 0,-1 0 0,1 1 0,3 2 0,-5-3 0,-1-1 0,1 0 0,-1 1 0,0-1 0,0 1 0,1-1 0,-1 0 0,0 1 0,0-1 0,0 1 0,1-1 0,-1 1 0,0-1 0,0 1 0,0-1 0,0 1 0,0-1 0,0 1 0,0-1 0,0 1 0,0-1 0,0 1 0,0-1 0,0 1 0,-1-1 0,1 1 0,0-1 0,0 1 0,0-1 0,-1 1 0,-1 1 0,1 0 0,-1 0 0,0-1 0,0 1 0,0-1 0,0 1 0,0-1 0,0 0 0,0 1 0,-4 0 0,-30 13 0,-1-1 0,-1-2 0,-72 12 0,-121 5 0,229-29 0,-266 4 0,215-5 0,96 1 0,-1-1 0,0 1 0,0 3 0,0 1 0,45 11 0,-3 9 0,113 50 0,-194-73 0,-1 0 0,1 0 0,0 1 0,-1-1 0,1 1 0,-1 0 0,0 0 0,1 0 0,2 3 0,-5-5 0,1 1 0,-1 0 0,1-1 0,-1 1 0,0 0 0,1-1 0,-1 1 0,0 0 0,1 0 0,-1-1 0,0 1 0,0 0 0,0 0 0,0 0 0,0-1 0,0 1 0,0 0 0,0 0 0,0 0 0,0 0 0,0-1 0,-1 2 0,0 1 0,-1-2 0,1 1 0,-1 0 0,0 0 0,0 0 0,1-1 0,-1 1 0,0-1 0,0 1 0,-1-1 0,1 0 0,0 0 0,0 0 0,-1 0 0,1 0 0,0-1 0,-1 1 0,1-1 0,-5 1 0,-115 12 0,0-6 0,-131-8 0,84-2 0,84 3 0,72 0 0,14 0 0,73 0 0,221 6 0,-238-1 0,-1 2 0,0 3 0,66 19 0,-69-17 0,-41-11 0,-1 1 0,1 1 0,-1 0 0,0 1 0,11 5 0,-21-9 0,-1 0 0,0 0 0,0 0 0,1 0 0,-1 0 0,0 0 0,0 0 0,1 0 0,-1 0 0,0 0 0,0 0 0,1 0 0,-1 0 0,0 1 0,0-1 0,1 0 0,-1 0 0,0 0 0,0 0 0,0 1 0,0-1 0,1 0 0,-1 0 0,0 0 0,0 1 0,0-1 0,0 0 0,0 0 0,1 1 0,-1-1 0,0 0 0,0 0 0,0 1 0,0-1 0,0 0 0,0 0 0,0 1 0,0-1 0,0 0 0,0 0 0,0 1 0,0-1 0,0 0 0,0 1 0,-1-1 0,1 0 0,0 0 0,0 0 0,0 1 0,-17 5 0,-21-3 0,-56-6 0,1-3 0,0-5 0,1-4 0,-142-42 0,121 29 0,-74-23 0,182 49 0,-6-1 0,-1-1 0,1-1 0,-17-9 0,27 14 0,0-1 0,0 0 0,0 1 0,0-1 0,0 0 0,0 0 0,0 0 0,0 0 0,0 0 0,1 0 0,-1 0 0,0 0 0,1 0 0,-1 0 0,1 0 0,-1 0 0,1 0 0,-1 0 0,1-2 0,0 2 0,0 0 0,1 0 0,-1-1 0,1 1 0,-1 0 0,1 0 0,-1 0 0,1 0 0,0 0 0,0 0 0,-1 0 0,1 0 0,0 0 0,0 0 0,0 0 0,0 0 0,0 1 0,0-1 0,0 0 0,1 1 0,-1-1 0,0 1 0,2-1 0,11-4 0,0 1 0,0 1 0,1 0 0,0 1 0,-1 1 0,1 0 0,0 1 0,0 1 0,16 2 0,20 0 0,42-5 0,80 4 0,-172-2 0,-1 0 0,1 0 0,0 0 0,0 0 0,0 0 0,0 0 0,0 0 0,0 0 0,0 1 0,0-1 0,0 0 0,0 0 0,0 1 0,0-1 0,0 1 0,-1-1 0,1 1 0,0-1 0,0 1 0,0-1 0,-1 1 0,1 0 0,0-1 0,-1 1 0,1 0 0,-1 0 0,1-1 0,-1 1 0,1 0 0,-1 0 0,1 2 0,-1-2 0,-1 0 0,1 0 0,-1 1 0,1-1 0,-1 0 0,0 0 0,1 0 0,-1 0 0,0 0 0,0 0 0,0 0 0,0 0 0,0 0 0,0 0 0,0 0 0,0-1 0,0 1 0,-1 0 0,1-1 0,0 1 0,0-1 0,-2 1 0,-36 9 0,33-9 0,0 0 0,0 1 0,0 0 0,0 0 0,0 0 0,0 0 0,-7 5 0,62-11 0,119-33 0,-81 25-1365,-76 9-5461</inkml:trace>
 </inkml:ink>
 </file>
 
@@ -835,7 +1484,7 @@
           <a:p>
             <a:fld id="{5FE9A946-B53B-41A7-9BB3-702D8BE55037}" type="datetimeFigureOut">
               <a:rPr lang="en-US" smtClean="0"/>
-              <a:t>6/17/2024</a:t>
+              <a:t>6/19/2024</a:t>
             </a:fld>
             <a:endParaRPr lang="en-US"/>
           </a:p>
@@ -1035,7 +1684,7 @@
           <a:p>
             <a:fld id="{5FE9A946-B53B-41A7-9BB3-702D8BE55037}" type="datetimeFigureOut">
               <a:rPr lang="en-US" smtClean="0"/>
-              <a:t>6/17/2024</a:t>
+              <a:t>6/19/2024</a:t>
             </a:fld>
             <a:endParaRPr lang="en-US"/>
           </a:p>
@@ -1245,7 +1894,7 @@
           <a:p>
             <a:fld id="{5FE9A946-B53B-41A7-9BB3-702D8BE55037}" type="datetimeFigureOut">
               <a:rPr lang="en-US" smtClean="0"/>
-              <a:t>6/17/2024</a:t>
+              <a:t>6/19/2024</a:t>
             </a:fld>
             <a:endParaRPr lang="en-US"/>
           </a:p>
@@ -1445,7 +2094,7 @@
           <a:p>
             <a:fld id="{5FE9A946-B53B-41A7-9BB3-702D8BE55037}" type="datetimeFigureOut">
               <a:rPr lang="en-US" smtClean="0"/>
-              <a:t>6/17/2024</a:t>
+              <a:t>6/19/2024</a:t>
             </a:fld>
             <a:endParaRPr lang="en-US"/>
           </a:p>
@@ -1721,7 +2370,7 @@
           <a:p>
             <a:fld id="{5FE9A946-B53B-41A7-9BB3-702D8BE55037}" type="datetimeFigureOut">
               <a:rPr lang="en-US" smtClean="0"/>
-              <a:t>6/17/2024</a:t>
+              <a:t>6/19/2024</a:t>
             </a:fld>
             <a:endParaRPr lang="en-US"/>
           </a:p>
@@ -1989,7 +2638,7 @@
           <a:p>
             <a:fld id="{5FE9A946-B53B-41A7-9BB3-702D8BE55037}" type="datetimeFigureOut">
               <a:rPr lang="en-US" smtClean="0"/>
-              <a:t>6/17/2024</a:t>
+              <a:t>6/19/2024</a:t>
             </a:fld>
             <a:endParaRPr lang="en-US"/>
           </a:p>
@@ -2404,7 +3053,7 @@
           <a:p>
             <a:fld id="{5FE9A946-B53B-41A7-9BB3-702D8BE55037}" type="datetimeFigureOut">
               <a:rPr lang="en-US" smtClean="0"/>
-              <a:t>6/17/2024</a:t>
+              <a:t>6/19/2024</a:t>
             </a:fld>
             <a:endParaRPr lang="en-US"/>
           </a:p>
@@ -2546,7 +3195,7 @@
           <a:p>
             <a:fld id="{5FE9A946-B53B-41A7-9BB3-702D8BE55037}" type="datetimeFigureOut">
               <a:rPr lang="en-US" smtClean="0"/>
-              <a:t>6/17/2024</a:t>
+              <a:t>6/19/2024</a:t>
             </a:fld>
             <a:endParaRPr lang="en-US"/>
           </a:p>
@@ -2659,7 +3308,7 @@
           <a:p>
             <a:fld id="{5FE9A946-B53B-41A7-9BB3-702D8BE55037}" type="datetimeFigureOut">
               <a:rPr lang="en-US" smtClean="0"/>
-              <a:t>6/17/2024</a:t>
+              <a:t>6/19/2024</a:t>
             </a:fld>
             <a:endParaRPr lang="en-US"/>
           </a:p>
@@ -2972,7 +3621,7 @@
           <a:p>
             <a:fld id="{5FE9A946-B53B-41A7-9BB3-702D8BE55037}" type="datetimeFigureOut">
               <a:rPr lang="en-US" smtClean="0"/>
-              <a:t>6/17/2024</a:t>
+              <a:t>6/19/2024</a:t>
             </a:fld>
             <a:endParaRPr lang="en-US"/>
           </a:p>
@@ -3261,7 +3910,7 @@
           <a:p>
             <a:fld id="{5FE9A946-B53B-41A7-9BB3-702D8BE55037}" type="datetimeFigureOut">
               <a:rPr lang="en-US" smtClean="0"/>
-              <a:t>6/17/2024</a:t>
+              <a:t>6/19/2024</a:t>
             </a:fld>
             <a:endParaRPr lang="en-US"/>
           </a:p>
@@ -3504,7 +4153,7 @@
           <a:p>
             <a:fld id="{5FE9A946-B53B-41A7-9BB3-702D8BE55037}" type="datetimeFigureOut">
               <a:rPr lang="en-US" smtClean="0"/>
-              <a:t>6/17/2024</a:t>
+              <a:t>6/19/2024</a:t>
             </a:fld>
             <a:endParaRPr lang="en-US"/>
           </a:p>
@@ -9777,6 +10426,1970 @@
 </p:sld>
 </file>
 
+<file path=ppt/slides/slide3.xml><?xml version="1.0" encoding="utf-8"?>
+<p:sld xmlns:a="http://schemas.openxmlformats.org/drawingml/2006/main" xmlns:r="http://schemas.openxmlformats.org/officeDocument/2006/relationships" xmlns:p="http://schemas.openxmlformats.org/presentationml/2006/main">
+  <p:cSld>
+    <p:spTree>
+      <p:nvGrpSpPr>
+        <p:cNvPr id="1" name=""/>
+        <p:cNvGrpSpPr/>
+        <p:nvPr/>
+      </p:nvGrpSpPr>
+      <p:grpSpPr>
+        <a:xfrm>
+          <a:off x="0" y="0"/>
+          <a:ext cx="0" cy="0"/>
+          <a:chOff x="0" y="0"/>
+          <a:chExt cx="0" cy="0"/>
+        </a:xfrm>
+      </p:grpSpPr>
+      <p:grpSp>
+        <p:nvGrpSpPr>
+          <p:cNvPr id="63" name="组合 62">
+            <a:extLst>
+              <a:ext uri="{FF2B5EF4-FFF2-40B4-BE49-F238E27FC236}">
+                <a16:creationId xmlns:a16="http://schemas.microsoft.com/office/drawing/2014/main" id="{BC3F3654-3AD2-A116-0921-484984E4EAA0}"/>
+              </a:ext>
+            </a:extLst>
+          </p:cNvPr>
+          <p:cNvGrpSpPr/>
+          <p:nvPr/>
+        </p:nvGrpSpPr>
+        <p:grpSpPr>
+          <a:xfrm>
+            <a:off x="671646" y="587477"/>
+            <a:ext cx="5363183" cy="5363183"/>
+            <a:chOff x="671646" y="587477"/>
+            <a:chExt cx="5363183" cy="5363183"/>
+          </a:xfrm>
+        </p:grpSpPr>
+        <p:pic>
+          <p:nvPicPr>
+            <p:cNvPr id="60" name="图片 59">
+              <a:extLst>
+                <a:ext uri="{FF2B5EF4-FFF2-40B4-BE49-F238E27FC236}">
+                  <a16:creationId xmlns:a16="http://schemas.microsoft.com/office/drawing/2014/main" id="{5B72DD00-216D-7CB0-E6D1-216380850419}"/>
+                </a:ext>
+              </a:extLst>
+            </p:cNvPr>
+            <p:cNvPicPr>
+              <a:picLocks noChangeAspect="1"/>
+            </p:cNvPicPr>
+            <p:nvPr/>
+          </p:nvPicPr>
+          <p:blipFill>
+            <a:blip r:embed="rId2"/>
+            <a:stretch>
+              <a:fillRect/>
+            </a:stretch>
+          </p:blipFill>
+          <p:spPr>
+            <a:xfrm>
+              <a:off x="940606" y="769539"/>
+              <a:ext cx="4890112" cy="5135263"/>
+            </a:xfrm>
+            <a:prstGeom prst="rect">
+              <a:avLst/>
+            </a:prstGeom>
+          </p:spPr>
+        </p:pic>
+        <p:grpSp>
+          <p:nvGrpSpPr>
+            <p:cNvPr id="5" name="组合 4">
+              <a:extLst>
+                <a:ext uri="{FF2B5EF4-FFF2-40B4-BE49-F238E27FC236}">
+                  <a16:creationId xmlns:a16="http://schemas.microsoft.com/office/drawing/2014/main" id="{E7FAE25E-9673-EC97-C4ED-36E46E031CFF}"/>
+                </a:ext>
+              </a:extLst>
+            </p:cNvPr>
+            <p:cNvGrpSpPr/>
+            <p:nvPr/>
+          </p:nvGrpSpPr>
+          <p:grpSpPr>
+            <a:xfrm>
+              <a:off x="671646" y="587477"/>
+              <a:ext cx="5363183" cy="5363183"/>
+              <a:chOff x="2957209" y="606357"/>
+              <a:chExt cx="5363183" cy="5363183"/>
+            </a:xfrm>
+          </p:grpSpPr>
+          <p:sp>
+            <p:nvSpPr>
+              <p:cNvPr id="21" name="矩形 20">
+                <a:extLst>
+                  <a:ext uri="{FF2B5EF4-FFF2-40B4-BE49-F238E27FC236}">
+                    <a16:creationId xmlns:a16="http://schemas.microsoft.com/office/drawing/2014/main" id="{FE461946-8746-08B3-B4D4-EF5F0B3ADDA3}"/>
+                  </a:ext>
+                </a:extLst>
+              </p:cNvPr>
+              <p:cNvSpPr/>
+              <p:nvPr/>
+            </p:nvSpPr>
+            <p:spPr>
+              <a:xfrm>
+                <a:off x="2957209" y="606357"/>
+                <a:ext cx="5363183" cy="5363183"/>
+              </a:xfrm>
+              <a:custGeom>
+                <a:avLst/>
+                <a:gdLst>
+                  <a:gd name="connsiteX0" fmla="*/ 0 w 5363183"/>
+                  <a:gd name="connsiteY0" fmla="*/ 0 h 5363183"/>
+                  <a:gd name="connsiteX1" fmla="*/ 488646 w 5363183"/>
+                  <a:gd name="connsiteY1" fmla="*/ 0 h 5363183"/>
+                  <a:gd name="connsiteX2" fmla="*/ 1191818 w 5363183"/>
+                  <a:gd name="connsiteY2" fmla="*/ 0 h 5363183"/>
+                  <a:gd name="connsiteX3" fmla="*/ 1680464 w 5363183"/>
+                  <a:gd name="connsiteY3" fmla="*/ 0 h 5363183"/>
+                  <a:gd name="connsiteX4" fmla="*/ 2115478 w 5363183"/>
+                  <a:gd name="connsiteY4" fmla="*/ 0 h 5363183"/>
+                  <a:gd name="connsiteX5" fmla="*/ 2765019 w 5363183"/>
+                  <a:gd name="connsiteY5" fmla="*/ 0 h 5363183"/>
+                  <a:gd name="connsiteX6" fmla="*/ 3253664 w 5363183"/>
+                  <a:gd name="connsiteY6" fmla="*/ 0 h 5363183"/>
+                  <a:gd name="connsiteX7" fmla="*/ 3956837 w 5363183"/>
+                  <a:gd name="connsiteY7" fmla="*/ 0 h 5363183"/>
+                  <a:gd name="connsiteX8" fmla="*/ 4552746 w 5363183"/>
+                  <a:gd name="connsiteY8" fmla="*/ 0 h 5363183"/>
+                  <a:gd name="connsiteX9" fmla="*/ 5363183 w 5363183"/>
+                  <a:gd name="connsiteY9" fmla="*/ 0 h 5363183"/>
+                  <a:gd name="connsiteX10" fmla="*/ 5363183 w 5363183"/>
+                  <a:gd name="connsiteY10" fmla="*/ 435014 h 5363183"/>
+                  <a:gd name="connsiteX11" fmla="*/ 5363183 w 5363183"/>
+                  <a:gd name="connsiteY11" fmla="*/ 870027 h 5363183"/>
+                  <a:gd name="connsiteX12" fmla="*/ 5363183 w 5363183"/>
+                  <a:gd name="connsiteY12" fmla="*/ 1412305 h 5363183"/>
+                  <a:gd name="connsiteX13" fmla="*/ 5363183 w 5363183"/>
+                  <a:gd name="connsiteY13" fmla="*/ 1847319 h 5363183"/>
+                  <a:gd name="connsiteX14" fmla="*/ 5363183 w 5363183"/>
+                  <a:gd name="connsiteY14" fmla="*/ 2335964 h 5363183"/>
+                  <a:gd name="connsiteX15" fmla="*/ 5363183 w 5363183"/>
+                  <a:gd name="connsiteY15" fmla="*/ 3039137 h 5363183"/>
+                  <a:gd name="connsiteX16" fmla="*/ 5363183 w 5363183"/>
+                  <a:gd name="connsiteY16" fmla="*/ 3581414 h 5363183"/>
+                  <a:gd name="connsiteX17" fmla="*/ 5363183 w 5363183"/>
+                  <a:gd name="connsiteY17" fmla="*/ 4016428 h 5363183"/>
+                  <a:gd name="connsiteX18" fmla="*/ 5363183 w 5363183"/>
+                  <a:gd name="connsiteY18" fmla="*/ 4665969 h 5363183"/>
+                  <a:gd name="connsiteX19" fmla="*/ 5363183 w 5363183"/>
+                  <a:gd name="connsiteY19" fmla="*/ 5363183 h 5363183"/>
+                  <a:gd name="connsiteX20" fmla="*/ 4767274 w 5363183"/>
+                  <a:gd name="connsiteY20" fmla="*/ 5363183 h 5363183"/>
+                  <a:gd name="connsiteX21" fmla="*/ 4332260 w 5363183"/>
+                  <a:gd name="connsiteY21" fmla="*/ 5363183 h 5363183"/>
+                  <a:gd name="connsiteX22" fmla="*/ 3897246 w 5363183"/>
+                  <a:gd name="connsiteY22" fmla="*/ 5363183 h 5363183"/>
+                  <a:gd name="connsiteX23" fmla="*/ 3408601 w 5363183"/>
+                  <a:gd name="connsiteY23" fmla="*/ 5363183 h 5363183"/>
+                  <a:gd name="connsiteX24" fmla="*/ 2759060 w 5363183"/>
+                  <a:gd name="connsiteY24" fmla="*/ 5363183 h 5363183"/>
+                  <a:gd name="connsiteX25" fmla="*/ 2163150 w 5363183"/>
+                  <a:gd name="connsiteY25" fmla="*/ 5363183 h 5363183"/>
+                  <a:gd name="connsiteX26" fmla="*/ 1513609 w 5363183"/>
+                  <a:gd name="connsiteY26" fmla="*/ 5363183 h 5363183"/>
+                  <a:gd name="connsiteX27" fmla="*/ 864068 w 5363183"/>
+                  <a:gd name="connsiteY27" fmla="*/ 5363183 h 5363183"/>
+                  <a:gd name="connsiteX28" fmla="*/ 0 w 5363183"/>
+                  <a:gd name="connsiteY28" fmla="*/ 5363183 h 5363183"/>
+                  <a:gd name="connsiteX29" fmla="*/ 0 w 5363183"/>
+                  <a:gd name="connsiteY29" fmla="*/ 4874537 h 5363183"/>
+                  <a:gd name="connsiteX30" fmla="*/ 0 w 5363183"/>
+                  <a:gd name="connsiteY30" fmla="*/ 4332260 h 5363183"/>
+                  <a:gd name="connsiteX31" fmla="*/ 0 w 5363183"/>
+                  <a:gd name="connsiteY31" fmla="*/ 3629087 h 5363183"/>
+                  <a:gd name="connsiteX32" fmla="*/ 0 w 5363183"/>
+                  <a:gd name="connsiteY32" fmla="*/ 3033178 h 5363183"/>
+                  <a:gd name="connsiteX33" fmla="*/ 0 w 5363183"/>
+                  <a:gd name="connsiteY33" fmla="*/ 2490901 h 5363183"/>
+                  <a:gd name="connsiteX34" fmla="*/ 0 w 5363183"/>
+                  <a:gd name="connsiteY34" fmla="*/ 1894991 h 5363183"/>
+                  <a:gd name="connsiteX35" fmla="*/ 0 w 5363183"/>
+                  <a:gd name="connsiteY35" fmla="*/ 1299082 h 5363183"/>
+                  <a:gd name="connsiteX36" fmla="*/ 0 w 5363183"/>
+                  <a:gd name="connsiteY36" fmla="*/ 595909 h 5363183"/>
+                  <a:gd name="connsiteX37" fmla="*/ 0 w 5363183"/>
+                  <a:gd name="connsiteY37" fmla="*/ 0 h 5363183"/>
+                </a:gdLst>
+                <a:ahLst/>
+                <a:cxnLst>
+                  <a:cxn ang="0">
+                    <a:pos x="connsiteX0" y="connsiteY0"/>
+                  </a:cxn>
+                  <a:cxn ang="0">
+                    <a:pos x="connsiteX1" y="connsiteY1"/>
+                  </a:cxn>
+                  <a:cxn ang="0">
+                    <a:pos x="connsiteX2" y="connsiteY2"/>
+                  </a:cxn>
+                  <a:cxn ang="0">
+                    <a:pos x="connsiteX3" y="connsiteY3"/>
+                  </a:cxn>
+                  <a:cxn ang="0">
+                    <a:pos x="connsiteX4" y="connsiteY4"/>
+                  </a:cxn>
+                  <a:cxn ang="0">
+                    <a:pos x="connsiteX5" y="connsiteY5"/>
+                  </a:cxn>
+                  <a:cxn ang="0">
+                    <a:pos x="connsiteX6" y="connsiteY6"/>
+                  </a:cxn>
+                  <a:cxn ang="0">
+                    <a:pos x="connsiteX7" y="connsiteY7"/>
+                  </a:cxn>
+                  <a:cxn ang="0">
+                    <a:pos x="connsiteX8" y="connsiteY8"/>
+                  </a:cxn>
+                  <a:cxn ang="0">
+                    <a:pos x="connsiteX9" y="connsiteY9"/>
+                  </a:cxn>
+                  <a:cxn ang="0">
+                    <a:pos x="connsiteX10" y="connsiteY10"/>
+                  </a:cxn>
+                  <a:cxn ang="0">
+                    <a:pos x="connsiteX11" y="connsiteY11"/>
+                  </a:cxn>
+                  <a:cxn ang="0">
+                    <a:pos x="connsiteX12" y="connsiteY12"/>
+                  </a:cxn>
+                  <a:cxn ang="0">
+                    <a:pos x="connsiteX13" y="connsiteY13"/>
+                  </a:cxn>
+                  <a:cxn ang="0">
+                    <a:pos x="connsiteX14" y="connsiteY14"/>
+                  </a:cxn>
+                  <a:cxn ang="0">
+                    <a:pos x="connsiteX15" y="connsiteY15"/>
+                  </a:cxn>
+                  <a:cxn ang="0">
+                    <a:pos x="connsiteX16" y="connsiteY16"/>
+                  </a:cxn>
+                  <a:cxn ang="0">
+                    <a:pos x="connsiteX17" y="connsiteY17"/>
+                  </a:cxn>
+                  <a:cxn ang="0">
+                    <a:pos x="connsiteX18" y="connsiteY18"/>
+                  </a:cxn>
+                  <a:cxn ang="0">
+                    <a:pos x="connsiteX19" y="connsiteY19"/>
+                  </a:cxn>
+                  <a:cxn ang="0">
+                    <a:pos x="connsiteX20" y="connsiteY20"/>
+                  </a:cxn>
+                  <a:cxn ang="0">
+                    <a:pos x="connsiteX21" y="connsiteY21"/>
+                  </a:cxn>
+                  <a:cxn ang="0">
+                    <a:pos x="connsiteX22" y="connsiteY22"/>
+                  </a:cxn>
+                  <a:cxn ang="0">
+                    <a:pos x="connsiteX23" y="connsiteY23"/>
+                  </a:cxn>
+                  <a:cxn ang="0">
+                    <a:pos x="connsiteX24" y="connsiteY24"/>
+                  </a:cxn>
+                  <a:cxn ang="0">
+                    <a:pos x="connsiteX25" y="connsiteY25"/>
+                  </a:cxn>
+                  <a:cxn ang="0">
+                    <a:pos x="connsiteX26" y="connsiteY26"/>
+                  </a:cxn>
+                  <a:cxn ang="0">
+                    <a:pos x="connsiteX27" y="connsiteY27"/>
+                  </a:cxn>
+                  <a:cxn ang="0">
+                    <a:pos x="connsiteX28" y="connsiteY28"/>
+                  </a:cxn>
+                  <a:cxn ang="0">
+                    <a:pos x="connsiteX29" y="connsiteY29"/>
+                  </a:cxn>
+                  <a:cxn ang="0">
+                    <a:pos x="connsiteX30" y="connsiteY30"/>
+                  </a:cxn>
+                  <a:cxn ang="0">
+                    <a:pos x="connsiteX31" y="connsiteY31"/>
+                  </a:cxn>
+                  <a:cxn ang="0">
+                    <a:pos x="connsiteX32" y="connsiteY32"/>
+                  </a:cxn>
+                  <a:cxn ang="0">
+                    <a:pos x="connsiteX33" y="connsiteY33"/>
+                  </a:cxn>
+                  <a:cxn ang="0">
+                    <a:pos x="connsiteX34" y="connsiteY34"/>
+                  </a:cxn>
+                  <a:cxn ang="0">
+                    <a:pos x="connsiteX35" y="connsiteY35"/>
+                  </a:cxn>
+                  <a:cxn ang="0">
+                    <a:pos x="connsiteX36" y="connsiteY36"/>
+                  </a:cxn>
+                  <a:cxn ang="0">
+                    <a:pos x="connsiteX37" y="connsiteY37"/>
+                  </a:cxn>
+                </a:cxnLst>
+                <a:rect l="l" t="t" r="r" b="b"/>
+                <a:pathLst>
+                  <a:path w="5363183" h="5363183" extrusionOk="0">
+                    <a:moveTo>
+                      <a:pt x="0" y="0"/>
+                    </a:moveTo>
+                    <a:cubicBezTo>
+                      <a:pt x="205700" y="-7682"/>
+                      <a:pt x="354852" y="2180"/>
+                      <a:pt x="488646" y="0"/>
+                    </a:cubicBezTo>
+                    <a:cubicBezTo>
+                      <a:pt x="622440" y="-2180"/>
+                      <a:pt x="1036797" y="75372"/>
+                      <a:pt x="1191818" y="0"/>
+                    </a:cubicBezTo>
+                    <a:cubicBezTo>
+                      <a:pt x="1346839" y="-75372"/>
+                      <a:pt x="1463392" y="56826"/>
+                      <a:pt x="1680464" y="0"/>
+                    </a:cubicBezTo>
+                    <a:cubicBezTo>
+                      <a:pt x="1897536" y="-56826"/>
+                      <a:pt x="2022698" y="49974"/>
+                      <a:pt x="2115478" y="0"/>
+                    </a:cubicBezTo>
+                    <a:cubicBezTo>
+                      <a:pt x="2208258" y="-49974"/>
+                      <a:pt x="2456592" y="64029"/>
+                      <a:pt x="2765019" y="0"/>
+                    </a:cubicBezTo>
+                    <a:cubicBezTo>
+                      <a:pt x="3073446" y="-64029"/>
+                      <a:pt x="3124272" y="15210"/>
+                      <a:pt x="3253664" y="0"/>
+                    </a:cubicBezTo>
+                    <a:cubicBezTo>
+                      <a:pt x="3383057" y="-15210"/>
+                      <a:pt x="3620500" y="44292"/>
+                      <a:pt x="3956837" y="0"/>
+                    </a:cubicBezTo>
+                    <a:cubicBezTo>
+                      <a:pt x="4293174" y="-44292"/>
+                      <a:pt x="4376242" y="10418"/>
+                      <a:pt x="4552746" y="0"/>
+                    </a:cubicBezTo>
+                    <a:cubicBezTo>
+                      <a:pt x="4729250" y="-10418"/>
+                      <a:pt x="4970356" y="33634"/>
+                      <a:pt x="5363183" y="0"/>
+                    </a:cubicBezTo>
+                    <a:cubicBezTo>
+                      <a:pt x="5396339" y="113106"/>
+                      <a:pt x="5341914" y="345754"/>
+                      <a:pt x="5363183" y="435014"/>
+                    </a:cubicBezTo>
+                    <a:cubicBezTo>
+                      <a:pt x="5384452" y="524274"/>
+                      <a:pt x="5348812" y="671910"/>
+                      <a:pt x="5363183" y="870027"/>
+                    </a:cubicBezTo>
+                    <a:cubicBezTo>
+                      <a:pt x="5377554" y="1068144"/>
+                      <a:pt x="5346233" y="1233109"/>
+                      <a:pt x="5363183" y="1412305"/>
+                    </a:cubicBezTo>
+                    <a:cubicBezTo>
+                      <a:pt x="5380133" y="1591501"/>
+                      <a:pt x="5346130" y="1722680"/>
+                      <a:pt x="5363183" y="1847319"/>
+                    </a:cubicBezTo>
+                    <a:cubicBezTo>
+                      <a:pt x="5380236" y="1971958"/>
+                      <a:pt x="5356688" y="2233202"/>
+                      <a:pt x="5363183" y="2335964"/>
+                    </a:cubicBezTo>
+                    <a:cubicBezTo>
+                      <a:pt x="5369678" y="2438726"/>
+                      <a:pt x="5331956" y="2836678"/>
+                      <a:pt x="5363183" y="3039137"/>
+                    </a:cubicBezTo>
+                    <a:cubicBezTo>
+                      <a:pt x="5394410" y="3241596"/>
+                      <a:pt x="5356384" y="3449710"/>
+                      <a:pt x="5363183" y="3581414"/>
+                    </a:cubicBezTo>
+                    <a:cubicBezTo>
+                      <a:pt x="5369982" y="3713118"/>
+                      <a:pt x="5318964" y="3859575"/>
+                      <a:pt x="5363183" y="4016428"/>
+                    </a:cubicBezTo>
+                    <a:cubicBezTo>
+                      <a:pt x="5407402" y="4173281"/>
+                      <a:pt x="5343149" y="4448257"/>
+                      <a:pt x="5363183" y="4665969"/>
+                    </a:cubicBezTo>
+                    <a:cubicBezTo>
+                      <a:pt x="5383217" y="4883681"/>
+                      <a:pt x="5334686" y="5102871"/>
+                      <a:pt x="5363183" y="5363183"/>
+                    </a:cubicBezTo>
+                    <a:cubicBezTo>
+                      <a:pt x="5152392" y="5398922"/>
+                      <a:pt x="4996665" y="5339320"/>
+                      <a:pt x="4767274" y="5363183"/>
+                    </a:cubicBezTo>
+                    <a:cubicBezTo>
+                      <a:pt x="4537883" y="5387046"/>
+                      <a:pt x="4457982" y="5340353"/>
+                      <a:pt x="4332260" y="5363183"/>
+                    </a:cubicBezTo>
+                    <a:cubicBezTo>
+                      <a:pt x="4206538" y="5386013"/>
+                      <a:pt x="3999752" y="5323155"/>
+                      <a:pt x="3897246" y="5363183"/>
+                    </a:cubicBezTo>
+                    <a:cubicBezTo>
+                      <a:pt x="3794740" y="5403211"/>
+                      <a:pt x="3648466" y="5353599"/>
+                      <a:pt x="3408601" y="5363183"/>
+                    </a:cubicBezTo>
+                    <a:cubicBezTo>
+                      <a:pt x="3168737" y="5372767"/>
+                      <a:pt x="3012858" y="5301306"/>
+                      <a:pt x="2759060" y="5363183"/>
+                    </a:cubicBezTo>
+                    <a:cubicBezTo>
+                      <a:pt x="2505262" y="5425060"/>
+                      <a:pt x="2347219" y="5324963"/>
+                      <a:pt x="2163150" y="5363183"/>
+                    </a:cubicBezTo>
+                    <a:cubicBezTo>
+                      <a:pt x="1979081" y="5401403"/>
+                      <a:pt x="1763910" y="5328190"/>
+                      <a:pt x="1513609" y="5363183"/>
+                    </a:cubicBezTo>
+                    <a:cubicBezTo>
+                      <a:pt x="1263308" y="5398176"/>
+                      <a:pt x="1039081" y="5325670"/>
+                      <a:pt x="864068" y="5363183"/>
+                    </a:cubicBezTo>
+                    <a:cubicBezTo>
+                      <a:pt x="689055" y="5400696"/>
+                      <a:pt x="353957" y="5280475"/>
+                      <a:pt x="0" y="5363183"/>
+                    </a:cubicBezTo>
+                    <a:cubicBezTo>
+                      <a:pt x="-20396" y="5203996"/>
+                      <a:pt x="44093" y="5007372"/>
+                      <a:pt x="0" y="4874537"/>
+                    </a:cubicBezTo>
+                    <a:cubicBezTo>
+                      <a:pt x="-44093" y="4741702"/>
+                      <a:pt x="31230" y="4525792"/>
+                      <a:pt x="0" y="4332260"/>
+                    </a:cubicBezTo>
+                    <a:cubicBezTo>
+                      <a:pt x="-31230" y="4138728"/>
+                      <a:pt x="63893" y="3791318"/>
+                      <a:pt x="0" y="3629087"/>
+                    </a:cubicBezTo>
+                    <a:cubicBezTo>
+                      <a:pt x="-63893" y="3466856"/>
+                      <a:pt x="20367" y="3263111"/>
+                      <a:pt x="0" y="3033178"/>
+                    </a:cubicBezTo>
+                    <a:cubicBezTo>
+                      <a:pt x="-20367" y="2803245"/>
+                      <a:pt x="38889" y="2743759"/>
+                      <a:pt x="0" y="2490901"/>
+                    </a:cubicBezTo>
+                    <a:cubicBezTo>
+                      <a:pt x="-38889" y="2238043"/>
+                      <a:pt x="23416" y="2150904"/>
+                      <a:pt x="0" y="1894991"/>
+                    </a:cubicBezTo>
+                    <a:cubicBezTo>
+                      <a:pt x="-23416" y="1639078"/>
+                      <a:pt x="19392" y="1422508"/>
+                      <a:pt x="0" y="1299082"/>
+                    </a:cubicBezTo>
+                    <a:cubicBezTo>
+                      <a:pt x="-19392" y="1175656"/>
+                      <a:pt x="44386" y="876327"/>
+                      <a:pt x="0" y="595909"/>
+                    </a:cubicBezTo>
+                    <a:cubicBezTo>
+                      <a:pt x="-44386" y="315491"/>
+                      <a:pt x="57249" y="216904"/>
+                      <a:pt x="0" y="0"/>
+                    </a:cubicBezTo>
+                    <a:close/>
+                  </a:path>
+                </a:pathLst>
+              </a:custGeom>
+              <a:noFill/>
+              <a:ln>
+                <a:solidFill>
+                  <a:schemeClr val="tx1"/>
+                </a:solidFill>
+                <a:extLst>
+                  <a:ext uri="{C807C97D-BFC1-408E-A445-0C87EB9F89A2}">
+                    <ask:lineSketchStyleProps xmlns:ask="http://schemas.microsoft.com/office/drawing/2018/sketchyshapes" sd="4027378067">
+                      <a:prstGeom prst="rect">
+                        <a:avLst/>
+                      </a:prstGeom>
+                      <ask:type>
+                        <ask:lineSketchScribble/>
+                      </ask:type>
+                    </ask:lineSketchStyleProps>
+                  </a:ext>
+                </a:extLst>
+              </a:ln>
+            </p:spPr>
+            <p:style>
+              <a:lnRef idx="2">
+                <a:schemeClr val="accent1">
+                  <a:shade val="15000"/>
+                </a:schemeClr>
+              </a:lnRef>
+              <a:fillRef idx="1">
+                <a:schemeClr val="accent1"/>
+              </a:fillRef>
+              <a:effectRef idx="0">
+                <a:schemeClr val="accent1"/>
+              </a:effectRef>
+              <a:fontRef idx="minor">
+                <a:schemeClr val="lt1"/>
+              </a:fontRef>
+            </p:style>
+            <p:txBody>
+              <a:bodyPr rtlCol="0" anchor="ctr"/>
+              <a:lstStyle/>
+              <a:p>
+                <a:pPr algn="ctr"/>
+                <a:endParaRPr lang="en-US"/>
+              </a:p>
+            </p:txBody>
+          </p:sp>
+          <p:sp>
+            <p:nvSpPr>
+              <p:cNvPr id="25" name="椭圆 24">
+                <a:extLst>
+                  <a:ext uri="{FF2B5EF4-FFF2-40B4-BE49-F238E27FC236}">
+                    <a16:creationId xmlns:a16="http://schemas.microsoft.com/office/drawing/2014/main" id="{773E7C27-E509-6E9A-AED7-7EA2E864ABE3}"/>
+                  </a:ext>
+                </a:extLst>
+              </p:cNvPr>
+              <p:cNvSpPr/>
+              <p:nvPr/>
+            </p:nvSpPr>
+            <p:spPr>
+              <a:xfrm>
+                <a:off x="3950238" y="4931019"/>
+                <a:ext cx="337225" cy="337225"/>
+              </a:xfrm>
+              <a:custGeom>
+                <a:avLst/>
+                <a:gdLst>
+                  <a:gd name="connsiteX0" fmla="*/ 0 w 337225"/>
+                  <a:gd name="connsiteY0" fmla="*/ 168613 h 337225"/>
+                  <a:gd name="connsiteX1" fmla="*/ 168613 w 337225"/>
+                  <a:gd name="connsiteY1" fmla="*/ 0 h 337225"/>
+                  <a:gd name="connsiteX2" fmla="*/ 337226 w 337225"/>
+                  <a:gd name="connsiteY2" fmla="*/ 168613 h 337225"/>
+                  <a:gd name="connsiteX3" fmla="*/ 168613 w 337225"/>
+                  <a:gd name="connsiteY3" fmla="*/ 337226 h 337225"/>
+                  <a:gd name="connsiteX4" fmla="*/ 0 w 337225"/>
+                  <a:gd name="connsiteY4" fmla="*/ 168613 h 337225"/>
+                </a:gdLst>
+                <a:ahLst/>
+                <a:cxnLst>
+                  <a:cxn ang="0">
+                    <a:pos x="connsiteX0" y="connsiteY0"/>
+                  </a:cxn>
+                  <a:cxn ang="0">
+                    <a:pos x="connsiteX1" y="connsiteY1"/>
+                  </a:cxn>
+                  <a:cxn ang="0">
+                    <a:pos x="connsiteX2" y="connsiteY2"/>
+                  </a:cxn>
+                  <a:cxn ang="0">
+                    <a:pos x="connsiteX3" y="connsiteY3"/>
+                  </a:cxn>
+                  <a:cxn ang="0">
+                    <a:pos x="connsiteX4" y="connsiteY4"/>
+                  </a:cxn>
+                </a:cxnLst>
+                <a:rect l="l" t="t" r="r" b="b"/>
+                <a:pathLst>
+                  <a:path w="337225" h="337225" extrusionOk="0">
+                    <a:moveTo>
+                      <a:pt x="0" y="168613"/>
+                    </a:moveTo>
+                    <a:cubicBezTo>
+                      <a:pt x="-7185" y="67042"/>
+                      <a:pt x="89162" y="-4964"/>
+                      <a:pt x="168613" y="0"/>
+                    </a:cubicBezTo>
+                    <a:cubicBezTo>
+                      <a:pt x="257753" y="2237"/>
+                      <a:pt x="344050" y="73455"/>
+                      <a:pt x="337226" y="168613"/>
+                    </a:cubicBezTo>
+                    <a:cubicBezTo>
+                      <a:pt x="333975" y="255253"/>
+                      <a:pt x="258242" y="348094"/>
+                      <a:pt x="168613" y="337226"/>
+                    </a:cubicBezTo>
+                    <a:cubicBezTo>
+                      <a:pt x="83046" y="326804"/>
+                      <a:pt x="3715" y="261429"/>
+                      <a:pt x="0" y="168613"/>
+                    </a:cubicBezTo>
+                    <a:close/>
+                  </a:path>
+                </a:pathLst>
+              </a:custGeom>
+              <a:noFill/>
+              <a:ln>
+                <a:noFill/>
+                <a:prstDash val="sysDash"/>
+                <a:extLst>
+                  <a:ext uri="{C807C97D-BFC1-408E-A445-0C87EB9F89A2}">
+                    <ask:lineSketchStyleProps xmlns:ask="http://schemas.microsoft.com/office/drawing/2018/sketchyshapes" sd="879248734">
+                      <a:prstGeom prst="ellipse">
+                        <a:avLst/>
+                      </a:prstGeom>
+                      <ask:type>
+                        <ask:lineSketchScribble/>
+                      </ask:type>
+                    </ask:lineSketchStyleProps>
+                  </a:ext>
+                </a:extLst>
+              </a:ln>
+            </p:spPr>
+            <p:style>
+              <a:lnRef idx="2">
+                <a:schemeClr val="accent1">
+                  <a:shade val="15000"/>
+                </a:schemeClr>
+              </a:lnRef>
+              <a:fillRef idx="1">
+                <a:schemeClr val="accent1"/>
+              </a:fillRef>
+              <a:effectRef idx="0">
+                <a:schemeClr val="accent1"/>
+              </a:effectRef>
+              <a:fontRef idx="minor">
+                <a:schemeClr val="lt1"/>
+              </a:fontRef>
+            </p:style>
+            <p:txBody>
+              <a:bodyPr rtlCol="0" anchor="ctr"/>
+              <a:lstStyle/>
+              <a:p>
+                <a:pPr algn="ctr"/>
+                <a:endParaRPr lang="en-US"/>
+              </a:p>
+            </p:txBody>
+          </p:sp>
+        </p:grpSp>
+        <mc:AlternateContent xmlns:mc="http://schemas.openxmlformats.org/markup-compatibility/2006">
+          <mc:Choice xmlns:p14="http://schemas.microsoft.com/office/powerpoint/2010/main" Requires="p14">
+            <p:contentPart p14:bwMode="auto" r:id="rId3">
+              <p14:nvContentPartPr>
+                <p14:cNvPr id="9" name="墨迹 8">
+                  <a:extLst>
+                    <a:ext uri="{FF2B5EF4-FFF2-40B4-BE49-F238E27FC236}">
+                      <a16:creationId xmlns:a16="http://schemas.microsoft.com/office/drawing/2014/main" id="{DE7C6863-3431-3FBC-8A03-916930603421}"/>
+                    </a:ext>
+                  </a:extLst>
+                </p14:cNvPr>
+                <p14:cNvContentPartPr/>
+                <p14:nvPr/>
+              </p14:nvContentPartPr>
+              <p14:xfrm>
+                <a:off x="3232861" y="1457543"/>
+                <a:ext cx="688680" cy="131400"/>
+              </p14:xfrm>
+            </p:contentPart>
+          </mc:Choice>
+          <mc:Fallback>
+            <p:pic>
+              <p:nvPicPr>
+                <p:cNvPr id="9" name="墨迹 8">
+                  <a:extLst>
+                    <a:ext uri="{FF2B5EF4-FFF2-40B4-BE49-F238E27FC236}">
+                      <a16:creationId xmlns:a16="http://schemas.microsoft.com/office/drawing/2014/main" id="{DE7C6863-3431-3FBC-8A03-916930603421}"/>
+                    </a:ext>
+                  </a:extLst>
+                </p:cNvPr>
+                <p:cNvPicPr/>
+                <p:nvPr/>
+              </p:nvPicPr>
+              <p:blipFill>
+                <a:blip r:embed="rId4"/>
+                <a:stretch>
+                  <a:fillRect/>
+                </a:stretch>
+              </p:blipFill>
+              <p:spPr>
+                <a:xfrm>
+                  <a:off x="3226741" y="1451423"/>
+                  <a:ext cx="700920" cy="143640"/>
+                </a:xfrm>
+                <a:prstGeom prst="rect">
+                  <a:avLst/>
+                </a:prstGeom>
+              </p:spPr>
+            </p:pic>
+          </mc:Fallback>
+        </mc:AlternateContent>
+        <p:grpSp>
+          <p:nvGrpSpPr>
+            <p:cNvPr id="24" name="组合 23">
+              <a:extLst>
+                <a:ext uri="{FF2B5EF4-FFF2-40B4-BE49-F238E27FC236}">
+                  <a16:creationId xmlns:a16="http://schemas.microsoft.com/office/drawing/2014/main" id="{B511B3A2-1E09-6921-A3D7-693BA4E94D0A}"/>
+                </a:ext>
+              </a:extLst>
+            </p:cNvPr>
+            <p:cNvGrpSpPr/>
+            <p:nvPr/>
+          </p:nvGrpSpPr>
+          <p:grpSpPr>
+            <a:xfrm>
+              <a:off x="985381" y="797303"/>
+              <a:ext cx="822960" cy="201240"/>
+              <a:chOff x="985381" y="797303"/>
+              <a:chExt cx="822960" cy="201240"/>
+            </a:xfrm>
+          </p:grpSpPr>
+          <mc:AlternateContent xmlns:mc="http://schemas.openxmlformats.org/markup-compatibility/2006">
+            <mc:Choice xmlns:p14="http://schemas.microsoft.com/office/powerpoint/2010/main" Requires="p14">
+              <p:contentPart p14:bwMode="auto" r:id="rId5">
+                <p14:nvContentPartPr>
+                  <p14:cNvPr id="13" name="墨迹 12">
+                    <a:extLst>
+                      <a:ext uri="{FF2B5EF4-FFF2-40B4-BE49-F238E27FC236}">
+                        <a16:creationId xmlns:a16="http://schemas.microsoft.com/office/drawing/2014/main" id="{2FBB2360-35B6-F63A-64C9-53852D1F40BF}"/>
+                      </a:ext>
+                    </a:extLst>
+                  </p14:cNvPr>
+                  <p14:cNvContentPartPr/>
+                  <p14:nvPr/>
+                </p14:nvContentPartPr>
+                <p14:xfrm>
+                  <a:off x="985381" y="835463"/>
+                  <a:ext cx="262800" cy="21240"/>
+                </p14:xfrm>
+              </p:contentPart>
+            </mc:Choice>
+            <mc:Fallback>
+              <p:pic>
+                <p:nvPicPr>
+                  <p:cNvPr id="13" name="墨迹 12">
+                    <a:extLst>
+                      <a:ext uri="{FF2B5EF4-FFF2-40B4-BE49-F238E27FC236}">
+                        <a16:creationId xmlns:a16="http://schemas.microsoft.com/office/drawing/2014/main" id="{2FBB2360-35B6-F63A-64C9-53852D1F40BF}"/>
+                      </a:ext>
+                    </a:extLst>
+                  </p:cNvPr>
+                  <p:cNvPicPr/>
+                  <p:nvPr/>
+                </p:nvPicPr>
+                <p:blipFill>
+                  <a:blip r:embed="rId6"/>
+                  <a:stretch>
+                    <a:fillRect/>
+                  </a:stretch>
+                </p:blipFill>
+                <p:spPr>
+                  <a:xfrm>
+                    <a:off x="979261" y="829343"/>
+                    <a:ext cx="275040" cy="33480"/>
+                  </a:xfrm>
+                  <a:prstGeom prst="rect">
+                    <a:avLst/>
+                  </a:prstGeom>
+                </p:spPr>
+              </p:pic>
+            </mc:Fallback>
+          </mc:AlternateContent>
+          <mc:AlternateContent xmlns:mc="http://schemas.openxmlformats.org/markup-compatibility/2006">
+            <mc:Choice xmlns:p14="http://schemas.microsoft.com/office/powerpoint/2010/main" Requires="p14">
+              <p:contentPart p14:bwMode="auto" r:id="rId7">
+                <p14:nvContentPartPr>
+                  <p14:cNvPr id="14" name="墨迹 13">
+                    <a:extLst>
+                      <a:ext uri="{FF2B5EF4-FFF2-40B4-BE49-F238E27FC236}">
+                        <a16:creationId xmlns:a16="http://schemas.microsoft.com/office/drawing/2014/main" id="{6A0FB814-97E6-64CC-A6BF-3B17B48218A8}"/>
+                      </a:ext>
+                    </a:extLst>
+                  </p14:cNvPr>
+                  <p14:cNvContentPartPr/>
+                  <p14:nvPr/>
+                </p14:nvContentPartPr>
+                <p14:xfrm>
+                  <a:off x="1017781" y="907823"/>
+                  <a:ext cx="317520" cy="360"/>
+                </p14:xfrm>
+              </p:contentPart>
+            </mc:Choice>
+            <mc:Fallback>
+              <p:pic>
+                <p:nvPicPr>
+                  <p:cNvPr id="14" name="墨迹 13">
+                    <a:extLst>
+                      <a:ext uri="{FF2B5EF4-FFF2-40B4-BE49-F238E27FC236}">
+                        <a16:creationId xmlns:a16="http://schemas.microsoft.com/office/drawing/2014/main" id="{6A0FB814-97E6-64CC-A6BF-3B17B48218A8}"/>
+                      </a:ext>
+                    </a:extLst>
+                  </p:cNvPr>
+                  <p:cNvPicPr/>
+                  <p:nvPr/>
+                </p:nvPicPr>
+                <p:blipFill>
+                  <a:blip r:embed="rId8"/>
+                  <a:stretch>
+                    <a:fillRect/>
+                  </a:stretch>
+                </p:blipFill>
+                <p:spPr>
+                  <a:xfrm>
+                    <a:off x="1011661" y="901703"/>
+                    <a:ext cx="329760" cy="12600"/>
+                  </a:xfrm>
+                  <a:prstGeom prst="rect">
+                    <a:avLst/>
+                  </a:prstGeom>
+                </p:spPr>
+              </p:pic>
+            </mc:Fallback>
+          </mc:AlternateContent>
+          <mc:AlternateContent xmlns:mc="http://schemas.openxmlformats.org/markup-compatibility/2006">
+            <mc:Choice xmlns:p14="http://schemas.microsoft.com/office/powerpoint/2010/main" Requires="p14">
+              <p:contentPart p14:bwMode="auto" r:id="rId9">
+                <p14:nvContentPartPr>
+                  <p14:cNvPr id="15" name="墨迹 14">
+                    <a:extLst>
+                      <a:ext uri="{FF2B5EF4-FFF2-40B4-BE49-F238E27FC236}">
+                        <a16:creationId xmlns:a16="http://schemas.microsoft.com/office/drawing/2014/main" id="{C359995E-6739-2F36-0564-7876D1EF2AB7}"/>
+                      </a:ext>
+                    </a:extLst>
+                  </p14:cNvPr>
+                  <p14:cNvContentPartPr/>
+                  <p14:nvPr/>
+                </p14:nvContentPartPr>
+                <p14:xfrm>
+                  <a:off x="1011661" y="933743"/>
+                  <a:ext cx="217800" cy="2880"/>
+                </p14:xfrm>
+              </p:contentPart>
+            </mc:Choice>
+            <mc:Fallback>
+              <p:pic>
+                <p:nvPicPr>
+                  <p:cNvPr id="15" name="墨迹 14">
+                    <a:extLst>
+                      <a:ext uri="{FF2B5EF4-FFF2-40B4-BE49-F238E27FC236}">
+                        <a16:creationId xmlns:a16="http://schemas.microsoft.com/office/drawing/2014/main" id="{C359995E-6739-2F36-0564-7876D1EF2AB7}"/>
+                      </a:ext>
+                    </a:extLst>
+                  </p:cNvPr>
+                  <p:cNvPicPr/>
+                  <p:nvPr/>
+                </p:nvPicPr>
+                <p:blipFill>
+                  <a:blip r:embed="rId10"/>
+                  <a:stretch>
+                    <a:fillRect/>
+                  </a:stretch>
+                </p:blipFill>
+                <p:spPr>
+                  <a:xfrm>
+                    <a:off x="1005541" y="927623"/>
+                    <a:ext cx="230040" cy="15120"/>
+                  </a:xfrm>
+                  <a:prstGeom prst="rect">
+                    <a:avLst/>
+                  </a:prstGeom>
+                </p:spPr>
+              </p:pic>
+            </mc:Fallback>
+          </mc:AlternateContent>
+          <mc:AlternateContent xmlns:mc="http://schemas.openxmlformats.org/markup-compatibility/2006">
+            <mc:Choice xmlns:p14="http://schemas.microsoft.com/office/powerpoint/2010/main" Requires="p14">
+              <p:contentPart p14:bwMode="auto" r:id="rId11">
+                <p14:nvContentPartPr>
+                  <p14:cNvPr id="16" name="墨迹 15">
+                    <a:extLst>
+                      <a:ext uri="{FF2B5EF4-FFF2-40B4-BE49-F238E27FC236}">
+                        <a16:creationId xmlns:a16="http://schemas.microsoft.com/office/drawing/2014/main" id="{4B580476-2A72-8776-2CA7-F139A75C1887}"/>
+                      </a:ext>
+                    </a:extLst>
+                  </p14:cNvPr>
+                  <p14:cNvContentPartPr/>
+                  <p14:nvPr/>
+                </p14:nvContentPartPr>
+                <p14:xfrm>
+                  <a:off x="1071061" y="983783"/>
+                  <a:ext cx="242280" cy="9000"/>
+                </p14:xfrm>
+              </p:contentPart>
+            </mc:Choice>
+            <mc:Fallback>
+              <p:pic>
+                <p:nvPicPr>
+                  <p:cNvPr id="16" name="墨迹 15">
+                    <a:extLst>
+                      <a:ext uri="{FF2B5EF4-FFF2-40B4-BE49-F238E27FC236}">
+                        <a16:creationId xmlns:a16="http://schemas.microsoft.com/office/drawing/2014/main" id="{4B580476-2A72-8776-2CA7-F139A75C1887}"/>
+                      </a:ext>
+                    </a:extLst>
+                  </p:cNvPr>
+                  <p:cNvPicPr/>
+                  <p:nvPr/>
+                </p:nvPicPr>
+                <p:blipFill>
+                  <a:blip r:embed="rId12"/>
+                  <a:stretch>
+                    <a:fillRect/>
+                  </a:stretch>
+                </p:blipFill>
+                <p:spPr>
+                  <a:xfrm>
+                    <a:off x="1064941" y="977663"/>
+                    <a:ext cx="254520" cy="21240"/>
+                  </a:xfrm>
+                  <a:prstGeom prst="rect">
+                    <a:avLst/>
+                  </a:prstGeom>
+                </p:spPr>
+              </p:pic>
+            </mc:Fallback>
+          </mc:AlternateContent>
+          <mc:AlternateContent xmlns:mc="http://schemas.openxmlformats.org/markup-compatibility/2006">
+            <mc:Choice xmlns:p14="http://schemas.microsoft.com/office/powerpoint/2010/main" Requires="p14">
+              <p:contentPart p14:bwMode="auto" r:id="rId13">
+                <p14:nvContentPartPr>
+                  <p14:cNvPr id="17" name="墨迹 16">
+                    <a:extLst>
+                      <a:ext uri="{FF2B5EF4-FFF2-40B4-BE49-F238E27FC236}">
+                        <a16:creationId xmlns:a16="http://schemas.microsoft.com/office/drawing/2014/main" id="{CF61A6E8-82ED-A395-35F5-04CD504A8530}"/>
+                      </a:ext>
+                    </a:extLst>
+                  </p14:cNvPr>
+                  <p14:cNvContentPartPr/>
+                  <p14:nvPr/>
+                </p14:nvContentPartPr>
+                <p14:xfrm>
+                  <a:off x="1104541" y="810263"/>
+                  <a:ext cx="167760" cy="163080"/>
+                </p14:xfrm>
+              </p:contentPart>
+            </mc:Choice>
+            <mc:Fallback>
+              <p:pic>
+                <p:nvPicPr>
+                  <p:cNvPr id="17" name="墨迹 16">
+                    <a:extLst>
+                      <a:ext uri="{FF2B5EF4-FFF2-40B4-BE49-F238E27FC236}">
+                        <a16:creationId xmlns:a16="http://schemas.microsoft.com/office/drawing/2014/main" id="{CF61A6E8-82ED-A395-35F5-04CD504A8530}"/>
+                      </a:ext>
+                    </a:extLst>
+                  </p:cNvPr>
+                  <p:cNvPicPr/>
+                  <p:nvPr/>
+                </p:nvPicPr>
+                <p:blipFill>
+                  <a:blip r:embed="rId14"/>
+                  <a:stretch>
+                    <a:fillRect/>
+                  </a:stretch>
+                </p:blipFill>
+                <p:spPr>
+                  <a:xfrm>
+                    <a:off x="1098421" y="804143"/>
+                    <a:ext cx="180000" cy="175320"/>
+                  </a:xfrm>
+                  <a:prstGeom prst="rect">
+                    <a:avLst/>
+                  </a:prstGeom>
+                </p:spPr>
+              </p:pic>
+            </mc:Fallback>
+          </mc:AlternateContent>
+          <mc:AlternateContent xmlns:mc="http://schemas.openxmlformats.org/markup-compatibility/2006">
+            <mc:Choice xmlns:p14="http://schemas.microsoft.com/office/powerpoint/2010/main" Requires="p14">
+              <p:contentPart p14:bwMode="auto" r:id="rId15">
+                <p14:nvContentPartPr>
+                  <p14:cNvPr id="18" name="墨迹 17">
+                    <a:extLst>
+                      <a:ext uri="{FF2B5EF4-FFF2-40B4-BE49-F238E27FC236}">
+                        <a16:creationId xmlns:a16="http://schemas.microsoft.com/office/drawing/2014/main" id="{2CB14167-EFF7-A8AE-80B2-552D2E708189}"/>
+                      </a:ext>
+                    </a:extLst>
+                  </p14:cNvPr>
+                  <p14:cNvContentPartPr/>
+                  <p14:nvPr/>
+                </p14:nvContentPartPr>
+                <p14:xfrm>
+                  <a:off x="1436821" y="827903"/>
+                  <a:ext cx="371520" cy="170640"/>
+                </p14:xfrm>
+              </p:contentPart>
+            </mc:Choice>
+            <mc:Fallback>
+              <p:pic>
+                <p:nvPicPr>
+                  <p:cNvPr id="18" name="墨迹 17">
+                    <a:extLst>
+                      <a:ext uri="{FF2B5EF4-FFF2-40B4-BE49-F238E27FC236}">
+                        <a16:creationId xmlns:a16="http://schemas.microsoft.com/office/drawing/2014/main" id="{2CB14167-EFF7-A8AE-80B2-552D2E708189}"/>
+                      </a:ext>
+                    </a:extLst>
+                  </p:cNvPr>
+                  <p:cNvPicPr/>
+                  <p:nvPr/>
+                </p:nvPicPr>
+                <p:blipFill>
+                  <a:blip r:embed="rId16"/>
+                  <a:stretch>
+                    <a:fillRect/>
+                  </a:stretch>
+                </p:blipFill>
+                <p:spPr>
+                  <a:xfrm>
+                    <a:off x="1430701" y="821783"/>
+                    <a:ext cx="383760" cy="182880"/>
+                  </a:xfrm>
+                  <a:prstGeom prst="rect">
+                    <a:avLst/>
+                  </a:prstGeom>
+                </p:spPr>
+              </p:pic>
+            </mc:Fallback>
+          </mc:AlternateContent>
+          <mc:AlternateContent xmlns:mc="http://schemas.openxmlformats.org/markup-compatibility/2006">
+            <mc:Choice xmlns:p14="http://schemas.microsoft.com/office/powerpoint/2010/main" Requires="p14">
+              <p:contentPart p14:bwMode="auto" r:id="rId17">
+                <p14:nvContentPartPr>
+                  <p14:cNvPr id="20" name="墨迹 19">
+                    <a:extLst>
+                      <a:ext uri="{FF2B5EF4-FFF2-40B4-BE49-F238E27FC236}">
+                        <a16:creationId xmlns:a16="http://schemas.microsoft.com/office/drawing/2014/main" id="{ABED059F-17C9-2AD0-D9C5-CEBEF1B7F115}"/>
+                      </a:ext>
+                    </a:extLst>
+                  </p14:cNvPr>
+                  <p14:cNvContentPartPr/>
+                  <p14:nvPr/>
+                </p14:nvContentPartPr>
+                <p14:xfrm>
+                  <a:off x="1504501" y="797303"/>
+                  <a:ext cx="33120" cy="129600"/>
+                </p14:xfrm>
+              </p:contentPart>
+            </mc:Choice>
+            <mc:Fallback>
+              <p:pic>
+                <p:nvPicPr>
+                  <p:cNvPr id="20" name="墨迹 19">
+                    <a:extLst>
+                      <a:ext uri="{FF2B5EF4-FFF2-40B4-BE49-F238E27FC236}">
+                        <a16:creationId xmlns:a16="http://schemas.microsoft.com/office/drawing/2014/main" id="{ABED059F-17C9-2AD0-D9C5-CEBEF1B7F115}"/>
+                      </a:ext>
+                    </a:extLst>
+                  </p:cNvPr>
+                  <p:cNvPicPr/>
+                  <p:nvPr/>
+                </p:nvPicPr>
+                <p:blipFill>
+                  <a:blip r:embed="rId18"/>
+                  <a:stretch>
+                    <a:fillRect/>
+                  </a:stretch>
+                </p:blipFill>
+                <p:spPr>
+                  <a:xfrm>
+                    <a:off x="1498381" y="791183"/>
+                    <a:ext cx="45360" cy="141840"/>
+                  </a:xfrm>
+                  <a:prstGeom prst="rect">
+                    <a:avLst/>
+                  </a:prstGeom>
+                </p:spPr>
+              </p:pic>
+            </mc:Fallback>
+          </mc:AlternateContent>
+          <mc:AlternateContent xmlns:mc="http://schemas.openxmlformats.org/markup-compatibility/2006">
+            <mc:Choice xmlns:p14="http://schemas.microsoft.com/office/powerpoint/2010/main" Requires="p14">
+              <p:contentPart p14:bwMode="auto" r:id="rId19">
+                <p14:nvContentPartPr>
+                  <p14:cNvPr id="22" name="墨迹 21">
+                    <a:extLst>
+                      <a:ext uri="{FF2B5EF4-FFF2-40B4-BE49-F238E27FC236}">
+                        <a16:creationId xmlns:a16="http://schemas.microsoft.com/office/drawing/2014/main" id="{5D6E2079-C06B-4F07-B355-6989AA57FD90}"/>
+                      </a:ext>
+                    </a:extLst>
+                  </p14:cNvPr>
+                  <p14:cNvContentPartPr/>
+                  <p14:nvPr/>
+                </p14:nvContentPartPr>
+                <p14:xfrm>
+                  <a:off x="1575781" y="843023"/>
+                  <a:ext cx="87480" cy="119160"/>
+                </p14:xfrm>
+              </p:contentPart>
+            </mc:Choice>
+            <mc:Fallback>
+              <p:pic>
+                <p:nvPicPr>
+                  <p:cNvPr id="22" name="墨迹 21">
+                    <a:extLst>
+                      <a:ext uri="{FF2B5EF4-FFF2-40B4-BE49-F238E27FC236}">
+                        <a16:creationId xmlns:a16="http://schemas.microsoft.com/office/drawing/2014/main" id="{5D6E2079-C06B-4F07-B355-6989AA57FD90}"/>
+                      </a:ext>
+                    </a:extLst>
+                  </p:cNvPr>
+                  <p:cNvPicPr/>
+                  <p:nvPr/>
+                </p:nvPicPr>
+                <p:blipFill>
+                  <a:blip r:embed="rId20"/>
+                  <a:stretch>
+                    <a:fillRect/>
+                  </a:stretch>
+                </p:blipFill>
+                <p:spPr>
+                  <a:xfrm>
+                    <a:off x="1569661" y="836903"/>
+                    <a:ext cx="99720" cy="131400"/>
+                  </a:xfrm>
+                  <a:prstGeom prst="rect">
+                    <a:avLst/>
+                  </a:prstGeom>
+                </p:spPr>
+              </p:pic>
+            </mc:Fallback>
+          </mc:AlternateContent>
+          <mc:AlternateContent xmlns:mc="http://schemas.openxmlformats.org/markup-compatibility/2006">
+            <mc:Choice xmlns:p14="http://schemas.microsoft.com/office/powerpoint/2010/main" Requires="p14">
+              <p:contentPart p14:bwMode="auto" r:id="rId21">
+                <p14:nvContentPartPr>
+                  <p14:cNvPr id="23" name="墨迹 22">
+                    <a:extLst>
+                      <a:ext uri="{FF2B5EF4-FFF2-40B4-BE49-F238E27FC236}">
+                        <a16:creationId xmlns:a16="http://schemas.microsoft.com/office/drawing/2014/main" id="{8C8B2E36-74CB-8A12-1EED-7D2F9B508577}"/>
+                      </a:ext>
+                    </a:extLst>
+                  </p14:cNvPr>
+                  <p14:cNvContentPartPr/>
+                  <p14:nvPr/>
+                </p14:nvContentPartPr>
+                <p14:xfrm>
+                  <a:off x="1705381" y="862463"/>
+                  <a:ext cx="26640" cy="83880"/>
+                </p14:xfrm>
+              </p:contentPart>
+            </mc:Choice>
+            <mc:Fallback>
+              <p:pic>
+                <p:nvPicPr>
+                  <p:cNvPr id="23" name="墨迹 22">
+                    <a:extLst>
+                      <a:ext uri="{FF2B5EF4-FFF2-40B4-BE49-F238E27FC236}">
+                        <a16:creationId xmlns:a16="http://schemas.microsoft.com/office/drawing/2014/main" id="{8C8B2E36-74CB-8A12-1EED-7D2F9B508577}"/>
+                      </a:ext>
+                    </a:extLst>
+                  </p:cNvPr>
+                  <p:cNvPicPr/>
+                  <p:nvPr/>
+                </p:nvPicPr>
+                <p:blipFill>
+                  <a:blip r:embed="rId22"/>
+                  <a:stretch>
+                    <a:fillRect/>
+                  </a:stretch>
+                </p:blipFill>
+                <p:spPr>
+                  <a:xfrm>
+                    <a:off x="1699261" y="856343"/>
+                    <a:ext cx="38880" cy="96120"/>
+                  </a:xfrm>
+                  <a:prstGeom prst="rect">
+                    <a:avLst/>
+                  </a:prstGeom>
+                </p:spPr>
+              </p:pic>
+            </mc:Fallback>
+          </mc:AlternateContent>
+        </p:grpSp>
+        <mc:AlternateContent xmlns:mc="http://schemas.openxmlformats.org/markup-compatibility/2006">
+          <mc:Choice xmlns:p14="http://schemas.microsoft.com/office/powerpoint/2010/main" Requires="p14">
+            <p:contentPart p14:bwMode="auto" r:id="rId23">
+              <p14:nvContentPartPr>
+                <p14:cNvPr id="26" name="墨迹 25">
+                  <a:extLst>
+                    <a:ext uri="{FF2B5EF4-FFF2-40B4-BE49-F238E27FC236}">
+                      <a16:creationId xmlns:a16="http://schemas.microsoft.com/office/drawing/2014/main" id="{8416C02D-6F8C-6785-54D2-716FA7A7E513}"/>
+                    </a:ext>
+                  </a:extLst>
+                </p14:cNvPr>
+                <p14:cNvContentPartPr/>
+                <p14:nvPr/>
+              </p14:nvContentPartPr>
+              <p14:xfrm>
+                <a:off x="3644341" y="1394183"/>
+                <a:ext cx="151200" cy="218880"/>
+              </p14:xfrm>
+            </p:contentPart>
+          </mc:Choice>
+          <mc:Fallback>
+            <p:pic>
+              <p:nvPicPr>
+                <p:cNvPr id="26" name="墨迹 25">
+                  <a:extLst>
+                    <a:ext uri="{FF2B5EF4-FFF2-40B4-BE49-F238E27FC236}">
+                      <a16:creationId xmlns:a16="http://schemas.microsoft.com/office/drawing/2014/main" id="{8416C02D-6F8C-6785-54D2-716FA7A7E513}"/>
+                    </a:ext>
+                  </a:extLst>
+                </p:cNvPr>
+                <p:cNvPicPr/>
+                <p:nvPr/>
+              </p:nvPicPr>
+              <p:blipFill>
+                <a:blip r:embed="rId24"/>
+                <a:stretch>
+                  <a:fillRect/>
+                </a:stretch>
+              </p:blipFill>
+              <p:spPr>
+                <a:xfrm>
+                  <a:off x="3638221" y="1388063"/>
+                  <a:ext cx="163440" cy="231120"/>
+                </a:xfrm>
+                <a:prstGeom prst="rect">
+                  <a:avLst/>
+                </a:prstGeom>
+              </p:spPr>
+            </p:pic>
+          </mc:Fallback>
+        </mc:AlternateContent>
+        <mc:AlternateContent xmlns:mc="http://schemas.openxmlformats.org/markup-compatibility/2006">
+          <mc:Choice xmlns:p14="http://schemas.microsoft.com/office/powerpoint/2010/main" Requires="p14">
+            <p:contentPart p14:bwMode="auto" r:id="rId25">
+              <p14:nvContentPartPr>
+                <p14:cNvPr id="42" name="墨迹 41">
+                  <a:extLst>
+                    <a:ext uri="{FF2B5EF4-FFF2-40B4-BE49-F238E27FC236}">
+                      <a16:creationId xmlns:a16="http://schemas.microsoft.com/office/drawing/2014/main" id="{83AF49E9-6793-99D4-960B-BF78DD008DAC}"/>
+                    </a:ext>
+                  </a:extLst>
+                </p14:cNvPr>
+                <p14:cNvContentPartPr/>
+                <p14:nvPr/>
+              </p14:nvContentPartPr>
+              <p14:xfrm>
+                <a:off x="5132941" y="4649663"/>
+                <a:ext cx="519120" cy="35640"/>
+              </p14:xfrm>
+            </p:contentPart>
+          </mc:Choice>
+          <mc:Fallback>
+            <p:pic>
+              <p:nvPicPr>
+                <p:cNvPr id="42" name="墨迹 41">
+                  <a:extLst>
+                    <a:ext uri="{FF2B5EF4-FFF2-40B4-BE49-F238E27FC236}">
+                      <a16:creationId xmlns:a16="http://schemas.microsoft.com/office/drawing/2014/main" id="{83AF49E9-6793-99D4-960B-BF78DD008DAC}"/>
+                    </a:ext>
+                  </a:extLst>
+                </p:cNvPr>
+                <p:cNvPicPr/>
+                <p:nvPr/>
+              </p:nvPicPr>
+              <p:blipFill>
+                <a:blip r:embed="rId26"/>
+                <a:stretch>
+                  <a:fillRect/>
+                </a:stretch>
+              </p:blipFill>
+              <p:spPr>
+                <a:xfrm>
+                  <a:off x="5126821" y="4643543"/>
+                  <a:ext cx="531360" cy="47880"/>
+                </a:xfrm>
+                <a:prstGeom prst="rect">
+                  <a:avLst/>
+                </a:prstGeom>
+              </p:spPr>
+            </p:pic>
+          </mc:Fallback>
+        </mc:AlternateContent>
+        <mc:AlternateContent xmlns:mc="http://schemas.openxmlformats.org/markup-compatibility/2006">
+          <mc:Choice xmlns:p14="http://schemas.microsoft.com/office/powerpoint/2010/main" Requires="p14">
+            <p:contentPart p14:bwMode="auto" r:id="rId27">
+              <p14:nvContentPartPr>
+                <p14:cNvPr id="43" name="墨迹 42">
+                  <a:extLst>
+                    <a:ext uri="{FF2B5EF4-FFF2-40B4-BE49-F238E27FC236}">
+                      <a16:creationId xmlns:a16="http://schemas.microsoft.com/office/drawing/2014/main" id="{D34A61D0-C21A-0C84-3BE8-EFCDDA1F9C1E}"/>
+                    </a:ext>
+                  </a:extLst>
+                </p14:cNvPr>
+                <p14:cNvContentPartPr/>
+                <p14:nvPr/>
+              </p14:nvContentPartPr>
+              <p14:xfrm>
+                <a:off x="966301" y="5085623"/>
+                <a:ext cx="383400" cy="72360"/>
+              </p14:xfrm>
+            </p:contentPart>
+          </mc:Choice>
+          <mc:Fallback>
+            <p:pic>
+              <p:nvPicPr>
+                <p:cNvPr id="43" name="墨迹 42">
+                  <a:extLst>
+                    <a:ext uri="{FF2B5EF4-FFF2-40B4-BE49-F238E27FC236}">
+                      <a16:creationId xmlns:a16="http://schemas.microsoft.com/office/drawing/2014/main" id="{D34A61D0-C21A-0C84-3BE8-EFCDDA1F9C1E}"/>
+                    </a:ext>
+                  </a:extLst>
+                </p:cNvPr>
+                <p:cNvPicPr/>
+                <p:nvPr/>
+              </p:nvPicPr>
+              <p:blipFill>
+                <a:blip r:embed="rId28"/>
+                <a:stretch>
+                  <a:fillRect/>
+                </a:stretch>
+              </p:blipFill>
+              <p:spPr>
+                <a:xfrm>
+                  <a:off x="960181" y="5079503"/>
+                  <a:ext cx="395640" cy="84600"/>
+                </a:xfrm>
+                <a:prstGeom prst="rect">
+                  <a:avLst/>
+                </a:prstGeom>
+              </p:spPr>
+            </p:pic>
+          </mc:Fallback>
+        </mc:AlternateContent>
+        <mc:AlternateContent xmlns:mc="http://schemas.openxmlformats.org/markup-compatibility/2006">
+          <mc:Choice xmlns:p14="http://schemas.microsoft.com/office/powerpoint/2010/main" Requires="p14">
+            <p:contentPart p14:bwMode="auto" r:id="rId29">
+              <p14:nvContentPartPr>
+                <p14:cNvPr id="44" name="墨迹 43">
+                  <a:extLst>
+                    <a:ext uri="{FF2B5EF4-FFF2-40B4-BE49-F238E27FC236}">
+                      <a16:creationId xmlns:a16="http://schemas.microsoft.com/office/drawing/2014/main" id="{085BE016-AD20-6992-6B53-39B3EA5FCA79}"/>
+                    </a:ext>
+                  </a:extLst>
+                </p14:cNvPr>
+                <p14:cNvContentPartPr/>
+                <p14:nvPr/>
+              </p14:nvContentPartPr>
+              <p14:xfrm>
+                <a:off x="5577901" y="4643183"/>
+                <a:ext cx="187560" cy="43560"/>
+              </p14:xfrm>
+            </p:contentPart>
+          </mc:Choice>
+          <mc:Fallback>
+            <p:pic>
+              <p:nvPicPr>
+                <p:cNvPr id="44" name="墨迹 43">
+                  <a:extLst>
+                    <a:ext uri="{FF2B5EF4-FFF2-40B4-BE49-F238E27FC236}">
+                      <a16:creationId xmlns:a16="http://schemas.microsoft.com/office/drawing/2014/main" id="{085BE016-AD20-6992-6B53-39B3EA5FCA79}"/>
+                    </a:ext>
+                  </a:extLst>
+                </p:cNvPr>
+                <p:cNvPicPr/>
+                <p:nvPr/>
+              </p:nvPicPr>
+              <p:blipFill>
+                <a:blip r:embed="rId30"/>
+                <a:stretch>
+                  <a:fillRect/>
+                </a:stretch>
+              </p:blipFill>
+              <p:spPr>
+                <a:xfrm>
+                  <a:off x="5571781" y="4637063"/>
+                  <a:ext cx="199800" cy="55800"/>
+                </a:xfrm>
+                <a:prstGeom prst="rect">
+                  <a:avLst/>
+                </a:prstGeom>
+              </p:spPr>
+            </p:pic>
+          </mc:Fallback>
+        </mc:AlternateContent>
+        <p:grpSp>
+          <p:nvGrpSpPr>
+            <p:cNvPr id="51" name="组合 50">
+              <a:extLst>
+                <a:ext uri="{FF2B5EF4-FFF2-40B4-BE49-F238E27FC236}">
+                  <a16:creationId xmlns:a16="http://schemas.microsoft.com/office/drawing/2014/main" id="{4775DC52-FDBD-4F98-EDA5-7055BBFF4856}"/>
+                </a:ext>
+              </a:extLst>
+            </p:cNvPr>
+            <p:cNvGrpSpPr/>
+            <p:nvPr/>
+          </p:nvGrpSpPr>
+          <p:grpSpPr>
+            <a:xfrm>
+              <a:off x="2749381" y="3028583"/>
+              <a:ext cx="2710800" cy="194760"/>
+              <a:chOff x="2749381" y="3028583"/>
+              <a:chExt cx="2710800" cy="194760"/>
+            </a:xfrm>
+          </p:grpSpPr>
+          <mc:AlternateContent xmlns:mc="http://schemas.openxmlformats.org/markup-compatibility/2006">
+            <mc:Choice xmlns:p14="http://schemas.microsoft.com/office/powerpoint/2010/main" Requires="p14">
+              <p:contentPart p14:bwMode="auto" r:id="rId31">
+                <p14:nvContentPartPr>
+                  <p14:cNvPr id="49" name="墨迹 48">
+                    <a:extLst>
+                      <a:ext uri="{FF2B5EF4-FFF2-40B4-BE49-F238E27FC236}">
+                        <a16:creationId xmlns:a16="http://schemas.microsoft.com/office/drawing/2014/main" id="{B416EFD0-D4BF-33A8-D987-183048E19D9E}"/>
+                      </a:ext>
+                    </a:extLst>
+                  </p14:cNvPr>
+                  <p14:cNvContentPartPr/>
+                  <p14:nvPr/>
+                </p14:nvContentPartPr>
+                <p14:xfrm>
+                  <a:off x="2749381" y="3110303"/>
+                  <a:ext cx="2178720" cy="93600"/>
+                </p14:xfrm>
+              </p:contentPart>
+            </mc:Choice>
+            <mc:Fallback>
+              <p:pic>
+                <p:nvPicPr>
+                  <p:cNvPr id="49" name="墨迹 48">
+                    <a:extLst>
+                      <a:ext uri="{FF2B5EF4-FFF2-40B4-BE49-F238E27FC236}">
+                        <a16:creationId xmlns:a16="http://schemas.microsoft.com/office/drawing/2014/main" id="{B416EFD0-D4BF-33A8-D987-183048E19D9E}"/>
+                      </a:ext>
+                    </a:extLst>
+                  </p:cNvPr>
+                  <p:cNvPicPr/>
+                  <p:nvPr/>
+                </p:nvPicPr>
+                <p:blipFill>
+                  <a:blip r:embed="rId32"/>
+                  <a:stretch>
+                    <a:fillRect/>
+                  </a:stretch>
+                </p:blipFill>
+                <p:spPr>
+                  <a:xfrm>
+                    <a:off x="2743261" y="3104183"/>
+                    <a:ext cx="2190960" cy="105840"/>
+                  </a:xfrm>
+                  <a:prstGeom prst="rect">
+                    <a:avLst/>
+                  </a:prstGeom>
+                </p:spPr>
+              </p:pic>
+            </mc:Fallback>
+          </mc:AlternateContent>
+          <mc:AlternateContent xmlns:mc="http://schemas.openxmlformats.org/markup-compatibility/2006">
+            <mc:Choice xmlns:p14="http://schemas.microsoft.com/office/powerpoint/2010/main" Requires="p14">
+              <p:contentPart p14:bwMode="auto" r:id="rId33">
+                <p14:nvContentPartPr>
+                  <p14:cNvPr id="50" name="墨迹 49">
+                    <a:extLst>
+                      <a:ext uri="{FF2B5EF4-FFF2-40B4-BE49-F238E27FC236}">
+                        <a16:creationId xmlns:a16="http://schemas.microsoft.com/office/drawing/2014/main" id="{7F08EA18-B15E-3B77-28E1-71420467E0F2}"/>
+                      </a:ext>
+                    </a:extLst>
+                  </p14:cNvPr>
+                  <p14:cNvContentPartPr/>
+                  <p14:nvPr/>
+                </p14:nvContentPartPr>
+                <p14:xfrm>
+                  <a:off x="3469381" y="3028583"/>
+                  <a:ext cx="1990800" cy="194760"/>
+                </p14:xfrm>
+              </p:contentPart>
+            </mc:Choice>
+            <mc:Fallback>
+              <p:pic>
+                <p:nvPicPr>
+                  <p:cNvPr id="50" name="墨迹 49">
+                    <a:extLst>
+                      <a:ext uri="{FF2B5EF4-FFF2-40B4-BE49-F238E27FC236}">
+                        <a16:creationId xmlns:a16="http://schemas.microsoft.com/office/drawing/2014/main" id="{7F08EA18-B15E-3B77-28E1-71420467E0F2}"/>
+                      </a:ext>
+                    </a:extLst>
+                  </p:cNvPr>
+                  <p:cNvPicPr/>
+                  <p:nvPr/>
+                </p:nvPicPr>
+                <p:blipFill>
+                  <a:blip r:embed="rId34"/>
+                  <a:stretch>
+                    <a:fillRect/>
+                  </a:stretch>
+                </p:blipFill>
+                <p:spPr>
+                  <a:xfrm>
+                    <a:off x="3463261" y="3022463"/>
+                    <a:ext cx="2003040" cy="207000"/>
+                  </a:xfrm>
+                  <a:prstGeom prst="rect">
+                    <a:avLst/>
+                  </a:prstGeom>
+                </p:spPr>
+              </p:pic>
+            </mc:Fallback>
+          </mc:AlternateContent>
+        </p:grpSp>
+        <p:grpSp>
+          <p:nvGrpSpPr>
+            <p:cNvPr id="54" name="组合 53">
+              <a:extLst>
+                <a:ext uri="{FF2B5EF4-FFF2-40B4-BE49-F238E27FC236}">
+                  <a16:creationId xmlns:a16="http://schemas.microsoft.com/office/drawing/2014/main" id="{D4C89899-DAFA-2173-6378-111428DE694E}"/>
+                </a:ext>
+              </a:extLst>
+            </p:cNvPr>
+            <p:cNvGrpSpPr/>
+            <p:nvPr/>
+          </p:nvGrpSpPr>
+          <p:grpSpPr>
+            <a:xfrm>
+              <a:off x="3618421" y="2412263"/>
+              <a:ext cx="2364840" cy="423000"/>
+              <a:chOff x="3618421" y="2412263"/>
+              <a:chExt cx="2364840" cy="423000"/>
+            </a:xfrm>
+          </p:grpSpPr>
+          <mc:AlternateContent xmlns:mc="http://schemas.openxmlformats.org/markup-compatibility/2006">
+            <mc:Choice xmlns:p14="http://schemas.microsoft.com/office/powerpoint/2010/main" Requires="p14">
+              <p:contentPart p14:bwMode="auto" r:id="rId35">
+                <p14:nvContentPartPr>
+                  <p14:cNvPr id="35" name="墨迹 34">
+                    <a:extLst>
+                      <a:ext uri="{FF2B5EF4-FFF2-40B4-BE49-F238E27FC236}">
+                        <a16:creationId xmlns:a16="http://schemas.microsoft.com/office/drawing/2014/main" id="{0E6D8D0E-2C04-F14B-1DFD-40AE49F5F1F3}"/>
+                      </a:ext>
+                    </a:extLst>
+                  </p14:cNvPr>
+                  <p14:cNvContentPartPr/>
+                  <p14:nvPr/>
+                </p14:nvContentPartPr>
+                <p14:xfrm>
+                  <a:off x="3618421" y="2412263"/>
+                  <a:ext cx="299520" cy="212040"/>
+                </p14:xfrm>
+              </p:contentPart>
+            </mc:Choice>
+            <mc:Fallback>
+              <p:pic>
+                <p:nvPicPr>
+                  <p:cNvPr id="35" name="墨迹 34">
+                    <a:extLst>
+                      <a:ext uri="{FF2B5EF4-FFF2-40B4-BE49-F238E27FC236}">
+                        <a16:creationId xmlns:a16="http://schemas.microsoft.com/office/drawing/2014/main" id="{0E6D8D0E-2C04-F14B-1DFD-40AE49F5F1F3}"/>
+                      </a:ext>
+                    </a:extLst>
+                  </p:cNvPr>
+                  <p:cNvPicPr/>
+                  <p:nvPr/>
+                </p:nvPicPr>
+                <p:blipFill>
+                  <a:blip r:embed="rId36"/>
+                  <a:stretch>
+                    <a:fillRect/>
+                  </a:stretch>
+                </p:blipFill>
+                <p:spPr>
+                  <a:xfrm>
+                    <a:off x="3612301" y="2406143"/>
+                    <a:ext cx="311760" cy="224280"/>
+                  </a:xfrm>
+                  <a:prstGeom prst="rect">
+                    <a:avLst/>
+                  </a:prstGeom>
+                </p:spPr>
+              </p:pic>
+            </mc:Fallback>
+          </mc:AlternateContent>
+          <mc:AlternateContent xmlns:mc="http://schemas.openxmlformats.org/markup-compatibility/2006">
+            <mc:Choice xmlns:p14="http://schemas.microsoft.com/office/powerpoint/2010/main" Requires="p14">
+              <p:contentPart p14:bwMode="auto" r:id="rId37">
+                <p14:nvContentPartPr>
+                  <p14:cNvPr id="36" name="墨迹 35">
+                    <a:extLst>
+                      <a:ext uri="{FF2B5EF4-FFF2-40B4-BE49-F238E27FC236}">
+                        <a16:creationId xmlns:a16="http://schemas.microsoft.com/office/drawing/2014/main" id="{6B752430-00D6-7D7F-1250-238DD81DC386}"/>
+                      </a:ext>
+                    </a:extLst>
+                  </p14:cNvPr>
+                  <p14:cNvContentPartPr/>
+                  <p14:nvPr/>
+                </p14:nvContentPartPr>
+                <p14:xfrm>
+                  <a:off x="3669901" y="2457623"/>
+                  <a:ext cx="234000" cy="110520"/>
+                </p14:xfrm>
+              </p:contentPart>
+            </mc:Choice>
+            <mc:Fallback>
+              <p:pic>
+                <p:nvPicPr>
+                  <p:cNvPr id="36" name="墨迹 35">
+                    <a:extLst>
+                      <a:ext uri="{FF2B5EF4-FFF2-40B4-BE49-F238E27FC236}">
+                        <a16:creationId xmlns:a16="http://schemas.microsoft.com/office/drawing/2014/main" id="{6B752430-00D6-7D7F-1250-238DD81DC386}"/>
+                      </a:ext>
+                    </a:extLst>
+                  </p:cNvPr>
+                  <p:cNvPicPr/>
+                  <p:nvPr/>
+                </p:nvPicPr>
+                <p:blipFill>
+                  <a:blip r:embed="rId38"/>
+                  <a:stretch>
+                    <a:fillRect/>
+                  </a:stretch>
+                </p:blipFill>
+                <p:spPr>
+                  <a:xfrm>
+                    <a:off x="3663781" y="2451503"/>
+                    <a:ext cx="246240" cy="122760"/>
+                  </a:xfrm>
+                  <a:prstGeom prst="rect">
+                    <a:avLst/>
+                  </a:prstGeom>
+                </p:spPr>
+              </p:pic>
+            </mc:Fallback>
+          </mc:AlternateContent>
+          <mc:AlternateContent xmlns:mc="http://schemas.openxmlformats.org/markup-compatibility/2006">
+            <mc:Choice xmlns:p14="http://schemas.microsoft.com/office/powerpoint/2010/main" Requires="p14">
+              <p:contentPart p14:bwMode="auto" r:id="rId39">
+                <p14:nvContentPartPr>
+                  <p14:cNvPr id="38" name="墨迹 37">
+                    <a:extLst>
+                      <a:ext uri="{FF2B5EF4-FFF2-40B4-BE49-F238E27FC236}">
+                        <a16:creationId xmlns:a16="http://schemas.microsoft.com/office/drawing/2014/main" id="{FDAE9E41-EEF8-3C97-BCD8-181076C09180}"/>
+                      </a:ext>
+                    </a:extLst>
+                  </p14:cNvPr>
+                  <p14:cNvContentPartPr/>
+                  <p14:nvPr/>
+                </p14:nvContentPartPr>
+                <p14:xfrm>
+                  <a:off x="3709501" y="2566343"/>
+                  <a:ext cx="199080" cy="105840"/>
+                </p14:xfrm>
+              </p:contentPart>
+            </mc:Choice>
+            <mc:Fallback>
+              <p:pic>
+                <p:nvPicPr>
+                  <p:cNvPr id="38" name="墨迹 37">
+                    <a:extLst>
+                      <a:ext uri="{FF2B5EF4-FFF2-40B4-BE49-F238E27FC236}">
+                        <a16:creationId xmlns:a16="http://schemas.microsoft.com/office/drawing/2014/main" id="{FDAE9E41-EEF8-3C97-BCD8-181076C09180}"/>
+                      </a:ext>
+                    </a:extLst>
+                  </p:cNvPr>
+                  <p:cNvPicPr/>
+                  <p:nvPr/>
+                </p:nvPicPr>
+                <p:blipFill>
+                  <a:blip r:embed="rId40"/>
+                  <a:stretch>
+                    <a:fillRect/>
+                  </a:stretch>
+                </p:blipFill>
+                <p:spPr>
+                  <a:xfrm>
+                    <a:off x="3703381" y="2560223"/>
+                    <a:ext cx="211320" cy="118080"/>
+                  </a:xfrm>
+                  <a:prstGeom prst="rect">
+                    <a:avLst/>
+                  </a:prstGeom>
+                </p:spPr>
+              </p:pic>
+            </mc:Fallback>
+          </mc:AlternateContent>
+          <mc:AlternateContent xmlns:mc="http://schemas.openxmlformats.org/markup-compatibility/2006">
+            <mc:Choice xmlns:p14="http://schemas.microsoft.com/office/powerpoint/2010/main" Requires="p14">
+              <p:contentPart p14:bwMode="auto" r:id="rId41">
+                <p14:nvContentPartPr>
+                  <p14:cNvPr id="39" name="墨迹 38">
+                    <a:extLst>
+                      <a:ext uri="{FF2B5EF4-FFF2-40B4-BE49-F238E27FC236}">
+                        <a16:creationId xmlns:a16="http://schemas.microsoft.com/office/drawing/2014/main" id="{3C3C03F7-C0E7-26B1-D338-5FB5BC6CE8C2}"/>
+                      </a:ext>
+                    </a:extLst>
+                  </p14:cNvPr>
+                  <p14:cNvContentPartPr/>
+                  <p14:nvPr/>
+                </p14:nvContentPartPr>
+                <p14:xfrm>
+                  <a:off x="3682141" y="2457623"/>
+                  <a:ext cx="56160" cy="171000"/>
+                </p14:xfrm>
+              </p:contentPart>
+            </mc:Choice>
+            <mc:Fallback>
+              <p:pic>
+                <p:nvPicPr>
+                  <p:cNvPr id="39" name="墨迹 38">
+                    <a:extLst>
+                      <a:ext uri="{FF2B5EF4-FFF2-40B4-BE49-F238E27FC236}">
+                        <a16:creationId xmlns:a16="http://schemas.microsoft.com/office/drawing/2014/main" id="{3C3C03F7-C0E7-26B1-D338-5FB5BC6CE8C2}"/>
+                      </a:ext>
+                    </a:extLst>
+                  </p:cNvPr>
+                  <p:cNvPicPr/>
+                  <p:nvPr/>
+                </p:nvPicPr>
+                <p:blipFill>
+                  <a:blip r:embed="rId42"/>
+                  <a:stretch>
+                    <a:fillRect/>
+                  </a:stretch>
+                </p:blipFill>
+                <p:spPr>
+                  <a:xfrm>
+                    <a:off x="3676021" y="2451503"/>
+                    <a:ext cx="68400" cy="183240"/>
+                  </a:xfrm>
+                  <a:prstGeom prst="rect">
+                    <a:avLst/>
+                  </a:prstGeom>
+                </p:spPr>
+              </p:pic>
+            </mc:Fallback>
+          </mc:AlternateContent>
+          <mc:AlternateContent xmlns:mc="http://schemas.openxmlformats.org/markup-compatibility/2006">
+            <mc:Choice xmlns:p14="http://schemas.microsoft.com/office/powerpoint/2010/main" Requires="p14">
+              <p:contentPart p14:bwMode="auto" r:id="rId43">
+                <p14:nvContentPartPr>
+                  <p14:cNvPr id="40" name="墨迹 39">
+                    <a:extLst>
+                      <a:ext uri="{FF2B5EF4-FFF2-40B4-BE49-F238E27FC236}">
+                        <a16:creationId xmlns:a16="http://schemas.microsoft.com/office/drawing/2014/main" id="{AC290DD7-9892-E324-9459-30B479D712B8}"/>
+                      </a:ext>
+                    </a:extLst>
+                  </p14:cNvPr>
+                  <p14:cNvContentPartPr/>
+                  <p14:nvPr/>
+                </p14:nvContentPartPr>
+                <p14:xfrm>
+                  <a:off x="3780781" y="2464103"/>
+                  <a:ext cx="54720" cy="146160"/>
+                </p14:xfrm>
+              </p:contentPart>
+            </mc:Choice>
+            <mc:Fallback>
+              <p:pic>
+                <p:nvPicPr>
+                  <p:cNvPr id="40" name="墨迹 39">
+                    <a:extLst>
+                      <a:ext uri="{FF2B5EF4-FFF2-40B4-BE49-F238E27FC236}">
+                        <a16:creationId xmlns:a16="http://schemas.microsoft.com/office/drawing/2014/main" id="{AC290DD7-9892-E324-9459-30B479D712B8}"/>
+                      </a:ext>
+                    </a:extLst>
+                  </p:cNvPr>
+                  <p:cNvPicPr/>
+                  <p:nvPr/>
+                </p:nvPicPr>
+                <p:blipFill>
+                  <a:blip r:embed="rId44"/>
+                  <a:stretch>
+                    <a:fillRect/>
+                  </a:stretch>
+                </p:blipFill>
+                <p:spPr>
+                  <a:xfrm>
+                    <a:off x="3774661" y="2457983"/>
+                    <a:ext cx="66960" cy="158400"/>
+                  </a:xfrm>
+                  <a:prstGeom prst="rect">
+                    <a:avLst/>
+                  </a:prstGeom>
+                </p:spPr>
+              </p:pic>
+            </mc:Fallback>
+          </mc:AlternateContent>
+          <mc:AlternateContent xmlns:mc="http://schemas.openxmlformats.org/markup-compatibility/2006">
+            <mc:Choice xmlns:p14="http://schemas.microsoft.com/office/powerpoint/2010/main" Requires="p14">
+              <p:contentPart p14:bwMode="auto" r:id="rId45">
+                <p14:nvContentPartPr>
+                  <p14:cNvPr id="52" name="墨迹 51">
+                    <a:extLst>
+                      <a:ext uri="{FF2B5EF4-FFF2-40B4-BE49-F238E27FC236}">
+                        <a16:creationId xmlns:a16="http://schemas.microsoft.com/office/drawing/2014/main" id="{C0791871-034A-AEA4-3DC3-756214A041A7}"/>
+                      </a:ext>
+                    </a:extLst>
+                  </p14:cNvPr>
+                  <p14:cNvContentPartPr/>
+                  <p14:nvPr/>
+                </p14:nvContentPartPr>
+                <p14:xfrm>
+                  <a:off x="3884461" y="2619623"/>
+                  <a:ext cx="2098800" cy="215640"/>
+                </p14:xfrm>
+              </p:contentPart>
+            </mc:Choice>
+            <mc:Fallback>
+              <p:pic>
+                <p:nvPicPr>
+                  <p:cNvPr id="52" name="墨迹 51">
+                    <a:extLst>
+                      <a:ext uri="{FF2B5EF4-FFF2-40B4-BE49-F238E27FC236}">
+                        <a16:creationId xmlns:a16="http://schemas.microsoft.com/office/drawing/2014/main" id="{C0791871-034A-AEA4-3DC3-756214A041A7}"/>
+                      </a:ext>
+                    </a:extLst>
+                  </p:cNvPr>
+                  <p:cNvPicPr/>
+                  <p:nvPr/>
+                </p:nvPicPr>
+                <p:blipFill>
+                  <a:blip r:embed="rId46"/>
+                  <a:stretch>
+                    <a:fillRect/>
+                  </a:stretch>
+                </p:blipFill>
+                <p:spPr>
+                  <a:xfrm>
+                    <a:off x="3878341" y="2613503"/>
+                    <a:ext cx="2111040" cy="227880"/>
+                  </a:xfrm>
+                  <a:prstGeom prst="rect">
+                    <a:avLst/>
+                  </a:prstGeom>
+                </p:spPr>
+              </p:pic>
+            </mc:Fallback>
+          </mc:AlternateContent>
+        </p:grpSp>
+        <mc:AlternateContent xmlns:mc="http://schemas.openxmlformats.org/markup-compatibility/2006">
+          <mc:Choice xmlns:p14="http://schemas.microsoft.com/office/powerpoint/2010/main" Requires="p14">
+            <p:contentPart p14:bwMode="auto" r:id="rId47">
+              <p14:nvContentPartPr>
+                <p14:cNvPr id="53" name="墨迹 52">
+                  <a:extLst>
+                    <a:ext uri="{FF2B5EF4-FFF2-40B4-BE49-F238E27FC236}">
+                      <a16:creationId xmlns:a16="http://schemas.microsoft.com/office/drawing/2014/main" id="{2D55EAED-FD13-6115-3110-C1A967FD9D1C}"/>
+                    </a:ext>
+                  </a:extLst>
+                </p14:cNvPr>
+                <p14:cNvContentPartPr/>
+                <p14:nvPr/>
+              </p14:nvContentPartPr>
+              <p14:xfrm>
+                <a:off x="946501" y="3112823"/>
+                <a:ext cx="1660320" cy="45720"/>
+              </p14:xfrm>
+            </p:contentPart>
+          </mc:Choice>
+          <mc:Fallback>
+            <p:pic>
+              <p:nvPicPr>
+                <p:cNvPr id="53" name="墨迹 52">
+                  <a:extLst>
+                    <a:ext uri="{FF2B5EF4-FFF2-40B4-BE49-F238E27FC236}">
+                      <a16:creationId xmlns:a16="http://schemas.microsoft.com/office/drawing/2014/main" id="{2D55EAED-FD13-6115-3110-C1A967FD9D1C}"/>
+                    </a:ext>
+                  </a:extLst>
+                </p:cNvPr>
+                <p:cNvPicPr/>
+                <p:nvPr/>
+              </p:nvPicPr>
+              <p:blipFill>
+                <a:blip r:embed="rId48"/>
+                <a:stretch>
+                  <a:fillRect/>
+                </a:stretch>
+              </p:blipFill>
+              <p:spPr>
+                <a:xfrm>
+                  <a:off x="940381" y="3106703"/>
+                  <a:ext cx="1672560" cy="57960"/>
+                </a:xfrm>
+                <a:prstGeom prst="rect">
+                  <a:avLst/>
+                </a:prstGeom>
+              </p:spPr>
+            </p:pic>
+          </mc:Fallback>
+        </mc:AlternateContent>
+        <mc:AlternateContent xmlns:mc="http://schemas.openxmlformats.org/markup-compatibility/2006">
+          <mc:Choice xmlns:p14="http://schemas.microsoft.com/office/powerpoint/2010/main" Requires="p14">
+            <p:contentPart p14:bwMode="auto" r:id="rId49">
+              <p14:nvContentPartPr>
+                <p14:cNvPr id="61" name="墨迹 60">
+                  <a:extLst>
+                    <a:ext uri="{FF2B5EF4-FFF2-40B4-BE49-F238E27FC236}">
+                      <a16:creationId xmlns:a16="http://schemas.microsoft.com/office/drawing/2014/main" id="{9D57C724-3E65-3324-9AA9-7BACF4103E32}"/>
+                    </a:ext>
+                  </a:extLst>
+                </p14:cNvPr>
+                <p14:cNvContentPartPr/>
+                <p14:nvPr/>
+              </p14:nvContentPartPr>
+              <p14:xfrm>
+                <a:off x="1292101" y="3436823"/>
+                <a:ext cx="448560" cy="163080"/>
+              </p14:xfrm>
+            </p:contentPart>
+          </mc:Choice>
+          <mc:Fallback>
+            <p:pic>
+              <p:nvPicPr>
+                <p:cNvPr id="61" name="墨迹 60">
+                  <a:extLst>
+                    <a:ext uri="{FF2B5EF4-FFF2-40B4-BE49-F238E27FC236}">
+                      <a16:creationId xmlns:a16="http://schemas.microsoft.com/office/drawing/2014/main" id="{9D57C724-3E65-3324-9AA9-7BACF4103E32}"/>
+                    </a:ext>
+                  </a:extLst>
+                </p:cNvPr>
+                <p:cNvPicPr/>
+                <p:nvPr/>
+              </p:nvPicPr>
+              <p:blipFill>
+                <a:blip r:embed="rId50"/>
+                <a:stretch>
+                  <a:fillRect/>
+                </a:stretch>
+              </p:blipFill>
+              <p:spPr>
+                <a:xfrm>
+                  <a:off x="1285981" y="3430703"/>
+                  <a:ext cx="460800" cy="175320"/>
+                </a:xfrm>
+                <a:prstGeom prst="rect">
+                  <a:avLst/>
+                </a:prstGeom>
+              </p:spPr>
+            </p:pic>
+          </mc:Fallback>
+        </mc:AlternateContent>
+      </p:grpSp>
+    </p:spTree>
+    <p:extLst>
+      <p:ext uri="{BB962C8B-B14F-4D97-AF65-F5344CB8AC3E}">
+        <p14:creationId xmlns:p14="http://schemas.microsoft.com/office/powerpoint/2010/main" val="582862579"/>
+      </p:ext>
+    </p:extLst>
+  </p:cSld>
+  <p:clrMapOvr>
+    <a:masterClrMapping/>
+  </p:clrMapOvr>
+</p:sld>
+</file>
+
 <file path=ppt/theme/theme1.xml><?xml version="1.0" encoding="utf-8"?>
 <a:theme xmlns:a="http://schemas.openxmlformats.org/drawingml/2006/main" name="Office 主题​​">
   <a:themeElements>
